--- a/Source/chapters/01.HeteroComp/figures/GPU.pptx
+++ b/Source/chapters/01.HeteroComp/figures/GPU.pptx
@@ -5,12 +5,13 @@
     <p:sldMasterId id="2147483648" r:id="rId1"/>
   </p:sldMasterIdLst>
   <p:notesMasterIdLst>
-    <p:notesMasterId r:id="rId5"/>
+    <p:notesMasterId r:id="rId6"/>
   </p:notesMasterIdLst>
   <p:sldIdLst>
-    <p:sldId id="256" r:id="rId2"/>
-    <p:sldId id="258" r:id="rId3"/>
+    <p:sldId id="258" r:id="rId2"/>
+    <p:sldId id="259" r:id="rId3"/>
     <p:sldId id="257" r:id="rId4"/>
+    <p:sldId id="256" r:id="rId5"/>
   </p:sldIdLst>
   <p:sldSz cx="12192000" cy="6858000"/>
   <p:notesSz cx="6858000" cy="9144000"/>
@@ -210,7 +211,7 @@
           <a:p>
             <a:fld id="{3E248CC4-C781-3042-BCC4-4143E3C28A61}" type="datetimeFigureOut">
               <a:rPr lang="en-US" smtClean="0"/>
-              <a:t>3/28/21</a:t>
+              <a:t>4/1/21</a:t>
             </a:fld>
             <a:endParaRPr lang="en-US"/>
           </a:p>
@@ -542,7 +543,7 @@
           <a:p>
             <a:fld id="{EAD80E4F-FBA6-6640-A0DB-FFF31A1DBA7B}" type="slidenum">
               <a:rPr lang="en-US" smtClean="0"/>
-              <a:t>2</a:t>
+              <a:t>1</a:t>
             </a:fld>
             <a:endParaRPr lang="en-US"/>
           </a:p>
@@ -708,7 +709,7 @@
           <a:p>
             <a:fld id="{4B3C81F5-6E38-F143-A0F0-C9AF46A94FC5}" type="datetimeFigureOut">
               <a:rPr lang="en-US" smtClean="0"/>
-              <a:t>3/28/21</a:t>
+              <a:t>4/1/21</a:t>
             </a:fld>
             <a:endParaRPr lang="en-US"/>
           </a:p>
@@ -906,7 +907,7 @@
           <a:p>
             <a:fld id="{4B3C81F5-6E38-F143-A0F0-C9AF46A94FC5}" type="datetimeFigureOut">
               <a:rPr lang="en-US" smtClean="0"/>
-              <a:t>3/28/21</a:t>
+              <a:t>4/1/21</a:t>
             </a:fld>
             <a:endParaRPr lang="en-US"/>
           </a:p>
@@ -1114,7 +1115,7 @@
           <a:p>
             <a:fld id="{4B3C81F5-6E38-F143-A0F0-C9AF46A94FC5}" type="datetimeFigureOut">
               <a:rPr lang="en-US" smtClean="0"/>
-              <a:t>3/28/21</a:t>
+              <a:t>4/1/21</a:t>
             </a:fld>
             <a:endParaRPr lang="en-US"/>
           </a:p>
@@ -1312,7 +1313,7 @@
           <a:p>
             <a:fld id="{4B3C81F5-6E38-F143-A0F0-C9AF46A94FC5}" type="datetimeFigureOut">
               <a:rPr lang="en-US" smtClean="0"/>
-              <a:t>3/28/21</a:t>
+              <a:t>4/1/21</a:t>
             </a:fld>
             <a:endParaRPr lang="en-US"/>
           </a:p>
@@ -1587,7 +1588,7 @@
           <a:p>
             <a:fld id="{4B3C81F5-6E38-F143-A0F0-C9AF46A94FC5}" type="datetimeFigureOut">
               <a:rPr lang="en-US" smtClean="0"/>
-              <a:t>3/28/21</a:t>
+              <a:t>4/1/21</a:t>
             </a:fld>
             <a:endParaRPr lang="en-US"/>
           </a:p>
@@ -1852,7 +1853,7 @@
           <a:p>
             <a:fld id="{4B3C81F5-6E38-F143-A0F0-C9AF46A94FC5}" type="datetimeFigureOut">
               <a:rPr lang="en-US" smtClean="0"/>
-              <a:t>3/28/21</a:t>
+              <a:t>4/1/21</a:t>
             </a:fld>
             <a:endParaRPr lang="en-US"/>
           </a:p>
@@ -2264,7 +2265,7 @@
           <a:p>
             <a:fld id="{4B3C81F5-6E38-F143-A0F0-C9AF46A94FC5}" type="datetimeFigureOut">
               <a:rPr lang="en-US" smtClean="0"/>
-              <a:t>3/28/21</a:t>
+              <a:t>4/1/21</a:t>
             </a:fld>
             <a:endParaRPr lang="en-US"/>
           </a:p>
@@ -2405,7 +2406,7 @@
           <a:p>
             <a:fld id="{4B3C81F5-6E38-F143-A0F0-C9AF46A94FC5}" type="datetimeFigureOut">
               <a:rPr lang="en-US" smtClean="0"/>
-              <a:t>3/28/21</a:t>
+              <a:t>4/1/21</a:t>
             </a:fld>
             <a:endParaRPr lang="en-US"/>
           </a:p>
@@ -2518,7 +2519,7 @@
           <a:p>
             <a:fld id="{4B3C81F5-6E38-F143-A0F0-C9AF46A94FC5}" type="datetimeFigureOut">
               <a:rPr lang="en-US" smtClean="0"/>
-              <a:t>3/28/21</a:t>
+              <a:t>4/1/21</a:t>
             </a:fld>
             <a:endParaRPr lang="en-US"/>
           </a:p>
@@ -2829,7 +2830,7 @@
           <a:p>
             <a:fld id="{4B3C81F5-6E38-F143-A0F0-C9AF46A94FC5}" type="datetimeFigureOut">
               <a:rPr lang="en-US" smtClean="0"/>
-              <a:t>3/28/21</a:t>
+              <a:t>4/1/21</a:t>
             </a:fld>
             <a:endParaRPr lang="en-US"/>
           </a:p>
@@ -3117,7 +3118,7 @@
           <a:p>
             <a:fld id="{4B3C81F5-6E38-F143-A0F0-C9AF46A94FC5}" type="datetimeFigureOut">
               <a:rPr lang="en-US" smtClean="0"/>
-              <a:t>3/28/21</a:t>
+              <a:t>4/1/21</a:t>
             </a:fld>
             <a:endParaRPr lang="en-US"/>
           </a:p>
@@ -3358,7 +3359,7 @@
           <a:p>
             <a:fld id="{4B3C81F5-6E38-F143-A0F0-C9AF46A94FC5}" type="datetimeFigureOut">
               <a:rPr lang="en-US" smtClean="0"/>
-              <a:t>3/28/21</a:t>
+              <a:t>4/1/21</a:t>
             </a:fld>
             <a:endParaRPr lang="en-US"/>
           </a:p>
@@ -3759,6 +3760,4562 @@
 </file>
 
 <file path=ppt/slides/slide1.xml><?xml version="1.0" encoding="utf-8"?>
+<p:sld xmlns:a="http://schemas.openxmlformats.org/drawingml/2006/main" xmlns:r="http://schemas.openxmlformats.org/officeDocument/2006/relationships" xmlns:p="http://schemas.openxmlformats.org/presentationml/2006/main">
+  <p:cSld>
+    <p:spTree>
+      <p:nvGrpSpPr>
+        <p:cNvPr id="1" name=""/>
+        <p:cNvGrpSpPr/>
+        <p:nvPr/>
+      </p:nvGrpSpPr>
+      <p:grpSpPr>
+        <a:xfrm>
+          <a:off x="0" y="0"/>
+          <a:ext cx="0" cy="0"/>
+          <a:chOff x="0" y="0"/>
+          <a:chExt cx="0" cy="0"/>
+        </a:xfrm>
+      </p:grpSpPr>
+      <p:sp>
+        <p:nvSpPr>
+          <p:cNvPr id="177" name="Rectangle 176">
+            <a:extLst>
+              <a:ext uri="{FF2B5EF4-FFF2-40B4-BE49-F238E27FC236}">
+                <a16:creationId xmlns:a16="http://schemas.microsoft.com/office/drawing/2014/main" id="{1A06D7AC-ADE3-4A47-B49C-E4EEFD8E29A6}"/>
+              </a:ext>
+            </a:extLst>
+          </p:cNvPr>
+          <p:cNvSpPr/>
+          <p:nvPr/>
+        </p:nvSpPr>
+        <p:spPr>
+          <a:xfrm>
+            <a:off x="578498" y="39456"/>
+            <a:ext cx="8623323" cy="6184245"/>
+          </a:xfrm>
+          <a:prstGeom prst="rect">
+            <a:avLst/>
+          </a:prstGeom>
+          <a:solidFill>
+            <a:schemeClr val="bg1"/>
+          </a:solidFill>
+          <a:ln>
+            <a:noFill/>
+          </a:ln>
+        </p:spPr>
+        <p:style>
+          <a:lnRef idx="2">
+            <a:schemeClr val="accent1">
+              <a:shade val="50000"/>
+            </a:schemeClr>
+          </a:lnRef>
+          <a:fillRef idx="1">
+            <a:schemeClr val="accent1"/>
+          </a:fillRef>
+          <a:effectRef idx="0">
+            <a:schemeClr val="accent1"/>
+          </a:effectRef>
+          <a:fontRef idx="minor">
+            <a:schemeClr val="lt1"/>
+          </a:fontRef>
+        </p:style>
+        <p:txBody>
+          <a:bodyPr rtlCol="0" anchor="ctr"/>
+          <a:lstStyle/>
+          <a:p>
+            <a:pPr algn="ctr"/>
+            <a:endParaRPr lang="en-US"/>
+          </a:p>
+        </p:txBody>
+      </p:sp>
+      <p:pic>
+        <p:nvPicPr>
+          <p:cNvPr id="73" name="Picture 72">
+            <a:extLst>
+              <a:ext uri="{FF2B5EF4-FFF2-40B4-BE49-F238E27FC236}">
+                <a16:creationId xmlns:a16="http://schemas.microsoft.com/office/drawing/2014/main" id="{6A636E24-8034-7244-89B0-F121923B7B4B}"/>
+              </a:ext>
+            </a:extLst>
+          </p:cNvPr>
+          <p:cNvPicPr>
+            <a:picLocks noChangeAspect="1"/>
+          </p:cNvPicPr>
+          <p:nvPr/>
+        </p:nvPicPr>
+        <p:blipFill>
+          <a:blip r:embed="rId3"/>
+          <a:stretch>
+            <a:fillRect/>
+          </a:stretch>
+        </p:blipFill>
+        <p:spPr>
+          <a:xfrm>
+            <a:off x="1389137" y="517823"/>
+            <a:ext cx="816016" cy="1102151"/>
+          </a:xfrm>
+          <a:prstGeom prst="rect">
+            <a:avLst/>
+          </a:prstGeom>
+        </p:spPr>
+      </p:pic>
+      <p:pic>
+        <p:nvPicPr>
+          <p:cNvPr id="97" name="Picture 96">
+            <a:extLst>
+              <a:ext uri="{FF2B5EF4-FFF2-40B4-BE49-F238E27FC236}">
+                <a16:creationId xmlns:a16="http://schemas.microsoft.com/office/drawing/2014/main" id="{978669E8-8E4B-474D-89F8-C7F25EA28480}"/>
+              </a:ext>
+            </a:extLst>
+          </p:cNvPr>
+          <p:cNvPicPr>
+            <a:picLocks noChangeAspect="1"/>
+          </p:cNvPicPr>
+          <p:nvPr/>
+        </p:nvPicPr>
+        <p:blipFill>
+          <a:blip r:embed="rId4"/>
+          <a:stretch>
+            <a:fillRect/>
+          </a:stretch>
+        </p:blipFill>
+        <p:spPr>
+          <a:xfrm>
+            <a:off x="1379269" y="1882670"/>
+            <a:ext cx="816016" cy="1106944"/>
+          </a:xfrm>
+          <a:prstGeom prst="rect">
+            <a:avLst/>
+          </a:prstGeom>
+        </p:spPr>
+      </p:pic>
+      <p:pic>
+        <p:nvPicPr>
+          <p:cNvPr id="98" name="Picture 97">
+            <a:extLst>
+              <a:ext uri="{FF2B5EF4-FFF2-40B4-BE49-F238E27FC236}">
+                <a16:creationId xmlns:a16="http://schemas.microsoft.com/office/drawing/2014/main" id="{98C97370-819D-344C-992A-FD6CBACEC3B6}"/>
+              </a:ext>
+            </a:extLst>
+          </p:cNvPr>
+          <p:cNvPicPr>
+            <a:picLocks noChangeAspect="1"/>
+          </p:cNvPicPr>
+          <p:nvPr/>
+        </p:nvPicPr>
+        <p:blipFill>
+          <a:blip r:embed="rId5"/>
+          <a:stretch>
+            <a:fillRect/>
+          </a:stretch>
+        </p:blipFill>
+        <p:spPr>
+          <a:xfrm>
+            <a:off x="2261351" y="1882670"/>
+            <a:ext cx="816016" cy="1106944"/>
+          </a:xfrm>
+          <a:prstGeom prst="rect">
+            <a:avLst/>
+          </a:prstGeom>
+        </p:spPr>
+      </p:pic>
+      <p:pic>
+        <p:nvPicPr>
+          <p:cNvPr id="99" name="Picture 98">
+            <a:extLst>
+              <a:ext uri="{FF2B5EF4-FFF2-40B4-BE49-F238E27FC236}">
+                <a16:creationId xmlns:a16="http://schemas.microsoft.com/office/drawing/2014/main" id="{98F9EDD7-31F4-D142-A329-566583ED6C2E}"/>
+              </a:ext>
+            </a:extLst>
+          </p:cNvPr>
+          <p:cNvPicPr>
+            <a:picLocks noChangeAspect="1"/>
+          </p:cNvPicPr>
+          <p:nvPr/>
+        </p:nvPicPr>
+        <p:blipFill>
+          <a:blip r:embed="rId6"/>
+          <a:stretch>
+            <a:fillRect/>
+          </a:stretch>
+        </p:blipFill>
+        <p:spPr>
+          <a:xfrm>
+            <a:off x="3265984" y="1863816"/>
+            <a:ext cx="816016" cy="1106944"/>
+          </a:xfrm>
+          <a:prstGeom prst="rect">
+            <a:avLst/>
+          </a:prstGeom>
+        </p:spPr>
+      </p:pic>
+      <p:pic>
+        <p:nvPicPr>
+          <p:cNvPr id="100" name="Picture 99">
+            <a:extLst>
+              <a:ext uri="{FF2B5EF4-FFF2-40B4-BE49-F238E27FC236}">
+                <a16:creationId xmlns:a16="http://schemas.microsoft.com/office/drawing/2014/main" id="{9B99FC02-3562-A941-BEE3-E8B696D2A89F}"/>
+              </a:ext>
+            </a:extLst>
+          </p:cNvPr>
+          <p:cNvPicPr>
+            <a:picLocks noChangeAspect="1"/>
+          </p:cNvPicPr>
+          <p:nvPr/>
+        </p:nvPicPr>
+        <p:blipFill>
+          <a:blip r:embed="rId7"/>
+          <a:stretch>
+            <a:fillRect/>
+          </a:stretch>
+        </p:blipFill>
+        <p:spPr>
+          <a:xfrm>
+            <a:off x="4148066" y="1863816"/>
+            <a:ext cx="816016" cy="1106944"/>
+          </a:xfrm>
+          <a:prstGeom prst="rect">
+            <a:avLst/>
+          </a:prstGeom>
+        </p:spPr>
+      </p:pic>
+      <p:pic>
+        <p:nvPicPr>
+          <p:cNvPr id="101" name="Picture 100">
+            <a:extLst>
+              <a:ext uri="{FF2B5EF4-FFF2-40B4-BE49-F238E27FC236}">
+                <a16:creationId xmlns:a16="http://schemas.microsoft.com/office/drawing/2014/main" id="{F7BFA9A9-165D-9C4A-8C59-DC3C23430E4F}"/>
+              </a:ext>
+            </a:extLst>
+          </p:cNvPr>
+          <p:cNvPicPr>
+            <a:picLocks noChangeAspect="1"/>
+          </p:cNvPicPr>
+          <p:nvPr/>
+        </p:nvPicPr>
+        <p:blipFill>
+          <a:blip r:embed="rId8"/>
+          <a:stretch>
+            <a:fillRect/>
+          </a:stretch>
+        </p:blipFill>
+        <p:spPr>
+          <a:xfrm>
+            <a:off x="2271219" y="517822"/>
+            <a:ext cx="816016" cy="1102151"/>
+          </a:xfrm>
+          <a:prstGeom prst="rect">
+            <a:avLst/>
+          </a:prstGeom>
+        </p:spPr>
+      </p:pic>
+      <p:pic>
+        <p:nvPicPr>
+          <p:cNvPr id="102" name="Picture 101">
+            <a:extLst>
+              <a:ext uri="{FF2B5EF4-FFF2-40B4-BE49-F238E27FC236}">
+                <a16:creationId xmlns:a16="http://schemas.microsoft.com/office/drawing/2014/main" id="{820D4B4A-1304-4845-AFA2-292A7D4F3E20}"/>
+              </a:ext>
+            </a:extLst>
+          </p:cNvPr>
+          <p:cNvPicPr>
+            <a:picLocks noChangeAspect="1"/>
+          </p:cNvPicPr>
+          <p:nvPr/>
+        </p:nvPicPr>
+        <p:blipFill>
+          <a:blip r:embed="rId9"/>
+          <a:stretch>
+            <a:fillRect/>
+          </a:stretch>
+        </p:blipFill>
+        <p:spPr>
+          <a:xfrm>
+            <a:off x="3265984" y="517824"/>
+            <a:ext cx="816016" cy="1102151"/>
+          </a:xfrm>
+          <a:prstGeom prst="rect">
+            <a:avLst/>
+          </a:prstGeom>
+        </p:spPr>
+      </p:pic>
+      <p:pic>
+        <p:nvPicPr>
+          <p:cNvPr id="103" name="Picture 102">
+            <a:extLst>
+              <a:ext uri="{FF2B5EF4-FFF2-40B4-BE49-F238E27FC236}">
+                <a16:creationId xmlns:a16="http://schemas.microsoft.com/office/drawing/2014/main" id="{B49E5F61-D71C-A745-8899-47281F1EA877}"/>
+              </a:ext>
+            </a:extLst>
+          </p:cNvPr>
+          <p:cNvPicPr>
+            <a:picLocks noChangeAspect="1"/>
+          </p:cNvPicPr>
+          <p:nvPr/>
+        </p:nvPicPr>
+        <p:blipFill>
+          <a:blip r:embed="rId10"/>
+          <a:stretch>
+            <a:fillRect/>
+          </a:stretch>
+        </p:blipFill>
+        <p:spPr>
+          <a:xfrm>
+            <a:off x="4148066" y="517823"/>
+            <a:ext cx="816016" cy="1102151"/>
+          </a:xfrm>
+          <a:prstGeom prst="rect">
+            <a:avLst/>
+          </a:prstGeom>
+        </p:spPr>
+      </p:pic>
+      <p:grpSp>
+        <p:nvGrpSpPr>
+          <p:cNvPr id="106" name="Group 105">
+            <a:extLst>
+              <a:ext uri="{FF2B5EF4-FFF2-40B4-BE49-F238E27FC236}">
+                <a16:creationId xmlns:a16="http://schemas.microsoft.com/office/drawing/2014/main" id="{997FE21A-E0C1-4D44-ABE8-7366F35543FF}"/>
+              </a:ext>
+            </a:extLst>
+          </p:cNvPr>
+          <p:cNvGrpSpPr/>
+          <p:nvPr/>
+        </p:nvGrpSpPr>
+        <p:grpSpPr>
+          <a:xfrm>
+            <a:off x="1313203" y="3060234"/>
+            <a:ext cx="3700800" cy="307777"/>
+            <a:chOff x="4683282" y="3242573"/>
+            <a:chExt cx="3700800" cy="307777"/>
+          </a:xfrm>
+        </p:grpSpPr>
+        <p:sp>
+          <p:nvSpPr>
+            <p:cNvPr id="104" name="TextBox 103">
+              <a:extLst>
+                <a:ext uri="{FF2B5EF4-FFF2-40B4-BE49-F238E27FC236}">
+                  <a16:creationId xmlns:a16="http://schemas.microsoft.com/office/drawing/2014/main" id="{CEB4B3EF-4D31-EA4F-81EB-BFAFCD6A584B}"/>
+                </a:ext>
+              </a:extLst>
+            </p:cNvPr>
+            <p:cNvSpPr txBox="1"/>
+            <p:nvPr/>
+          </p:nvSpPr>
+          <p:spPr>
+            <a:xfrm>
+              <a:off x="5090552" y="3242573"/>
+              <a:ext cx="2959043" cy="307777"/>
+            </a:xfrm>
+            <a:prstGeom prst="rect">
+              <a:avLst/>
+            </a:prstGeom>
+            <a:noFill/>
+          </p:spPr>
+          <p:txBody>
+            <a:bodyPr wrap="square" rtlCol="0">
+              <a:spAutoFit/>
+            </a:bodyPr>
+            <a:lstStyle/>
+            <a:p>
+              <a:pPr algn="ctr"/>
+              <a:r>
+                <a:rPr lang="en-US" sz="1400" dirty="0"/>
+                <a:t>L3 Cache</a:t>
+              </a:r>
+            </a:p>
+          </p:txBody>
+        </p:sp>
+        <p:sp>
+          <p:nvSpPr>
+            <p:cNvPr id="105" name="Rectangle 104">
+              <a:extLst>
+                <a:ext uri="{FF2B5EF4-FFF2-40B4-BE49-F238E27FC236}">
+                  <a16:creationId xmlns:a16="http://schemas.microsoft.com/office/drawing/2014/main" id="{BADFF155-79EB-8E47-866A-597E79AAA344}"/>
+                </a:ext>
+              </a:extLst>
+            </p:cNvPr>
+            <p:cNvSpPr/>
+            <p:nvPr/>
+          </p:nvSpPr>
+          <p:spPr>
+            <a:xfrm>
+              <a:off x="4683282" y="3270854"/>
+              <a:ext cx="3700800" cy="254771"/>
+            </a:xfrm>
+            <a:prstGeom prst="rect">
+              <a:avLst/>
+            </a:prstGeom>
+            <a:noFill/>
+            <a:ln>
+              <a:solidFill>
+                <a:schemeClr val="tx1"/>
+              </a:solidFill>
+            </a:ln>
+          </p:spPr>
+          <p:style>
+            <a:lnRef idx="2">
+              <a:schemeClr val="accent1">
+                <a:shade val="50000"/>
+              </a:schemeClr>
+            </a:lnRef>
+            <a:fillRef idx="1">
+              <a:schemeClr val="accent1"/>
+            </a:fillRef>
+            <a:effectRef idx="0">
+              <a:schemeClr val="accent1"/>
+            </a:effectRef>
+            <a:fontRef idx="minor">
+              <a:schemeClr val="lt1"/>
+            </a:fontRef>
+          </p:style>
+          <p:txBody>
+            <a:bodyPr rtlCol="0" anchor="ctr"/>
+            <a:lstStyle/>
+            <a:p>
+              <a:pPr algn="ctr"/>
+              <a:endParaRPr lang="en-US"/>
+            </a:p>
+          </p:txBody>
+        </p:sp>
+      </p:grpSp>
+      <p:pic>
+        <p:nvPicPr>
+          <p:cNvPr id="107" name="Picture 106">
+            <a:extLst>
+              <a:ext uri="{FF2B5EF4-FFF2-40B4-BE49-F238E27FC236}">
+                <a16:creationId xmlns:a16="http://schemas.microsoft.com/office/drawing/2014/main" id="{1EAC4737-7D7B-7741-92E8-0A78C8FA06E3}"/>
+              </a:ext>
+            </a:extLst>
+          </p:cNvPr>
+          <p:cNvPicPr>
+            <a:picLocks noChangeAspect="1"/>
+          </p:cNvPicPr>
+          <p:nvPr/>
+        </p:nvPicPr>
+        <p:blipFill>
+          <a:blip r:embed="rId11"/>
+          <a:stretch>
+            <a:fillRect/>
+          </a:stretch>
+        </p:blipFill>
+        <p:spPr>
+          <a:xfrm>
+            <a:off x="1369842" y="3457488"/>
+            <a:ext cx="816016" cy="1102151"/>
+          </a:xfrm>
+          <a:prstGeom prst="rect">
+            <a:avLst/>
+          </a:prstGeom>
+        </p:spPr>
+      </p:pic>
+      <p:pic>
+        <p:nvPicPr>
+          <p:cNvPr id="108" name="Picture 107">
+            <a:extLst>
+              <a:ext uri="{FF2B5EF4-FFF2-40B4-BE49-F238E27FC236}">
+                <a16:creationId xmlns:a16="http://schemas.microsoft.com/office/drawing/2014/main" id="{A076CDAF-7D1D-F34E-B17C-393DB8C51D55}"/>
+              </a:ext>
+            </a:extLst>
+          </p:cNvPr>
+          <p:cNvPicPr>
+            <a:picLocks noChangeAspect="1"/>
+          </p:cNvPicPr>
+          <p:nvPr/>
+        </p:nvPicPr>
+        <p:blipFill>
+          <a:blip r:embed="rId12"/>
+          <a:stretch>
+            <a:fillRect/>
+          </a:stretch>
+        </p:blipFill>
+        <p:spPr>
+          <a:xfrm>
+            <a:off x="1369842" y="4798783"/>
+            <a:ext cx="816016" cy="1106944"/>
+          </a:xfrm>
+          <a:prstGeom prst="rect">
+            <a:avLst/>
+          </a:prstGeom>
+        </p:spPr>
+      </p:pic>
+      <p:pic>
+        <p:nvPicPr>
+          <p:cNvPr id="109" name="Picture 108">
+            <a:extLst>
+              <a:ext uri="{FF2B5EF4-FFF2-40B4-BE49-F238E27FC236}">
+                <a16:creationId xmlns:a16="http://schemas.microsoft.com/office/drawing/2014/main" id="{F3B52E8C-E0C5-A343-AA5C-46C715EEE454}"/>
+              </a:ext>
+            </a:extLst>
+          </p:cNvPr>
+          <p:cNvPicPr>
+            <a:picLocks noChangeAspect="1"/>
+          </p:cNvPicPr>
+          <p:nvPr/>
+        </p:nvPicPr>
+        <p:blipFill>
+          <a:blip r:embed="rId13"/>
+          <a:stretch>
+            <a:fillRect/>
+          </a:stretch>
+        </p:blipFill>
+        <p:spPr>
+          <a:xfrm>
+            <a:off x="2251924" y="4798783"/>
+            <a:ext cx="816016" cy="1106944"/>
+          </a:xfrm>
+          <a:prstGeom prst="rect">
+            <a:avLst/>
+          </a:prstGeom>
+        </p:spPr>
+      </p:pic>
+      <p:pic>
+        <p:nvPicPr>
+          <p:cNvPr id="110" name="Picture 109">
+            <a:extLst>
+              <a:ext uri="{FF2B5EF4-FFF2-40B4-BE49-F238E27FC236}">
+                <a16:creationId xmlns:a16="http://schemas.microsoft.com/office/drawing/2014/main" id="{71C2145D-B23E-6F44-A0F8-30DACF289E23}"/>
+              </a:ext>
+            </a:extLst>
+          </p:cNvPr>
+          <p:cNvPicPr>
+            <a:picLocks noChangeAspect="1"/>
+          </p:cNvPicPr>
+          <p:nvPr/>
+        </p:nvPicPr>
+        <p:blipFill>
+          <a:blip r:embed="rId14"/>
+          <a:stretch>
+            <a:fillRect/>
+          </a:stretch>
+        </p:blipFill>
+        <p:spPr>
+          <a:xfrm>
+            <a:off x="3275411" y="4802978"/>
+            <a:ext cx="816016" cy="1106944"/>
+          </a:xfrm>
+          <a:prstGeom prst="rect">
+            <a:avLst/>
+          </a:prstGeom>
+        </p:spPr>
+      </p:pic>
+      <p:pic>
+        <p:nvPicPr>
+          <p:cNvPr id="111" name="Picture 110">
+            <a:extLst>
+              <a:ext uri="{FF2B5EF4-FFF2-40B4-BE49-F238E27FC236}">
+                <a16:creationId xmlns:a16="http://schemas.microsoft.com/office/drawing/2014/main" id="{21DB7436-5307-D245-AA04-FF2E96DABAD9}"/>
+              </a:ext>
+            </a:extLst>
+          </p:cNvPr>
+          <p:cNvPicPr>
+            <a:picLocks noChangeAspect="1"/>
+          </p:cNvPicPr>
+          <p:nvPr/>
+        </p:nvPicPr>
+        <p:blipFill>
+          <a:blip r:embed="rId15"/>
+          <a:stretch>
+            <a:fillRect/>
+          </a:stretch>
+        </p:blipFill>
+        <p:spPr>
+          <a:xfrm>
+            <a:off x="4157493" y="4802978"/>
+            <a:ext cx="816016" cy="1106944"/>
+          </a:xfrm>
+          <a:prstGeom prst="rect">
+            <a:avLst/>
+          </a:prstGeom>
+        </p:spPr>
+      </p:pic>
+      <p:pic>
+        <p:nvPicPr>
+          <p:cNvPr id="112" name="Picture 111">
+            <a:extLst>
+              <a:ext uri="{FF2B5EF4-FFF2-40B4-BE49-F238E27FC236}">
+                <a16:creationId xmlns:a16="http://schemas.microsoft.com/office/drawing/2014/main" id="{F2598AEC-5DE0-3E46-8419-82A1A22B4AA4}"/>
+              </a:ext>
+            </a:extLst>
+          </p:cNvPr>
+          <p:cNvPicPr>
+            <a:picLocks noChangeAspect="1"/>
+          </p:cNvPicPr>
+          <p:nvPr/>
+        </p:nvPicPr>
+        <p:blipFill>
+          <a:blip r:embed="rId16"/>
+          <a:stretch>
+            <a:fillRect/>
+          </a:stretch>
+        </p:blipFill>
+        <p:spPr>
+          <a:xfrm>
+            <a:off x="2251924" y="3457487"/>
+            <a:ext cx="816016" cy="1102151"/>
+          </a:xfrm>
+          <a:prstGeom prst="rect">
+            <a:avLst/>
+          </a:prstGeom>
+        </p:spPr>
+      </p:pic>
+      <p:pic>
+        <p:nvPicPr>
+          <p:cNvPr id="113" name="Picture 112">
+            <a:extLst>
+              <a:ext uri="{FF2B5EF4-FFF2-40B4-BE49-F238E27FC236}">
+                <a16:creationId xmlns:a16="http://schemas.microsoft.com/office/drawing/2014/main" id="{2B0537CE-533D-794C-A419-B4CC1E8149F9}"/>
+              </a:ext>
+            </a:extLst>
+          </p:cNvPr>
+          <p:cNvPicPr>
+            <a:picLocks noChangeAspect="1"/>
+          </p:cNvPicPr>
+          <p:nvPr/>
+        </p:nvPicPr>
+        <p:blipFill>
+          <a:blip r:embed="rId17"/>
+          <a:stretch>
+            <a:fillRect/>
+          </a:stretch>
+        </p:blipFill>
+        <p:spPr>
+          <a:xfrm>
+            <a:off x="3275411" y="3466913"/>
+            <a:ext cx="816016" cy="1102151"/>
+          </a:xfrm>
+          <a:prstGeom prst="rect">
+            <a:avLst/>
+          </a:prstGeom>
+        </p:spPr>
+      </p:pic>
+      <p:pic>
+        <p:nvPicPr>
+          <p:cNvPr id="114" name="Picture 113">
+            <a:extLst>
+              <a:ext uri="{FF2B5EF4-FFF2-40B4-BE49-F238E27FC236}">
+                <a16:creationId xmlns:a16="http://schemas.microsoft.com/office/drawing/2014/main" id="{AE450138-B213-1C4B-8680-4BF40DC08471}"/>
+              </a:ext>
+            </a:extLst>
+          </p:cNvPr>
+          <p:cNvPicPr>
+            <a:picLocks noChangeAspect="1"/>
+          </p:cNvPicPr>
+          <p:nvPr/>
+        </p:nvPicPr>
+        <p:blipFill>
+          <a:blip r:embed="rId18"/>
+          <a:stretch>
+            <a:fillRect/>
+          </a:stretch>
+        </p:blipFill>
+        <p:spPr>
+          <a:xfrm>
+            <a:off x="4157493" y="3466912"/>
+            <a:ext cx="816016" cy="1102151"/>
+          </a:xfrm>
+          <a:prstGeom prst="rect">
+            <a:avLst/>
+          </a:prstGeom>
+        </p:spPr>
+      </p:pic>
+      <p:grpSp>
+        <p:nvGrpSpPr>
+          <p:cNvPr id="138" name="Group 137">
+            <a:extLst>
+              <a:ext uri="{FF2B5EF4-FFF2-40B4-BE49-F238E27FC236}">
+                <a16:creationId xmlns:a16="http://schemas.microsoft.com/office/drawing/2014/main" id="{81997DEA-862E-6B48-A164-4E705A743D2A}"/>
+              </a:ext>
+            </a:extLst>
+          </p:cNvPr>
+          <p:cNvGrpSpPr/>
+          <p:nvPr/>
+        </p:nvGrpSpPr>
+        <p:grpSpPr>
+          <a:xfrm>
+            <a:off x="6117488" y="230836"/>
+            <a:ext cx="2890970" cy="3922557"/>
+            <a:chOff x="5225507" y="649442"/>
+            <a:chExt cx="2890970" cy="3922557"/>
+          </a:xfrm>
+        </p:grpSpPr>
+        <p:sp>
+          <p:nvSpPr>
+            <p:cNvPr id="115" name="TextBox 114">
+              <a:extLst>
+                <a:ext uri="{FF2B5EF4-FFF2-40B4-BE49-F238E27FC236}">
+                  <a16:creationId xmlns:a16="http://schemas.microsoft.com/office/drawing/2014/main" id="{2CD690E7-773A-0D46-B67D-BD44FA759C37}"/>
+                </a:ext>
+              </a:extLst>
+            </p:cNvPr>
+            <p:cNvSpPr txBox="1"/>
+            <p:nvPr/>
+          </p:nvSpPr>
+          <p:spPr>
+            <a:xfrm>
+              <a:off x="5291496" y="696577"/>
+              <a:ext cx="2730457" cy="276999"/>
+            </a:xfrm>
+            <a:prstGeom prst="rect">
+              <a:avLst/>
+            </a:prstGeom>
+            <a:noFill/>
+            <a:ln>
+              <a:solidFill>
+                <a:schemeClr val="tx1"/>
+              </a:solidFill>
+            </a:ln>
+          </p:spPr>
+          <p:txBody>
+            <a:bodyPr wrap="square" rtlCol="0">
+              <a:spAutoFit/>
+            </a:bodyPr>
+            <a:lstStyle/>
+            <a:p>
+              <a:pPr algn="ctr"/>
+              <a:r>
+                <a:rPr lang="en-US" sz="1200" dirty="0"/>
+                <a:t>Instruction Cache</a:t>
+              </a:r>
+            </a:p>
+          </p:txBody>
+        </p:sp>
+        <p:sp>
+          <p:nvSpPr>
+            <p:cNvPr id="116" name="TextBox 115">
+              <a:extLst>
+                <a:ext uri="{FF2B5EF4-FFF2-40B4-BE49-F238E27FC236}">
+                  <a16:creationId xmlns:a16="http://schemas.microsoft.com/office/drawing/2014/main" id="{8D0A3843-D344-6247-8101-9654F1360BA4}"/>
+                </a:ext>
+              </a:extLst>
+            </p:cNvPr>
+            <p:cNvSpPr txBox="1"/>
+            <p:nvPr/>
+          </p:nvSpPr>
+          <p:spPr>
+            <a:xfrm>
+              <a:off x="5304320" y="1052904"/>
+              <a:ext cx="2730458" cy="276999"/>
+            </a:xfrm>
+            <a:prstGeom prst="rect">
+              <a:avLst/>
+            </a:prstGeom>
+            <a:noFill/>
+            <a:ln>
+              <a:solidFill>
+                <a:schemeClr val="tx1"/>
+              </a:solidFill>
+            </a:ln>
+          </p:spPr>
+          <p:txBody>
+            <a:bodyPr wrap="square" rtlCol="0">
+              <a:spAutoFit/>
+            </a:bodyPr>
+            <a:lstStyle/>
+            <a:p>
+              <a:pPr algn="ctr"/>
+              <a:r>
+                <a:rPr lang="en-US" sz="1200" dirty="0"/>
+                <a:t>SIMD Thread Scheduler</a:t>
+              </a:r>
+            </a:p>
+          </p:txBody>
+        </p:sp>
+        <p:sp>
+          <p:nvSpPr>
+            <p:cNvPr id="117" name="TextBox 116">
+              <a:extLst>
+                <a:ext uri="{FF2B5EF4-FFF2-40B4-BE49-F238E27FC236}">
+                  <a16:creationId xmlns:a16="http://schemas.microsoft.com/office/drawing/2014/main" id="{94749FE3-3D73-084D-8F3B-5284F1B51293}"/>
+                </a:ext>
+              </a:extLst>
+            </p:cNvPr>
+            <p:cNvSpPr txBox="1"/>
+            <p:nvPr/>
+          </p:nvSpPr>
+          <p:spPr>
+            <a:xfrm>
+              <a:off x="5304320" y="1392269"/>
+              <a:ext cx="1295843" cy="276999"/>
+            </a:xfrm>
+            <a:prstGeom prst="rect">
+              <a:avLst/>
+            </a:prstGeom>
+            <a:noFill/>
+            <a:ln>
+              <a:solidFill>
+                <a:schemeClr val="tx1"/>
+              </a:solidFill>
+            </a:ln>
+          </p:spPr>
+          <p:txBody>
+            <a:bodyPr wrap="square" rtlCol="0">
+              <a:spAutoFit/>
+            </a:bodyPr>
+            <a:lstStyle/>
+            <a:p>
+              <a:pPr algn="ctr"/>
+              <a:r>
+                <a:rPr lang="en-US" sz="1200" dirty="0"/>
+                <a:t>Dispatch Unit</a:t>
+              </a:r>
+            </a:p>
+          </p:txBody>
+        </p:sp>
+        <p:sp>
+          <p:nvSpPr>
+            <p:cNvPr id="118" name="TextBox 117">
+              <a:extLst>
+                <a:ext uri="{FF2B5EF4-FFF2-40B4-BE49-F238E27FC236}">
+                  <a16:creationId xmlns:a16="http://schemas.microsoft.com/office/drawing/2014/main" id="{EE257A89-7D1D-414B-BFC0-A4ADCF3E3025}"/>
+                </a:ext>
+              </a:extLst>
+            </p:cNvPr>
+            <p:cNvSpPr txBox="1"/>
+            <p:nvPr/>
+          </p:nvSpPr>
+          <p:spPr>
+            <a:xfrm>
+              <a:off x="5304320" y="2090796"/>
+              <a:ext cx="604715" cy="461665"/>
+            </a:xfrm>
+            <a:prstGeom prst="rect">
+              <a:avLst/>
+            </a:prstGeom>
+            <a:noFill/>
+            <a:ln>
+              <a:solidFill>
+                <a:schemeClr val="tx1"/>
+              </a:solidFill>
+            </a:ln>
+          </p:spPr>
+          <p:txBody>
+            <a:bodyPr wrap="square" rtlCol="0">
+              <a:spAutoFit/>
+            </a:bodyPr>
+            <a:lstStyle/>
+            <a:p>
+              <a:pPr algn="ctr"/>
+              <a:r>
+                <a:rPr lang="en-US" sz="1200" dirty="0"/>
+                <a:t>SIMD Lane</a:t>
+              </a:r>
+            </a:p>
+          </p:txBody>
+        </p:sp>
+        <p:sp>
+          <p:nvSpPr>
+            <p:cNvPr id="119" name="TextBox 118">
+              <a:extLst>
+                <a:ext uri="{FF2B5EF4-FFF2-40B4-BE49-F238E27FC236}">
+                  <a16:creationId xmlns:a16="http://schemas.microsoft.com/office/drawing/2014/main" id="{4FC9EC85-9F9F-B641-9E7E-719C3C4537C4}"/>
+                </a:ext>
+              </a:extLst>
+            </p:cNvPr>
+            <p:cNvSpPr txBox="1"/>
+            <p:nvPr/>
+          </p:nvSpPr>
+          <p:spPr>
+            <a:xfrm>
+              <a:off x="5304320" y="1740761"/>
+              <a:ext cx="2730458" cy="276999"/>
+            </a:xfrm>
+            <a:prstGeom prst="rect">
+              <a:avLst/>
+            </a:prstGeom>
+            <a:noFill/>
+            <a:ln>
+              <a:solidFill>
+                <a:schemeClr val="tx1"/>
+              </a:solidFill>
+            </a:ln>
+          </p:spPr>
+          <p:txBody>
+            <a:bodyPr wrap="square" rtlCol="0">
+              <a:spAutoFit/>
+            </a:bodyPr>
+            <a:lstStyle/>
+            <a:p>
+              <a:pPr algn="ctr"/>
+              <a:r>
+                <a:rPr lang="en-US" sz="1200" dirty="0"/>
+                <a:t>Register File</a:t>
+              </a:r>
+            </a:p>
+          </p:txBody>
+        </p:sp>
+        <p:sp>
+          <p:nvSpPr>
+            <p:cNvPr id="120" name="TextBox 119">
+              <a:extLst>
+                <a:ext uri="{FF2B5EF4-FFF2-40B4-BE49-F238E27FC236}">
+                  <a16:creationId xmlns:a16="http://schemas.microsoft.com/office/drawing/2014/main" id="{296EA7CA-8BDC-2D46-8F16-422B51E66203}"/>
+                </a:ext>
+              </a:extLst>
+            </p:cNvPr>
+            <p:cNvSpPr txBox="1"/>
+            <p:nvPr/>
+          </p:nvSpPr>
+          <p:spPr>
+            <a:xfrm>
+              <a:off x="6012901" y="2090796"/>
+              <a:ext cx="604715" cy="461665"/>
+            </a:xfrm>
+            <a:prstGeom prst="rect">
+              <a:avLst/>
+            </a:prstGeom>
+            <a:noFill/>
+            <a:ln>
+              <a:solidFill>
+                <a:schemeClr val="tx1"/>
+              </a:solidFill>
+            </a:ln>
+          </p:spPr>
+          <p:txBody>
+            <a:bodyPr wrap="square" rtlCol="0">
+              <a:spAutoFit/>
+            </a:bodyPr>
+            <a:lstStyle/>
+            <a:p>
+              <a:pPr algn="ctr"/>
+              <a:r>
+                <a:rPr lang="en-US" sz="1200" dirty="0"/>
+                <a:t>SIMD Lane</a:t>
+              </a:r>
+            </a:p>
+          </p:txBody>
+        </p:sp>
+        <p:sp>
+          <p:nvSpPr>
+            <p:cNvPr id="121" name="TextBox 120">
+              <a:extLst>
+                <a:ext uri="{FF2B5EF4-FFF2-40B4-BE49-F238E27FC236}">
+                  <a16:creationId xmlns:a16="http://schemas.microsoft.com/office/drawing/2014/main" id="{02494DA2-3522-814B-94F9-789F1A8053E0}"/>
+                </a:ext>
+              </a:extLst>
+            </p:cNvPr>
+            <p:cNvSpPr txBox="1"/>
+            <p:nvPr/>
+          </p:nvSpPr>
+          <p:spPr>
+            <a:xfrm>
+              <a:off x="6721482" y="2093587"/>
+              <a:ext cx="604715" cy="461665"/>
+            </a:xfrm>
+            <a:prstGeom prst="rect">
+              <a:avLst/>
+            </a:prstGeom>
+            <a:noFill/>
+            <a:ln>
+              <a:solidFill>
+                <a:schemeClr val="tx1"/>
+              </a:solidFill>
+            </a:ln>
+          </p:spPr>
+          <p:txBody>
+            <a:bodyPr wrap="square" rtlCol="0">
+              <a:spAutoFit/>
+            </a:bodyPr>
+            <a:lstStyle/>
+            <a:p>
+              <a:pPr algn="ctr"/>
+              <a:r>
+                <a:rPr lang="en-US" sz="1200" dirty="0"/>
+                <a:t>SIMD Lane</a:t>
+              </a:r>
+            </a:p>
+          </p:txBody>
+        </p:sp>
+        <p:sp>
+          <p:nvSpPr>
+            <p:cNvPr id="122" name="TextBox 121">
+              <a:extLst>
+                <a:ext uri="{FF2B5EF4-FFF2-40B4-BE49-F238E27FC236}">
+                  <a16:creationId xmlns:a16="http://schemas.microsoft.com/office/drawing/2014/main" id="{15195307-F3EB-1043-B9B7-F60BC673431B}"/>
+                </a:ext>
+              </a:extLst>
+            </p:cNvPr>
+            <p:cNvSpPr txBox="1"/>
+            <p:nvPr/>
+          </p:nvSpPr>
+          <p:spPr>
+            <a:xfrm>
+              <a:off x="7430063" y="2090796"/>
+              <a:ext cx="604715" cy="461665"/>
+            </a:xfrm>
+            <a:prstGeom prst="rect">
+              <a:avLst/>
+            </a:prstGeom>
+            <a:noFill/>
+            <a:ln>
+              <a:solidFill>
+                <a:schemeClr val="tx1"/>
+              </a:solidFill>
+            </a:ln>
+          </p:spPr>
+          <p:txBody>
+            <a:bodyPr wrap="square" rtlCol="0">
+              <a:spAutoFit/>
+            </a:bodyPr>
+            <a:lstStyle/>
+            <a:p>
+              <a:pPr algn="ctr"/>
+              <a:r>
+                <a:rPr lang="en-US" sz="1200" dirty="0"/>
+                <a:t>SIMD Lane</a:t>
+              </a:r>
+            </a:p>
+          </p:txBody>
+        </p:sp>
+        <p:sp>
+          <p:nvSpPr>
+            <p:cNvPr id="123" name="TextBox 122">
+              <a:extLst>
+                <a:ext uri="{FF2B5EF4-FFF2-40B4-BE49-F238E27FC236}">
+                  <a16:creationId xmlns:a16="http://schemas.microsoft.com/office/drawing/2014/main" id="{E66A0A1E-D016-3D49-8F7A-6A97B1AC0EE7}"/>
+                </a:ext>
+              </a:extLst>
+            </p:cNvPr>
+            <p:cNvSpPr txBox="1"/>
+            <p:nvPr/>
+          </p:nvSpPr>
+          <p:spPr>
+            <a:xfrm>
+              <a:off x="5304320" y="2630060"/>
+              <a:ext cx="604715" cy="461665"/>
+            </a:xfrm>
+            <a:prstGeom prst="rect">
+              <a:avLst/>
+            </a:prstGeom>
+            <a:noFill/>
+            <a:ln>
+              <a:solidFill>
+                <a:schemeClr val="tx1"/>
+              </a:solidFill>
+            </a:ln>
+          </p:spPr>
+          <p:txBody>
+            <a:bodyPr wrap="square" rtlCol="0">
+              <a:spAutoFit/>
+            </a:bodyPr>
+            <a:lstStyle/>
+            <a:p>
+              <a:pPr algn="ctr"/>
+              <a:r>
+                <a:rPr lang="en-US" sz="1200" dirty="0"/>
+                <a:t>SIMD Lane</a:t>
+              </a:r>
+            </a:p>
+          </p:txBody>
+        </p:sp>
+        <p:sp>
+          <p:nvSpPr>
+            <p:cNvPr id="124" name="TextBox 123">
+              <a:extLst>
+                <a:ext uri="{FF2B5EF4-FFF2-40B4-BE49-F238E27FC236}">
+                  <a16:creationId xmlns:a16="http://schemas.microsoft.com/office/drawing/2014/main" id="{6E6D1DC9-C866-2B4B-87E9-147ACEEEDC97}"/>
+                </a:ext>
+              </a:extLst>
+            </p:cNvPr>
+            <p:cNvSpPr txBox="1"/>
+            <p:nvPr/>
+          </p:nvSpPr>
+          <p:spPr>
+            <a:xfrm>
+              <a:off x="6012901" y="2630060"/>
+              <a:ext cx="604715" cy="461665"/>
+            </a:xfrm>
+            <a:prstGeom prst="rect">
+              <a:avLst/>
+            </a:prstGeom>
+            <a:noFill/>
+            <a:ln>
+              <a:solidFill>
+                <a:schemeClr val="tx1"/>
+              </a:solidFill>
+            </a:ln>
+          </p:spPr>
+          <p:txBody>
+            <a:bodyPr wrap="square" rtlCol="0">
+              <a:spAutoFit/>
+            </a:bodyPr>
+            <a:lstStyle/>
+            <a:p>
+              <a:pPr algn="ctr"/>
+              <a:r>
+                <a:rPr lang="en-US" sz="1200" dirty="0"/>
+                <a:t>SIMD Lane</a:t>
+              </a:r>
+            </a:p>
+          </p:txBody>
+        </p:sp>
+        <p:sp>
+          <p:nvSpPr>
+            <p:cNvPr id="125" name="TextBox 124">
+              <a:extLst>
+                <a:ext uri="{FF2B5EF4-FFF2-40B4-BE49-F238E27FC236}">
+                  <a16:creationId xmlns:a16="http://schemas.microsoft.com/office/drawing/2014/main" id="{ADB33698-D647-8243-9ED9-2F4613906003}"/>
+                </a:ext>
+              </a:extLst>
+            </p:cNvPr>
+            <p:cNvSpPr txBox="1"/>
+            <p:nvPr/>
+          </p:nvSpPr>
+          <p:spPr>
+            <a:xfrm>
+              <a:off x="6721482" y="2632851"/>
+              <a:ext cx="604715" cy="461665"/>
+            </a:xfrm>
+            <a:prstGeom prst="rect">
+              <a:avLst/>
+            </a:prstGeom>
+            <a:noFill/>
+            <a:ln>
+              <a:solidFill>
+                <a:schemeClr val="tx1"/>
+              </a:solidFill>
+            </a:ln>
+          </p:spPr>
+          <p:txBody>
+            <a:bodyPr wrap="square" rtlCol="0">
+              <a:spAutoFit/>
+            </a:bodyPr>
+            <a:lstStyle/>
+            <a:p>
+              <a:pPr algn="ctr"/>
+              <a:r>
+                <a:rPr lang="en-US" sz="1200" dirty="0"/>
+                <a:t>SIMD Lane</a:t>
+              </a:r>
+            </a:p>
+          </p:txBody>
+        </p:sp>
+        <p:sp>
+          <p:nvSpPr>
+            <p:cNvPr id="126" name="TextBox 125">
+              <a:extLst>
+                <a:ext uri="{FF2B5EF4-FFF2-40B4-BE49-F238E27FC236}">
+                  <a16:creationId xmlns:a16="http://schemas.microsoft.com/office/drawing/2014/main" id="{AC7E1439-FB53-3940-B725-582E6FBAF9C5}"/>
+                </a:ext>
+              </a:extLst>
+            </p:cNvPr>
+            <p:cNvSpPr txBox="1"/>
+            <p:nvPr/>
+          </p:nvSpPr>
+          <p:spPr>
+            <a:xfrm>
+              <a:off x="7430063" y="2630060"/>
+              <a:ext cx="604715" cy="461665"/>
+            </a:xfrm>
+            <a:prstGeom prst="rect">
+              <a:avLst/>
+            </a:prstGeom>
+            <a:noFill/>
+            <a:ln>
+              <a:solidFill>
+                <a:schemeClr val="tx1"/>
+              </a:solidFill>
+            </a:ln>
+          </p:spPr>
+          <p:txBody>
+            <a:bodyPr wrap="square" rtlCol="0">
+              <a:spAutoFit/>
+            </a:bodyPr>
+            <a:lstStyle/>
+            <a:p>
+              <a:pPr algn="ctr"/>
+              <a:r>
+                <a:rPr lang="en-US" sz="1200" dirty="0"/>
+                <a:t>SIMD Lane</a:t>
+              </a:r>
+            </a:p>
+          </p:txBody>
+        </p:sp>
+        <p:sp>
+          <p:nvSpPr>
+            <p:cNvPr id="127" name="TextBox 126">
+              <a:extLst>
+                <a:ext uri="{FF2B5EF4-FFF2-40B4-BE49-F238E27FC236}">
+                  <a16:creationId xmlns:a16="http://schemas.microsoft.com/office/drawing/2014/main" id="{3F1D1AD3-E652-0A4C-987F-5A219EDD1F70}"/>
+                </a:ext>
+              </a:extLst>
+            </p:cNvPr>
+            <p:cNvSpPr txBox="1"/>
+            <p:nvPr/>
+          </p:nvSpPr>
+          <p:spPr>
+            <a:xfrm>
+              <a:off x="5304320" y="3177886"/>
+              <a:ext cx="604715" cy="461665"/>
+            </a:xfrm>
+            <a:prstGeom prst="rect">
+              <a:avLst/>
+            </a:prstGeom>
+            <a:noFill/>
+            <a:ln>
+              <a:solidFill>
+                <a:schemeClr val="tx1"/>
+              </a:solidFill>
+            </a:ln>
+          </p:spPr>
+          <p:txBody>
+            <a:bodyPr wrap="square" rtlCol="0">
+              <a:spAutoFit/>
+            </a:bodyPr>
+            <a:lstStyle/>
+            <a:p>
+              <a:pPr algn="ctr"/>
+              <a:r>
+                <a:rPr lang="en-US" sz="1200" dirty="0"/>
+                <a:t>SIMD Lane</a:t>
+              </a:r>
+            </a:p>
+          </p:txBody>
+        </p:sp>
+        <p:sp>
+          <p:nvSpPr>
+            <p:cNvPr id="128" name="TextBox 127">
+              <a:extLst>
+                <a:ext uri="{FF2B5EF4-FFF2-40B4-BE49-F238E27FC236}">
+                  <a16:creationId xmlns:a16="http://schemas.microsoft.com/office/drawing/2014/main" id="{CB37DCC8-21BA-E342-BF03-F433AE58E0A2}"/>
+                </a:ext>
+              </a:extLst>
+            </p:cNvPr>
+            <p:cNvSpPr txBox="1"/>
+            <p:nvPr/>
+          </p:nvSpPr>
+          <p:spPr>
+            <a:xfrm>
+              <a:off x="6012901" y="3177886"/>
+              <a:ext cx="604715" cy="461665"/>
+            </a:xfrm>
+            <a:prstGeom prst="rect">
+              <a:avLst/>
+            </a:prstGeom>
+            <a:noFill/>
+            <a:ln>
+              <a:solidFill>
+                <a:schemeClr val="tx1"/>
+              </a:solidFill>
+            </a:ln>
+          </p:spPr>
+          <p:txBody>
+            <a:bodyPr wrap="square" rtlCol="0">
+              <a:spAutoFit/>
+            </a:bodyPr>
+            <a:lstStyle/>
+            <a:p>
+              <a:pPr algn="ctr"/>
+              <a:r>
+                <a:rPr lang="en-US" sz="1200" dirty="0"/>
+                <a:t>SIMD Lane</a:t>
+              </a:r>
+            </a:p>
+          </p:txBody>
+        </p:sp>
+        <p:sp>
+          <p:nvSpPr>
+            <p:cNvPr id="129" name="TextBox 128">
+              <a:extLst>
+                <a:ext uri="{FF2B5EF4-FFF2-40B4-BE49-F238E27FC236}">
+                  <a16:creationId xmlns:a16="http://schemas.microsoft.com/office/drawing/2014/main" id="{999E0BEF-429E-D842-9CC6-BC6C8229633A}"/>
+                </a:ext>
+              </a:extLst>
+            </p:cNvPr>
+            <p:cNvSpPr txBox="1"/>
+            <p:nvPr/>
+          </p:nvSpPr>
+          <p:spPr>
+            <a:xfrm>
+              <a:off x="6721482" y="3180677"/>
+              <a:ext cx="604715" cy="461665"/>
+            </a:xfrm>
+            <a:prstGeom prst="rect">
+              <a:avLst/>
+            </a:prstGeom>
+            <a:noFill/>
+            <a:ln>
+              <a:solidFill>
+                <a:schemeClr val="tx1"/>
+              </a:solidFill>
+            </a:ln>
+          </p:spPr>
+          <p:txBody>
+            <a:bodyPr wrap="square" rtlCol="0">
+              <a:spAutoFit/>
+            </a:bodyPr>
+            <a:lstStyle/>
+            <a:p>
+              <a:pPr algn="ctr"/>
+              <a:r>
+                <a:rPr lang="en-US" sz="1200" dirty="0"/>
+                <a:t>SIMD Lane</a:t>
+              </a:r>
+            </a:p>
+          </p:txBody>
+        </p:sp>
+        <p:sp>
+          <p:nvSpPr>
+            <p:cNvPr id="130" name="TextBox 129">
+              <a:extLst>
+                <a:ext uri="{FF2B5EF4-FFF2-40B4-BE49-F238E27FC236}">
+                  <a16:creationId xmlns:a16="http://schemas.microsoft.com/office/drawing/2014/main" id="{7F0DB8DA-34D9-0F43-9587-F93D929233E2}"/>
+                </a:ext>
+              </a:extLst>
+            </p:cNvPr>
+            <p:cNvSpPr txBox="1"/>
+            <p:nvPr/>
+          </p:nvSpPr>
+          <p:spPr>
+            <a:xfrm>
+              <a:off x="7430063" y="3177886"/>
+              <a:ext cx="604715" cy="461665"/>
+            </a:xfrm>
+            <a:prstGeom prst="rect">
+              <a:avLst/>
+            </a:prstGeom>
+            <a:noFill/>
+            <a:ln>
+              <a:solidFill>
+                <a:schemeClr val="tx1"/>
+              </a:solidFill>
+            </a:ln>
+          </p:spPr>
+          <p:txBody>
+            <a:bodyPr wrap="square" rtlCol="0">
+              <a:spAutoFit/>
+            </a:bodyPr>
+            <a:lstStyle/>
+            <a:p>
+              <a:pPr algn="ctr"/>
+              <a:r>
+                <a:rPr lang="en-US" sz="1200" dirty="0"/>
+                <a:t>SIMD Lane</a:t>
+              </a:r>
+            </a:p>
+          </p:txBody>
+        </p:sp>
+        <p:sp>
+          <p:nvSpPr>
+            <p:cNvPr id="131" name="TextBox 130">
+              <a:extLst>
+                <a:ext uri="{FF2B5EF4-FFF2-40B4-BE49-F238E27FC236}">
+                  <a16:creationId xmlns:a16="http://schemas.microsoft.com/office/drawing/2014/main" id="{F91F3CEF-BE62-BC47-B6E5-BC6B6EB51F2B}"/>
+                </a:ext>
+              </a:extLst>
+            </p:cNvPr>
+            <p:cNvSpPr txBox="1"/>
+            <p:nvPr/>
+          </p:nvSpPr>
+          <p:spPr>
+            <a:xfrm>
+              <a:off x="5304320" y="3698301"/>
+              <a:ext cx="604715" cy="461665"/>
+            </a:xfrm>
+            <a:prstGeom prst="rect">
+              <a:avLst/>
+            </a:prstGeom>
+            <a:noFill/>
+            <a:ln>
+              <a:solidFill>
+                <a:schemeClr val="tx1"/>
+              </a:solidFill>
+            </a:ln>
+          </p:spPr>
+          <p:txBody>
+            <a:bodyPr wrap="square" rtlCol="0">
+              <a:spAutoFit/>
+            </a:bodyPr>
+            <a:lstStyle/>
+            <a:p>
+              <a:pPr algn="ctr"/>
+              <a:r>
+                <a:rPr lang="en-US" sz="1200" dirty="0"/>
+                <a:t>SIMD Lane</a:t>
+              </a:r>
+            </a:p>
+          </p:txBody>
+        </p:sp>
+        <p:sp>
+          <p:nvSpPr>
+            <p:cNvPr id="132" name="TextBox 131">
+              <a:extLst>
+                <a:ext uri="{FF2B5EF4-FFF2-40B4-BE49-F238E27FC236}">
+                  <a16:creationId xmlns:a16="http://schemas.microsoft.com/office/drawing/2014/main" id="{DF4FF4F4-1614-8447-892D-1FDF7458A7C4}"/>
+                </a:ext>
+              </a:extLst>
+            </p:cNvPr>
+            <p:cNvSpPr txBox="1"/>
+            <p:nvPr/>
+          </p:nvSpPr>
+          <p:spPr>
+            <a:xfrm>
+              <a:off x="6012901" y="3698301"/>
+              <a:ext cx="604715" cy="461665"/>
+            </a:xfrm>
+            <a:prstGeom prst="rect">
+              <a:avLst/>
+            </a:prstGeom>
+            <a:noFill/>
+            <a:ln>
+              <a:solidFill>
+                <a:schemeClr val="tx1"/>
+              </a:solidFill>
+            </a:ln>
+          </p:spPr>
+          <p:txBody>
+            <a:bodyPr wrap="square" rtlCol="0">
+              <a:spAutoFit/>
+            </a:bodyPr>
+            <a:lstStyle/>
+            <a:p>
+              <a:pPr algn="ctr"/>
+              <a:r>
+                <a:rPr lang="en-US" sz="1200" dirty="0"/>
+                <a:t>SIMD Lane</a:t>
+              </a:r>
+            </a:p>
+          </p:txBody>
+        </p:sp>
+        <p:sp>
+          <p:nvSpPr>
+            <p:cNvPr id="133" name="TextBox 132">
+              <a:extLst>
+                <a:ext uri="{FF2B5EF4-FFF2-40B4-BE49-F238E27FC236}">
+                  <a16:creationId xmlns:a16="http://schemas.microsoft.com/office/drawing/2014/main" id="{C7DDFE07-89E5-9440-9E36-C3F3351CDB1B}"/>
+                </a:ext>
+              </a:extLst>
+            </p:cNvPr>
+            <p:cNvSpPr txBox="1"/>
+            <p:nvPr/>
+          </p:nvSpPr>
+          <p:spPr>
+            <a:xfrm>
+              <a:off x="6721482" y="3701092"/>
+              <a:ext cx="604715" cy="461665"/>
+            </a:xfrm>
+            <a:prstGeom prst="rect">
+              <a:avLst/>
+            </a:prstGeom>
+            <a:noFill/>
+            <a:ln>
+              <a:solidFill>
+                <a:schemeClr val="tx1"/>
+              </a:solidFill>
+            </a:ln>
+          </p:spPr>
+          <p:txBody>
+            <a:bodyPr wrap="square" rtlCol="0">
+              <a:spAutoFit/>
+            </a:bodyPr>
+            <a:lstStyle/>
+            <a:p>
+              <a:pPr algn="ctr"/>
+              <a:r>
+                <a:rPr lang="en-US" sz="1200" dirty="0"/>
+                <a:t>SIMD Lane</a:t>
+              </a:r>
+            </a:p>
+          </p:txBody>
+        </p:sp>
+        <p:sp>
+          <p:nvSpPr>
+            <p:cNvPr id="134" name="TextBox 133">
+              <a:extLst>
+                <a:ext uri="{FF2B5EF4-FFF2-40B4-BE49-F238E27FC236}">
+                  <a16:creationId xmlns:a16="http://schemas.microsoft.com/office/drawing/2014/main" id="{054648D3-500F-B94E-AA6E-D75F6FD29E6B}"/>
+                </a:ext>
+              </a:extLst>
+            </p:cNvPr>
+            <p:cNvSpPr txBox="1"/>
+            <p:nvPr/>
+          </p:nvSpPr>
+          <p:spPr>
+            <a:xfrm>
+              <a:off x="7430063" y="3698301"/>
+              <a:ext cx="604715" cy="461665"/>
+            </a:xfrm>
+            <a:prstGeom prst="rect">
+              <a:avLst/>
+            </a:prstGeom>
+            <a:noFill/>
+            <a:ln>
+              <a:solidFill>
+                <a:schemeClr val="tx1"/>
+              </a:solidFill>
+            </a:ln>
+          </p:spPr>
+          <p:txBody>
+            <a:bodyPr wrap="square" rtlCol="0">
+              <a:spAutoFit/>
+            </a:bodyPr>
+            <a:lstStyle/>
+            <a:p>
+              <a:pPr algn="ctr"/>
+              <a:r>
+                <a:rPr lang="en-US" sz="1200" dirty="0"/>
+                <a:t>SIMD Lane</a:t>
+              </a:r>
+            </a:p>
+          </p:txBody>
+        </p:sp>
+        <p:sp>
+          <p:nvSpPr>
+            <p:cNvPr id="135" name="TextBox 134">
+              <a:extLst>
+                <a:ext uri="{FF2B5EF4-FFF2-40B4-BE49-F238E27FC236}">
+                  <a16:creationId xmlns:a16="http://schemas.microsoft.com/office/drawing/2014/main" id="{533DF88E-AFF5-1542-AB92-E092F5BFD2EA}"/>
+                </a:ext>
+              </a:extLst>
+            </p:cNvPr>
+            <p:cNvSpPr txBox="1"/>
+            <p:nvPr/>
+          </p:nvSpPr>
+          <p:spPr>
+            <a:xfrm>
+              <a:off x="6738935" y="1402939"/>
+              <a:ext cx="1295843" cy="276999"/>
+            </a:xfrm>
+            <a:prstGeom prst="rect">
+              <a:avLst/>
+            </a:prstGeom>
+            <a:noFill/>
+            <a:ln>
+              <a:solidFill>
+                <a:schemeClr val="tx1"/>
+              </a:solidFill>
+            </a:ln>
+          </p:spPr>
+          <p:txBody>
+            <a:bodyPr wrap="square" rtlCol="0">
+              <a:spAutoFit/>
+            </a:bodyPr>
+            <a:lstStyle/>
+            <a:p>
+              <a:pPr algn="ctr"/>
+              <a:r>
+                <a:rPr lang="en-US" sz="1200" dirty="0"/>
+                <a:t>Dispatch Unit</a:t>
+              </a:r>
+            </a:p>
+          </p:txBody>
+        </p:sp>
+        <p:sp>
+          <p:nvSpPr>
+            <p:cNvPr id="136" name="TextBox 135">
+              <a:extLst>
+                <a:ext uri="{FF2B5EF4-FFF2-40B4-BE49-F238E27FC236}">
+                  <a16:creationId xmlns:a16="http://schemas.microsoft.com/office/drawing/2014/main" id="{459FDD46-A59E-4443-8393-D04988CFFAAE}"/>
+                </a:ext>
+              </a:extLst>
+            </p:cNvPr>
+            <p:cNvSpPr txBox="1"/>
+            <p:nvPr/>
+          </p:nvSpPr>
+          <p:spPr>
+            <a:xfrm>
+              <a:off x="5304320" y="4220174"/>
+              <a:ext cx="2730458" cy="276999"/>
+            </a:xfrm>
+            <a:prstGeom prst="rect">
+              <a:avLst/>
+            </a:prstGeom>
+            <a:noFill/>
+            <a:ln>
+              <a:solidFill>
+                <a:schemeClr val="tx1"/>
+              </a:solidFill>
+            </a:ln>
+          </p:spPr>
+          <p:txBody>
+            <a:bodyPr wrap="square" rtlCol="0">
+              <a:spAutoFit/>
+            </a:bodyPr>
+            <a:lstStyle/>
+            <a:p>
+              <a:pPr algn="ctr"/>
+              <a:r>
+                <a:rPr lang="en-US" sz="1200" dirty="0"/>
+                <a:t>L1 Cache</a:t>
+              </a:r>
+            </a:p>
+          </p:txBody>
+        </p:sp>
+        <p:sp>
+          <p:nvSpPr>
+            <p:cNvPr id="137" name="Rectangle 136">
+              <a:extLst>
+                <a:ext uri="{FF2B5EF4-FFF2-40B4-BE49-F238E27FC236}">
+                  <a16:creationId xmlns:a16="http://schemas.microsoft.com/office/drawing/2014/main" id="{11B60816-6EBC-6849-9938-A8FADD26AA01}"/>
+                </a:ext>
+              </a:extLst>
+            </p:cNvPr>
+            <p:cNvSpPr/>
+            <p:nvPr/>
+          </p:nvSpPr>
+          <p:spPr>
+            <a:xfrm>
+              <a:off x="5225507" y="649442"/>
+              <a:ext cx="2890970" cy="3922557"/>
+            </a:xfrm>
+            <a:prstGeom prst="rect">
+              <a:avLst/>
+            </a:prstGeom>
+            <a:noFill/>
+            <a:ln w="31750">
+              <a:solidFill>
+                <a:schemeClr val="tx1"/>
+              </a:solidFill>
+            </a:ln>
+          </p:spPr>
+          <p:style>
+            <a:lnRef idx="2">
+              <a:schemeClr val="accent1">
+                <a:shade val="50000"/>
+              </a:schemeClr>
+            </a:lnRef>
+            <a:fillRef idx="1">
+              <a:schemeClr val="accent1"/>
+            </a:fillRef>
+            <a:effectRef idx="0">
+              <a:schemeClr val="accent1"/>
+            </a:effectRef>
+            <a:fontRef idx="minor">
+              <a:schemeClr val="lt1"/>
+            </a:fontRef>
+          </p:style>
+          <p:txBody>
+            <a:bodyPr rtlCol="0" anchor="ctr"/>
+            <a:lstStyle/>
+            <a:p>
+              <a:pPr algn="ctr"/>
+              <a:endParaRPr lang="en-US"/>
+            </a:p>
+          </p:txBody>
+        </p:sp>
+      </p:grpSp>
+      <p:sp>
+        <p:nvSpPr>
+          <p:cNvPr id="163" name="Rectangle 162">
+            <a:extLst>
+              <a:ext uri="{FF2B5EF4-FFF2-40B4-BE49-F238E27FC236}">
+                <a16:creationId xmlns:a16="http://schemas.microsoft.com/office/drawing/2014/main" id="{30BE2A21-80C0-E547-B751-EC9DB3C8786A}"/>
+              </a:ext>
+            </a:extLst>
+          </p:cNvPr>
+          <p:cNvSpPr/>
+          <p:nvPr/>
+        </p:nvSpPr>
+        <p:spPr>
+          <a:xfrm>
+            <a:off x="3208466" y="460327"/>
+            <a:ext cx="1822952" cy="2581454"/>
+          </a:xfrm>
+          <a:prstGeom prst="rect">
+            <a:avLst/>
+          </a:prstGeom>
+          <a:noFill/>
+          <a:ln w="19050">
+            <a:solidFill>
+              <a:schemeClr val="tx1"/>
+            </a:solidFill>
+          </a:ln>
+        </p:spPr>
+        <p:style>
+          <a:lnRef idx="2">
+            <a:schemeClr val="accent1">
+              <a:shade val="50000"/>
+            </a:schemeClr>
+          </a:lnRef>
+          <a:fillRef idx="1">
+            <a:schemeClr val="accent1"/>
+          </a:fillRef>
+          <a:effectRef idx="0">
+            <a:schemeClr val="accent1"/>
+          </a:effectRef>
+          <a:fontRef idx="minor">
+            <a:schemeClr val="lt1"/>
+          </a:fontRef>
+        </p:style>
+        <p:txBody>
+          <a:bodyPr rtlCol="0" anchor="ctr"/>
+          <a:lstStyle/>
+          <a:p>
+            <a:pPr algn="ctr"/>
+            <a:endParaRPr lang="en-US"/>
+          </a:p>
+        </p:txBody>
+      </p:sp>
+      <p:sp>
+        <p:nvSpPr>
+          <p:cNvPr id="164" name="Rectangle 163">
+            <a:extLst>
+              <a:ext uri="{FF2B5EF4-FFF2-40B4-BE49-F238E27FC236}">
+                <a16:creationId xmlns:a16="http://schemas.microsoft.com/office/drawing/2014/main" id="{2E6D63D7-87AD-794A-A464-52223FFDDAB7}"/>
+              </a:ext>
+            </a:extLst>
+          </p:cNvPr>
+          <p:cNvSpPr/>
+          <p:nvPr/>
+        </p:nvSpPr>
+        <p:spPr>
+          <a:xfrm>
+            <a:off x="3198502" y="3399343"/>
+            <a:ext cx="1814009" cy="2586787"/>
+          </a:xfrm>
+          <a:prstGeom prst="rect">
+            <a:avLst/>
+          </a:prstGeom>
+          <a:noFill/>
+          <a:ln w="19050">
+            <a:solidFill>
+              <a:schemeClr val="tx1"/>
+            </a:solidFill>
+          </a:ln>
+        </p:spPr>
+        <p:style>
+          <a:lnRef idx="2">
+            <a:schemeClr val="accent1">
+              <a:shade val="50000"/>
+            </a:schemeClr>
+          </a:lnRef>
+          <a:fillRef idx="1">
+            <a:schemeClr val="accent1"/>
+          </a:fillRef>
+          <a:effectRef idx="0">
+            <a:schemeClr val="accent1"/>
+          </a:effectRef>
+          <a:fontRef idx="minor">
+            <a:schemeClr val="lt1"/>
+          </a:fontRef>
+        </p:style>
+        <p:txBody>
+          <a:bodyPr rtlCol="0" anchor="ctr"/>
+          <a:lstStyle/>
+          <a:p>
+            <a:pPr algn="ctr"/>
+            <a:endParaRPr lang="en-US"/>
+          </a:p>
+        </p:txBody>
+      </p:sp>
+      <p:sp>
+        <p:nvSpPr>
+          <p:cNvPr id="165" name="Rectangle 164">
+            <a:extLst>
+              <a:ext uri="{FF2B5EF4-FFF2-40B4-BE49-F238E27FC236}">
+                <a16:creationId xmlns:a16="http://schemas.microsoft.com/office/drawing/2014/main" id="{3190DF16-6A61-274E-8446-D1A6F99F8E6A}"/>
+              </a:ext>
+            </a:extLst>
+          </p:cNvPr>
+          <p:cNvSpPr/>
+          <p:nvPr/>
+        </p:nvSpPr>
+        <p:spPr>
+          <a:xfrm>
+            <a:off x="1332560" y="3396292"/>
+            <a:ext cx="1814009" cy="2586785"/>
+          </a:xfrm>
+          <a:prstGeom prst="rect">
+            <a:avLst/>
+          </a:prstGeom>
+          <a:noFill/>
+          <a:ln w="19050">
+            <a:solidFill>
+              <a:schemeClr val="tx1"/>
+            </a:solidFill>
+          </a:ln>
+        </p:spPr>
+        <p:style>
+          <a:lnRef idx="2">
+            <a:schemeClr val="accent1">
+              <a:shade val="50000"/>
+            </a:schemeClr>
+          </a:lnRef>
+          <a:fillRef idx="1">
+            <a:schemeClr val="accent1"/>
+          </a:fillRef>
+          <a:effectRef idx="0">
+            <a:schemeClr val="accent1"/>
+          </a:effectRef>
+          <a:fontRef idx="minor">
+            <a:schemeClr val="lt1"/>
+          </a:fontRef>
+        </p:style>
+        <p:txBody>
+          <a:bodyPr rtlCol="0" anchor="ctr"/>
+          <a:lstStyle/>
+          <a:p>
+            <a:pPr algn="ctr"/>
+            <a:endParaRPr lang="en-US"/>
+          </a:p>
+        </p:txBody>
+      </p:sp>
+      <p:sp>
+        <p:nvSpPr>
+          <p:cNvPr id="166" name="Oval 165">
+            <a:extLst>
+              <a:ext uri="{FF2B5EF4-FFF2-40B4-BE49-F238E27FC236}">
+                <a16:creationId xmlns:a16="http://schemas.microsoft.com/office/drawing/2014/main" id="{FA18EE4D-AA8B-0044-9A89-A91EA58F76EC}"/>
+              </a:ext>
+            </a:extLst>
+          </p:cNvPr>
+          <p:cNvSpPr/>
+          <p:nvPr/>
+        </p:nvSpPr>
+        <p:spPr>
+          <a:xfrm>
+            <a:off x="4027923" y="1767908"/>
+            <a:ext cx="1040436" cy="1325704"/>
+          </a:xfrm>
+          <a:prstGeom prst="ellipse">
+            <a:avLst/>
+          </a:prstGeom>
+          <a:noFill/>
+          <a:ln w="19050">
+            <a:solidFill>
+              <a:schemeClr val="tx1"/>
+            </a:solidFill>
+          </a:ln>
+        </p:spPr>
+        <p:style>
+          <a:lnRef idx="2">
+            <a:schemeClr val="accent1">
+              <a:shade val="50000"/>
+            </a:schemeClr>
+          </a:lnRef>
+          <a:fillRef idx="1">
+            <a:schemeClr val="accent1"/>
+          </a:fillRef>
+          <a:effectRef idx="0">
+            <a:schemeClr val="accent1"/>
+          </a:effectRef>
+          <a:fontRef idx="minor">
+            <a:schemeClr val="lt1"/>
+          </a:fontRef>
+        </p:style>
+        <p:txBody>
+          <a:bodyPr rtlCol="0" anchor="ctr"/>
+          <a:lstStyle/>
+          <a:p>
+            <a:pPr algn="ctr"/>
+            <a:endParaRPr lang="en-US"/>
+          </a:p>
+        </p:txBody>
+      </p:sp>
+      <p:cxnSp>
+        <p:nvCxnSpPr>
+          <p:cNvPr id="168" name="Straight Connector 167">
+            <a:extLst>
+              <a:ext uri="{FF2B5EF4-FFF2-40B4-BE49-F238E27FC236}">
+                <a16:creationId xmlns:a16="http://schemas.microsoft.com/office/drawing/2014/main" id="{F60FF4B3-0554-9741-B3BE-7E671B7D3C22}"/>
+              </a:ext>
+            </a:extLst>
+          </p:cNvPr>
+          <p:cNvCxnSpPr>
+            <a:stCxn id="166" idx="0"/>
+          </p:cNvCxnSpPr>
+          <p:nvPr/>
+        </p:nvCxnSpPr>
+        <p:spPr>
+          <a:xfrm flipV="1">
+            <a:off x="4548141" y="202556"/>
+            <a:ext cx="1570804" cy="1565352"/>
+          </a:xfrm>
+          <a:prstGeom prst="line">
+            <a:avLst/>
+          </a:prstGeom>
+          <a:ln w="19050">
+            <a:solidFill>
+              <a:schemeClr val="tx1"/>
+            </a:solidFill>
+          </a:ln>
+        </p:spPr>
+        <p:style>
+          <a:lnRef idx="1">
+            <a:schemeClr val="accent1"/>
+          </a:lnRef>
+          <a:fillRef idx="0">
+            <a:schemeClr val="accent1"/>
+          </a:fillRef>
+          <a:effectRef idx="0">
+            <a:schemeClr val="accent1"/>
+          </a:effectRef>
+          <a:fontRef idx="minor">
+            <a:schemeClr val="tx1"/>
+          </a:fontRef>
+        </p:style>
+      </p:cxnSp>
+      <p:cxnSp>
+        <p:nvCxnSpPr>
+          <p:cNvPr id="169" name="Straight Connector 168">
+            <a:extLst>
+              <a:ext uri="{FF2B5EF4-FFF2-40B4-BE49-F238E27FC236}">
+                <a16:creationId xmlns:a16="http://schemas.microsoft.com/office/drawing/2014/main" id="{C09FD2C4-2D37-7846-A719-123B1685750A}"/>
+              </a:ext>
+            </a:extLst>
+          </p:cNvPr>
+          <p:cNvCxnSpPr>
+            <a:cxnSpLocks/>
+            <a:stCxn id="166" idx="4"/>
+          </p:cNvCxnSpPr>
+          <p:nvPr/>
+        </p:nvCxnSpPr>
+        <p:spPr>
+          <a:xfrm>
+            <a:off x="4548141" y="3093612"/>
+            <a:ext cx="1570804" cy="1059781"/>
+          </a:xfrm>
+          <a:prstGeom prst="line">
+            <a:avLst/>
+          </a:prstGeom>
+          <a:ln w="19050">
+            <a:solidFill>
+              <a:schemeClr val="tx1"/>
+            </a:solidFill>
+          </a:ln>
+        </p:spPr>
+        <p:style>
+          <a:lnRef idx="1">
+            <a:schemeClr val="accent1"/>
+          </a:lnRef>
+          <a:fillRef idx="0">
+            <a:schemeClr val="accent1"/>
+          </a:fillRef>
+          <a:effectRef idx="0">
+            <a:schemeClr val="accent1"/>
+          </a:effectRef>
+          <a:fontRef idx="minor">
+            <a:schemeClr val="tx1"/>
+          </a:fontRef>
+        </p:style>
+      </p:cxnSp>
+      <p:sp>
+        <p:nvSpPr>
+          <p:cNvPr id="55" name="TextBox 54">
+            <a:extLst>
+              <a:ext uri="{FF2B5EF4-FFF2-40B4-BE49-F238E27FC236}">
+                <a16:creationId xmlns:a16="http://schemas.microsoft.com/office/drawing/2014/main" id="{B0528D72-9680-D945-9D20-8CEFDAC8FBB4}"/>
+              </a:ext>
+            </a:extLst>
+          </p:cNvPr>
+          <p:cNvSpPr txBox="1"/>
+          <p:nvPr/>
+        </p:nvSpPr>
+        <p:spPr>
+          <a:xfrm>
+            <a:off x="3305888" y="4554236"/>
+            <a:ext cx="1674297" cy="276999"/>
+          </a:xfrm>
+          <a:prstGeom prst="rect">
+            <a:avLst/>
+          </a:prstGeom>
+          <a:noFill/>
+          <a:ln>
+            <a:noFill/>
+          </a:ln>
+        </p:spPr>
+        <p:txBody>
+          <a:bodyPr wrap="square" rtlCol="0">
+            <a:spAutoFit/>
+          </a:bodyPr>
+          <a:lstStyle/>
+          <a:p>
+            <a:pPr algn="ctr"/>
+            <a:r>
+              <a:rPr lang="en-US" sz="1200" dirty="0"/>
+              <a:t>L2 Cache</a:t>
+            </a:r>
+          </a:p>
+        </p:txBody>
+      </p:sp>
+      <p:sp>
+        <p:nvSpPr>
+          <p:cNvPr id="2" name="Rectangle 1">
+            <a:extLst>
+              <a:ext uri="{FF2B5EF4-FFF2-40B4-BE49-F238E27FC236}">
+                <a16:creationId xmlns:a16="http://schemas.microsoft.com/office/drawing/2014/main" id="{1CECCC54-85E6-2847-B412-886612F3DCE5}"/>
+              </a:ext>
+            </a:extLst>
+          </p:cNvPr>
+          <p:cNvSpPr/>
+          <p:nvPr/>
+        </p:nvSpPr>
+        <p:spPr>
+          <a:xfrm>
+            <a:off x="3273562" y="4591143"/>
+            <a:ext cx="1698098" cy="189007"/>
+          </a:xfrm>
+          <a:prstGeom prst="rect">
+            <a:avLst/>
+          </a:prstGeom>
+          <a:noFill/>
+          <a:ln>
+            <a:solidFill>
+              <a:schemeClr val="tx1"/>
+            </a:solidFill>
+          </a:ln>
+        </p:spPr>
+        <p:style>
+          <a:lnRef idx="2">
+            <a:schemeClr val="accent1">
+              <a:shade val="50000"/>
+            </a:schemeClr>
+          </a:lnRef>
+          <a:fillRef idx="1">
+            <a:schemeClr val="accent1"/>
+          </a:fillRef>
+          <a:effectRef idx="0">
+            <a:schemeClr val="accent1"/>
+          </a:effectRef>
+          <a:fontRef idx="minor">
+            <a:schemeClr val="lt1"/>
+          </a:fontRef>
+        </p:style>
+        <p:txBody>
+          <a:bodyPr rtlCol="0" anchor="ctr"/>
+          <a:lstStyle/>
+          <a:p>
+            <a:pPr algn="ctr"/>
+            <a:endParaRPr lang="en-US"/>
+          </a:p>
+        </p:txBody>
+      </p:sp>
+      <p:sp>
+        <p:nvSpPr>
+          <p:cNvPr id="58" name="TextBox 57">
+            <a:extLst>
+              <a:ext uri="{FF2B5EF4-FFF2-40B4-BE49-F238E27FC236}">
+                <a16:creationId xmlns:a16="http://schemas.microsoft.com/office/drawing/2014/main" id="{291788AE-6640-A545-B044-A70178B7E6D3}"/>
+              </a:ext>
+            </a:extLst>
+          </p:cNvPr>
+          <p:cNvSpPr txBox="1"/>
+          <p:nvPr/>
+        </p:nvSpPr>
+        <p:spPr>
+          <a:xfrm rot="16200000">
+            <a:off x="3931721" y="4535795"/>
+            <a:ext cx="2586786" cy="307777"/>
+          </a:xfrm>
+          <a:prstGeom prst="rect">
+            <a:avLst/>
+          </a:prstGeom>
+          <a:noFill/>
+          <a:ln w="19050">
+            <a:solidFill>
+              <a:schemeClr val="tx1"/>
+            </a:solidFill>
+          </a:ln>
+        </p:spPr>
+        <p:txBody>
+          <a:bodyPr wrap="square" rtlCol="0">
+            <a:spAutoFit/>
+          </a:bodyPr>
+          <a:lstStyle/>
+          <a:p>
+            <a:pPr algn="ctr"/>
+            <a:r>
+              <a:rPr lang="en-US" sz="1400" dirty="0"/>
+              <a:t>GPU Memory</a:t>
+            </a:r>
+          </a:p>
+        </p:txBody>
+      </p:sp>
+      <p:sp>
+        <p:nvSpPr>
+          <p:cNvPr id="59" name="TextBox 58">
+            <a:extLst>
+              <a:ext uri="{FF2B5EF4-FFF2-40B4-BE49-F238E27FC236}">
+                <a16:creationId xmlns:a16="http://schemas.microsoft.com/office/drawing/2014/main" id="{95CB5FC9-3DA0-5541-8E16-AADA0DDBA2C8}"/>
+              </a:ext>
+            </a:extLst>
+          </p:cNvPr>
+          <p:cNvSpPr txBox="1"/>
+          <p:nvPr/>
+        </p:nvSpPr>
+        <p:spPr>
+          <a:xfrm>
+            <a:off x="1403070" y="4540711"/>
+            <a:ext cx="1674297" cy="276999"/>
+          </a:xfrm>
+          <a:prstGeom prst="rect">
+            <a:avLst/>
+          </a:prstGeom>
+          <a:noFill/>
+          <a:ln>
+            <a:noFill/>
+          </a:ln>
+        </p:spPr>
+        <p:txBody>
+          <a:bodyPr wrap="square" rtlCol="0">
+            <a:spAutoFit/>
+          </a:bodyPr>
+          <a:lstStyle/>
+          <a:p>
+            <a:pPr algn="ctr"/>
+            <a:r>
+              <a:rPr lang="en-US" sz="1200" dirty="0"/>
+              <a:t>L2 Cache</a:t>
+            </a:r>
+          </a:p>
+        </p:txBody>
+      </p:sp>
+      <p:sp>
+        <p:nvSpPr>
+          <p:cNvPr id="60" name="Rectangle 59">
+            <a:extLst>
+              <a:ext uri="{FF2B5EF4-FFF2-40B4-BE49-F238E27FC236}">
+                <a16:creationId xmlns:a16="http://schemas.microsoft.com/office/drawing/2014/main" id="{45FA450A-9AED-CA4F-9E09-8C0D2C9164D0}"/>
+              </a:ext>
+            </a:extLst>
+          </p:cNvPr>
+          <p:cNvSpPr/>
+          <p:nvPr/>
+        </p:nvSpPr>
+        <p:spPr>
+          <a:xfrm>
+            <a:off x="1370744" y="4577618"/>
+            <a:ext cx="1698098" cy="189007"/>
+          </a:xfrm>
+          <a:prstGeom prst="rect">
+            <a:avLst/>
+          </a:prstGeom>
+          <a:noFill/>
+          <a:ln>
+            <a:solidFill>
+              <a:schemeClr val="tx1"/>
+            </a:solidFill>
+          </a:ln>
+        </p:spPr>
+        <p:style>
+          <a:lnRef idx="2">
+            <a:schemeClr val="accent1">
+              <a:shade val="50000"/>
+            </a:schemeClr>
+          </a:lnRef>
+          <a:fillRef idx="1">
+            <a:schemeClr val="accent1"/>
+          </a:fillRef>
+          <a:effectRef idx="0">
+            <a:schemeClr val="accent1"/>
+          </a:effectRef>
+          <a:fontRef idx="minor">
+            <a:schemeClr val="lt1"/>
+          </a:fontRef>
+        </p:style>
+        <p:txBody>
+          <a:bodyPr rtlCol="0" anchor="ctr"/>
+          <a:lstStyle/>
+          <a:p>
+            <a:pPr algn="ctr"/>
+            <a:endParaRPr lang="en-US"/>
+          </a:p>
+        </p:txBody>
+      </p:sp>
+      <p:sp>
+        <p:nvSpPr>
+          <p:cNvPr id="61" name="Rectangle 60">
+            <a:extLst>
+              <a:ext uri="{FF2B5EF4-FFF2-40B4-BE49-F238E27FC236}">
+                <a16:creationId xmlns:a16="http://schemas.microsoft.com/office/drawing/2014/main" id="{6F8A6694-B99E-EB47-A7D9-F3EEFCB3675E}"/>
+              </a:ext>
+            </a:extLst>
+          </p:cNvPr>
+          <p:cNvSpPr/>
+          <p:nvPr/>
+        </p:nvSpPr>
+        <p:spPr>
+          <a:xfrm>
+            <a:off x="1306033" y="463153"/>
+            <a:ext cx="1822952" cy="2581454"/>
+          </a:xfrm>
+          <a:prstGeom prst="rect">
+            <a:avLst/>
+          </a:prstGeom>
+          <a:noFill/>
+          <a:ln w="19050">
+            <a:solidFill>
+              <a:schemeClr val="tx1"/>
+            </a:solidFill>
+          </a:ln>
+        </p:spPr>
+        <p:style>
+          <a:lnRef idx="2">
+            <a:schemeClr val="accent1">
+              <a:shade val="50000"/>
+            </a:schemeClr>
+          </a:lnRef>
+          <a:fillRef idx="1">
+            <a:schemeClr val="accent1"/>
+          </a:fillRef>
+          <a:effectRef idx="0">
+            <a:schemeClr val="accent1"/>
+          </a:effectRef>
+          <a:fontRef idx="minor">
+            <a:schemeClr val="lt1"/>
+          </a:fontRef>
+        </p:style>
+        <p:txBody>
+          <a:bodyPr rtlCol="0" anchor="ctr"/>
+          <a:lstStyle/>
+          <a:p>
+            <a:pPr algn="ctr"/>
+            <a:endParaRPr lang="en-US"/>
+          </a:p>
+        </p:txBody>
+      </p:sp>
+      <p:sp>
+        <p:nvSpPr>
+          <p:cNvPr id="62" name="TextBox 61">
+            <a:extLst>
+              <a:ext uri="{FF2B5EF4-FFF2-40B4-BE49-F238E27FC236}">
+                <a16:creationId xmlns:a16="http://schemas.microsoft.com/office/drawing/2014/main" id="{4F912A96-1C72-5F47-A2A3-40C92927D176}"/>
+              </a:ext>
+            </a:extLst>
+          </p:cNvPr>
+          <p:cNvSpPr txBox="1"/>
+          <p:nvPr/>
+        </p:nvSpPr>
+        <p:spPr>
+          <a:xfrm>
+            <a:off x="1398301" y="1607794"/>
+            <a:ext cx="1674297" cy="276999"/>
+          </a:xfrm>
+          <a:prstGeom prst="rect">
+            <a:avLst/>
+          </a:prstGeom>
+          <a:noFill/>
+          <a:ln>
+            <a:noFill/>
+          </a:ln>
+        </p:spPr>
+        <p:txBody>
+          <a:bodyPr wrap="square" rtlCol="0">
+            <a:spAutoFit/>
+          </a:bodyPr>
+          <a:lstStyle/>
+          <a:p>
+            <a:pPr algn="ctr"/>
+            <a:r>
+              <a:rPr lang="en-US" sz="1200" dirty="0"/>
+              <a:t>L2 Cache</a:t>
+            </a:r>
+          </a:p>
+        </p:txBody>
+      </p:sp>
+      <p:sp>
+        <p:nvSpPr>
+          <p:cNvPr id="63" name="Rectangle 62">
+            <a:extLst>
+              <a:ext uri="{FF2B5EF4-FFF2-40B4-BE49-F238E27FC236}">
+                <a16:creationId xmlns:a16="http://schemas.microsoft.com/office/drawing/2014/main" id="{2376A9C7-9280-4040-8A9A-400E723D6487}"/>
+              </a:ext>
+            </a:extLst>
+          </p:cNvPr>
+          <p:cNvSpPr/>
+          <p:nvPr/>
+        </p:nvSpPr>
+        <p:spPr>
+          <a:xfrm>
+            <a:off x="1365975" y="1644701"/>
+            <a:ext cx="1698098" cy="189007"/>
+          </a:xfrm>
+          <a:prstGeom prst="rect">
+            <a:avLst/>
+          </a:prstGeom>
+          <a:noFill/>
+          <a:ln>
+            <a:solidFill>
+              <a:schemeClr val="tx1"/>
+            </a:solidFill>
+          </a:ln>
+        </p:spPr>
+        <p:style>
+          <a:lnRef idx="2">
+            <a:schemeClr val="accent1">
+              <a:shade val="50000"/>
+            </a:schemeClr>
+          </a:lnRef>
+          <a:fillRef idx="1">
+            <a:schemeClr val="accent1"/>
+          </a:fillRef>
+          <a:effectRef idx="0">
+            <a:schemeClr val="accent1"/>
+          </a:effectRef>
+          <a:fontRef idx="minor">
+            <a:schemeClr val="lt1"/>
+          </a:fontRef>
+        </p:style>
+        <p:txBody>
+          <a:bodyPr rtlCol="0" anchor="ctr"/>
+          <a:lstStyle/>
+          <a:p>
+            <a:pPr algn="ctr"/>
+            <a:endParaRPr lang="en-US"/>
+          </a:p>
+        </p:txBody>
+      </p:sp>
+      <p:sp>
+        <p:nvSpPr>
+          <p:cNvPr id="64" name="TextBox 63">
+            <a:extLst>
+              <a:ext uri="{FF2B5EF4-FFF2-40B4-BE49-F238E27FC236}">
+                <a16:creationId xmlns:a16="http://schemas.microsoft.com/office/drawing/2014/main" id="{908506CC-7AD1-3243-9C14-60CC62523950}"/>
+              </a:ext>
+            </a:extLst>
+          </p:cNvPr>
+          <p:cNvSpPr txBox="1"/>
+          <p:nvPr/>
+        </p:nvSpPr>
+        <p:spPr>
+          <a:xfrm>
+            <a:off x="3301864" y="1605248"/>
+            <a:ext cx="1674297" cy="276999"/>
+          </a:xfrm>
+          <a:prstGeom prst="rect">
+            <a:avLst/>
+          </a:prstGeom>
+          <a:noFill/>
+          <a:ln>
+            <a:noFill/>
+          </a:ln>
+        </p:spPr>
+        <p:txBody>
+          <a:bodyPr wrap="square" rtlCol="0">
+            <a:spAutoFit/>
+          </a:bodyPr>
+          <a:lstStyle/>
+          <a:p>
+            <a:pPr algn="ctr"/>
+            <a:r>
+              <a:rPr lang="en-US" sz="1200" dirty="0"/>
+              <a:t>L2 Cache</a:t>
+            </a:r>
+          </a:p>
+        </p:txBody>
+      </p:sp>
+      <p:sp>
+        <p:nvSpPr>
+          <p:cNvPr id="65" name="Rectangle 64">
+            <a:extLst>
+              <a:ext uri="{FF2B5EF4-FFF2-40B4-BE49-F238E27FC236}">
+                <a16:creationId xmlns:a16="http://schemas.microsoft.com/office/drawing/2014/main" id="{B54C2EF8-8163-5641-8B53-30D4F2D18B5A}"/>
+              </a:ext>
+            </a:extLst>
+          </p:cNvPr>
+          <p:cNvSpPr/>
+          <p:nvPr/>
+        </p:nvSpPr>
+        <p:spPr>
+          <a:xfrm>
+            <a:off x="3269538" y="1642155"/>
+            <a:ext cx="1698098" cy="189007"/>
+          </a:xfrm>
+          <a:prstGeom prst="rect">
+            <a:avLst/>
+          </a:prstGeom>
+          <a:noFill/>
+          <a:ln>
+            <a:solidFill>
+              <a:schemeClr val="tx1"/>
+            </a:solidFill>
+          </a:ln>
+        </p:spPr>
+        <p:style>
+          <a:lnRef idx="2">
+            <a:schemeClr val="accent1">
+              <a:shade val="50000"/>
+            </a:schemeClr>
+          </a:lnRef>
+          <a:fillRef idx="1">
+            <a:schemeClr val="accent1"/>
+          </a:fillRef>
+          <a:effectRef idx="0">
+            <a:schemeClr val="accent1"/>
+          </a:effectRef>
+          <a:fontRef idx="minor">
+            <a:schemeClr val="lt1"/>
+          </a:fontRef>
+        </p:style>
+        <p:txBody>
+          <a:bodyPr rtlCol="0" anchor="ctr"/>
+          <a:lstStyle/>
+          <a:p>
+            <a:pPr algn="ctr"/>
+            <a:endParaRPr lang="en-US"/>
+          </a:p>
+        </p:txBody>
+      </p:sp>
+      <p:sp>
+        <p:nvSpPr>
+          <p:cNvPr id="66" name="TextBox 65">
+            <a:extLst>
+              <a:ext uri="{FF2B5EF4-FFF2-40B4-BE49-F238E27FC236}">
+                <a16:creationId xmlns:a16="http://schemas.microsoft.com/office/drawing/2014/main" id="{FD6306BC-4310-BD47-B54E-F3CC0E6458CA}"/>
+              </a:ext>
+            </a:extLst>
+          </p:cNvPr>
+          <p:cNvSpPr txBox="1"/>
+          <p:nvPr/>
+        </p:nvSpPr>
+        <p:spPr>
+          <a:xfrm rot="16200000">
+            <a:off x="3971332" y="1599831"/>
+            <a:ext cx="2586786" cy="307777"/>
+          </a:xfrm>
+          <a:prstGeom prst="rect">
+            <a:avLst/>
+          </a:prstGeom>
+          <a:noFill/>
+          <a:ln w="19050">
+            <a:solidFill>
+              <a:schemeClr val="tx1"/>
+            </a:solidFill>
+          </a:ln>
+        </p:spPr>
+        <p:txBody>
+          <a:bodyPr wrap="square" rtlCol="0">
+            <a:spAutoFit/>
+          </a:bodyPr>
+          <a:lstStyle/>
+          <a:p>
+            <a:pPr algn="ctr"/>
+            <a:r>
+              <a:rPr lang="en-US" sz="1400" dirty="0"/>
+              <a:t>GPU Memory</a:t>
+            </a:r>
+          </a:p>
+        </p:txBody>
+      </p:sp>
+      <p:sp>
+        <p:nvSpPr>
+          <p:cNvPr id="67" name="TextBox 66">
+            <a:extLst>
+              <a:ext uri="{FF2B5EF4-FFF2-40B4-BE49-F238E27FC236}">
+                <a16:creationId xmlns:a16="http://schemas.microsoft.com/office/drawing/2014/main" id="{D35D0960-A133-E94E-8D53-BFEB87336965}"/>
+              </a:ext>
+            </a:extLst>
+          </p:cNvPr>
+          <p:cNvSpPr txBox="1"/>
+          <p:nvPr/>
+        </p:nvSpPr>
+        <p:spPr>
+          <a:xfrm rot="16200000">
+            <a:off x="-212385" y="1608154"/>
+            <a:ext cx="2586786" cy="307777"/>
+          </a:xfrm>
+          <a:prstGeom prst="rect">
+            <a:avLst/>
+          </a:prstGeom>
+          <a:noFill/>
+          <a:ln w="19050">
+            <a:solidFill>
+              <a:schemeClr val="tx1"/>
+            </a:solidFill>
+          </a:ln>
+        </p:spPr>
+        <p:txBody>
+          <a:bodyPr wrap="square" rtlCol="0">
+            <a:spAutoFit/>
+          </a:bodyPr>
+          <a:lstStyle/>
+          <a:p>
+            <a:pPr algn="ctr"/>
+            <a:r>
+              <a:rPr lang="en-US" sz="1400" dirty="0"/>
+              <a:t>GPU Memory</a:t>
+            </a:r>
+          </a:p>
+        </p:txBody>
+      </p:sp>
+      <p:sp>
+        <p:nvSpPr>
+          <p:cNvPr id="68" name="TextBox 67">
+            <a:extLst>
+              <a:ext uri="{FF2B5EF4-FFF2-40B4-BE49-F238E27FC236}">
+                <a16:creationId xmlns:a16="http://schemas.microsoft.com/office/drawing/2014/main" id="{207C2CC9-3EC2-D94D-B740-391210F50EF6}"/>
+              </a:ext>
+            </a:extLst>
+          </p:cNvPr>
+          <p:cNvSpPr txBox="1"/>
+          <p:nvPr/>
+        </p:nvSpPr>
+        <p:spPr>
+          <a:xfrm rot="16200000">
+            <a:off x="-198707" y="4531758"/>
+            <a:ext cx="2586786" cy="307777"/>
+          </a:xfrm>
+          <a:prstGeom prst="rect">
+            <a:avLst/>
+          </a:prstGeom>
+          <a:noFill/>
+          <a:ln w="19050">
+            <a:solidFill>
+              <a:schemeClr val="tx1"/>
+            </a:solidFill>
+          </a:ln>
+        </p:spPr>
+        <p:txBody>
+          <a:bodyPr wrap="square" rtlCol="0">
+            <a:spAutoFit/>
+          </a:bodyPr>
+          <a:lstStyle/>
+          <a:p>
+            <a:pPr algn="ctr"/>
+            <a:r>
+              <a:rPr lang="en-US" sz="1400" dirty="0"/>
+              <a:t>GPU Memory</a:t>
+            </a:r>
+          </a:p>
+        </p:txBody>
+      </p:sp>
+    </p:spTree>
+    <p:extLst>
+      <p:ext uri="{BB962C8B-B14F-4D97-AF65-F5344CB8AC3E}">
+        <p14:creationId xmlns:p14="http://schemas.microsoft.com/office/powerpoint/2010/main" val="1147442474"/>
+      </p:ext>
+    </p:extLst>
+  </p:cSld>
+  <p:clrMapOvr>
+    <a:masterClrMapping/>
+  </p:clrMapOvr>
+</p:sld>
+</file>
+
+<file path=ppt/slides/slide2.xml><?xml version="1.0" encoding="utf-8"?>
+<p:sld xmlns:a="http://schemas.openxmlformats.org/drawingml/2006/main" xmlns:r="http://schemas.openxmlformats.org/officeDocument/2006/relationships" xmlns:p="http://schemas.openxmlformats.org/presentationml/2006/main">
+  <p:cSld>
+    <p:spTree>
+      <p:nvGrpSpPr>
+        <p:cNvPr id="1" name=""/>
+        <p:cNvGrpSpPr/>
+        <p:nvPr/>
+      </p:nvGrpSpPr>
+      <p:grpSpPr>
+        <a:xfrm>
+          <a:off x="0" y="0"/>
+          <a:ext cx="0" cy="0"/>
+          <a:chOff x="0" y="0"/>
+          <a:chExt cx="0" cy="0"/>
+        </a:xfrm>
+      </p:grpSpPr>
+      <p:sp>
+        <p:nvSpPr>
+          <p:cNvPr id="2" name="TextBox 1">
+            <a:extLst>
+              <a:ext uri="{FF2B5EF4-FFF2-40B4-BE49-F238E27FC236}">
+                <a16:creationId xmlns:a16="http://schemas.microsoft.com/office/drawing/2014/main" id="{64C5774C-2EE8-174D-B9C1-DB8ED86F19F4}"/>
+              </a:ext>
+            </a:extLst>
+          </p:cNvPr>
+          <p:cNvSpPr txBox="1"/>
+          <p:nvPr/>
+        </p:nvSpPr>
+        <p:spPr>
+          <a:xfrm>
+            <a:off x="3993931" y="1250731"/>
+            <a:ext cx="4204138" cy="369332"/>
+          </a:xfrm>
+          <a:prstGeom prst="rect">
+            <a:avLst/>
+          </a:prstGeom>
+          <a:noFill/>
+        </p:spPr>
+        <p:txBody>
+          <a:bodyPr wrap="square" rtlCol="0">
+            <a:spAutoFit/>
+          </a:bodyPr>
+          <a:lstStyle/>
+          <a:p>
+            <a:r>
+              <a:rPr lang="en-US" dirty="0"/>
+              <a:t>__mm256d Avec, </a:t>
+            </a:r>
+            <a:r>
+              <a:rPr lang="en-US" dirty="0" err="1"/>
+              <a:t>Bvec</a:t>
+            </a:r>
+            <a:r>
+              <a:rPr lang="en-US" dirty="0"/>
+              <a:t>, </a:t>
+            </a:r>
+            <a:r>
+              <a:rPr lang="en-US" dirty="0" err="1"/>
+              <a:t>Cvec</a:t>
+            </a:r>
+            <a:r>
+              <a:rPr lang="en-US" dirty="0"/>
+              <a:t>, </a:t>
+            </a:r>
+            <a:r>
+              <a:rPr lang="en-US" dirty="0" err="1"/>
+              <a:t>Dvec</a:t>
+            </a:r>
+            <a:r>
+              <a:rPr lang="en-US" dirty="0"/>
+              <a:t>, </a:t>
+            </a:r>
+            <a:r>
+              <a:rPr lang="en-US" dirty="0" err="1"/>
+              <a:t>Evec</a:t>
+            </a:r>
+            <a:r>
+              <a:rPr lang="en-US" dirty="0"/>
+              <a:t>;</a:t>
+            </a:r>
+          </a:p>
+        </p:txBody>
+      </p:sp>
+    </p:spTree>
+    <p:extLst>
+      <p:ext uri="{BB962C8B-B14F-4D97-AF65-F5344CB8AC3E}">
+        <p14:creationId xmlns:p14="http://schemas.microsoft.com/office/powerpoint/2010/main" val="375202607"/>
+      </p:ext>
+    </p:extLst>
+  </p:cSld>
+  <p:clrMapOvr>
+    <a:masterClrMapping/>
+  </p:clrMapOvr>
+</p:sld>
+</file>
+
+<file path=ppt/slides/slide3.xml><?xml version="1.0" encoding="utf-8"?>
+<p:sld xmlns:a="http://schemas.openxmlformats.org/drawingml/2006/main" xmlns:r="http://schemas.openxmlformats.org/officeDocument/2006/relationships" xmlns:p="http://schemas.openxmlformats.org/presentationml/2006/main">
+  <p:cSld>
+    <p:spTree>
+      <p:nvGrpSpPr>
+        <p:cNvPr id="1" name=""/>
+        <p:cNvGrpSpPr/>
+        <p:nvPr/>
+      </p:nvGrpSpPr>
+      <p:grpSpPr>
+        <a:xfrm>
+          <a:off x="0" y="0"/>
+          <a:ext cx="0" cy="0"/>
+          <a:chOff x="0" y="0"/>
+          <a:chExt cx="0" cy="0"/>
+        </a:xfrm>
+      </p:grpSpPr>
+      <p:sp>
+        <p:nvSpPr>
+          <p:cNvPr id="4" name="TextBox 3">
+            <a:extLst>
+              <a:ext uri="{FF2B5EF4-FFF2-40B4-BE49-F238E27FC236}">
+                <a16:creationId xmlns:a16="http://schemas.microsoft.com/office/drawing/2014/main" id="{EAF8C995-78B4-3B4D-BC15-85CE42E9FE6F}"/>
+              </a:ext>
+            </a:extLst>
+          </p:cNvPr>
+          <p:cNvSpPr txBox="1"/>
+          <p:nvPr/>
+        </p:nvSpPr>
+        <p:spPr>
+          <a:xfrm>
+            <a:off x="5291496" y="696577"/>
+            <a:ext cx="2730457" cy="276999"/>
+          </a:xfrm>
+          <a:prstGeom prst="rect">
+            <a:avLst/>
+          </a:prstGeom>
+          <a:noFill/>
+          <a:ln>
+            <a:solidFill>
+              <a:schemeClr val="tx1"/>
+            </a:solidFill>
+          </a:ln>
+        </p:spPr>
+        <p:txBody>
+          <a:bodyPr wrap="square" rtlCol="0">
+            <a:spAutoFit/>
+          </a:bodyPr>
+          <a:lstStyle/>
+          <a:p>
+            <a:pPr algn="ctr"/>
+            <a:r>
+              <a:rPr lang="en-US" sz="1200" dirty="0"/>
+              <a:t>Instruction Cache</a:t>
+            </a:r>
+          </a:p>
+        </p:txBody>
+      </p:sp>
+      <p:sp>
+        <p:nvSpPr>
+          <p:cNvPr id="5" name="TextBox 4">
+            <a:extLst>
+              <a:ext uri="{FF2B5EF4-FFF2-40B4-BE49-F238E27FC236}">
+                <a16:creationId xmlns:a16="http://schemas.microsoft.com/office/drawing/2014/main" id="{86CC358D-86D0-C044-A670-A16EE667E0BB}"/>
+              </a:ext>
+            </a:extLst>
+          </p:cNvPr>
+          <p:cNvSpPr txBox="1"/>
+          <p:nvPr/>
+        </p:nvSpPr>
+        <p:spPr>
+          <a:xfrm>
+            <a:off x="5304320" y="1052904"/>
+            <a:ext cx="2730458" cy="276999"/>
+          </a:xfrm>
+          <a:prstGeom prst="rect">
+            <a:avLst/>
+          </a:prstGeom>
+          <a:noFill/>
+          <a:ln>
+            <a:solidFill>
+              <a:schemeClr val="tx1"/>
+            </a:solidFill>
+          </a:ln>
+        </p:spPr>
+        <p:txBody>
+          <a:bodyPr wrap="square" rtlCol="0">
+            <a:spAutoFit/>
+          </a:bodyPr>
+          <a:lstStyle/>
+          <a:p>
+            <a:pPr algn="ctr"/>
+            <a:r>
+              <a:rPr lang="en-US" sz="1200" dirty="0"/>
+              <a:t>SIMD Thread Scheduler</a:t>
+            </a:r>
+          </a:p>
+        </p:txBody>
+      </p:sp>
+      <p:sp>
+        <p:nvSpPr>
+          <p:cNvPr id="6" name="TextBox 5">
+            <a:extLst>
+              <a:ext uri="{FF2B5EF4-FFF2-40B4-BE49-F238E27FC236}">
+                <a16:creationId xmlns:a16="http://schemas.microsoft.com/office/drawing/2014/main" id="{F553DD85-91DE-6044-B824-5208EBD27F02}"/>
+              </a:ext>
+            </a:extLst>
+          </p:cNvPr>
+          <p:cNvSpPr txBox="1"/>
+          <p:nvPr/>
+        </p:nvSpPr>
+        <p:spPr>
+          <a:xfrm>
+            <a:off x="5304320" y="1392269"/>
+            <a:ext cx="1295843" cy="276999"/>
+          </a:xfrm>
+          <a:prstGeom prst="rect">
+            <a:avLst/>
+          </a:prstGeom>
+          <a:noFill/>
+          <a:ln>
+            <a:solidFill>
+              <a:schemeClr val="tx1"/>
+            </a:solidFill>
+          </a:ln>
+        </p:spPr>
+        <p:txBody>
+          <a:bodyPr wrap="square" rtlCol="0">
+            <a:spAutoFit/>
+          </a:bodyPr>
+          <a:lstStyle/>
+          <a:p>
+            <a:pPr algn="ctr"/>
+            <a:r>
+              <a:rPr lang="en-US" sz="1200" dirty="0"/>
+              <a:t>Dispatch Unit</a:t>
+            </a:r>
+          </a:p>
+        </p:txBody>
+      </p:sp>
+      <p:sp>
+        <p:nvSpPr>
+          <p:cNvPr id="7" name="TextBox 6">
+            <a:extLst>
+              <a:ext uri="{FF2B5EF4-FFF2-40B4-BE49-F238E27FC236}">
+                <a16:creationId xmlns:a16="http://schemas.microsoft.com/office/drawing/2014/main" id="{7EC3B089-F588-B345-AC01-C95B473FEA44}"/>
+              </a:ext>
+            </a:extLst>
+          </p:cNvPr>
+          <p:cNvSpPr txBox="1"/>
+          <p:nvPr/>
+        </p:nvSpPr>
+        <p:spPr>
+          <a:xfrm>
+            <a:off x="5304320" y="2090796"/>
+            <a:ext cx="604715" cy="461665"/>
+          </a:xfrm>
+          <a:prstGeom prst="rect">
+            <a:avLst/>
+          </a:prstGeom>
+          <a:noFill/>
+          <a:ln>
+            <a:solidFill>
+              <a:schemeClr val="tx1"/>
+            </a:solidFill>
+          </a:ln>
+        </p:spPr>
+        <p:txBody>
+          <a:bodyPr wrap="square" rtlCol="0">
+            <a:spAutoFit/>
+          </a:bodyPr>
+          <a:lstStyle/>
+          <a:p>
+            <a:pPr algn="ctr"/>
+            <a:r>
+              <a:rPr lang="en-US" sz="1200" dirty="0"/>
+              <a:t>SIMD Lane</a:t>
+            </a:r>
+          </a:p>
+        </p:txBody>
+      </p:sp>
+      <p:sp>
+        <p:nvSpPr>
+          <p:cNvPr id="8" name="TextBox 7">
+            <a:extLst>
+              <a:ext uri="{FF2B5EF4-FFF2-40B4-BE49-F238E27FC236}">
+                <a16:creationId xmlns:a16="http://schemas.microsoft.com/office/drawing/2014/main" id="{A1B8E197-29B1-9043-BBC1-82619CC9A31C}"/>
+              </a:ext>
+            </a:extLst>
+          </p:cNvPr>
+          <p:cNvSpPr txBox="1"/>
+          <p:nvPr/>
+        </p:nvSpPr>
+        <p:spPr>
+          <a:xfrm>
+            <a:off x="5304320" y="1740761"/>
+            <a:ext cx="2730458" cy="276999"/>
+          </a:xfrm>
+          <a:prstGeom prst="rect">
+            <a:avLst/>
+          </a:prstGeom>
+          <a:noFill/>
+          <a:ln>
+            <a:solidFill>
+              <a:schemeClr val="tx1"/>
+            </a:solidFill>
+          </a:ln>
+        </p:spPr>
+        <p:txBody>
+          <a:bodyPr wrap="square" rtlCol="0">
+            <a:spAutoFit/>
+          </a:bodyPr>
+          <a:lstStyle/>
+          <a:p>
+            <a:pPr algn="ctr"/>
+            <a:r>
+              <a:rPr lang="en-US" sz="1200" dirty="0"/>
+              <a:t>Register File</a:t>
+            </a:r>
+          </a:p>
+        </p:txBody>
+      </p:sp>
+      <p:sp>
+        <p:nvSpPr>
+          <p:cNvPr id="9" name="TextBox 8">
+            <a:extLst>
+              <a:ext uri="{FF2B5EF4-FFF2-40B4-BE49-F238E27FC236}">
+                <a16:creationId xmlns:a16="http://schemas.microsoft.com/office/drawing/2014/main" id="{4998A30C-3285-8F41-A724-BF3178495666}"/>
+              </a:ext>
+            </a:extLst>
+          </p:cNvPr>
+          <p:cNvSpPr txBox="1"/>
+          <p:nvPr/>
+        </p:nvSpPr>
+        <p:spPr>
+          <a:xfrm>
+            <a:off x="6012901" y="2090796"/>
+            <a:ext cx="604715" cy="461665"/>
+          </a:xfrm>
+          <a:prstGeom prst="rect">
+            <a:avLst/>
+          </a:prstGeom>
+          <a:noFill/>
+          <a:ln>
+            <a:solidFill>
+              <a:schemeClr val="tx1"/>
+            </a:solidFill>
+          </a:ln>
+        </p:spPr>
+        <p:txBody>
+          <a:bodyPr wrap="square" rtlCol="0">
+            <a:spAutoFit/>
+          </a:bodyPr>
+          <a:lstStyle/>
+          <a:p>
+            <a:pPr algn="ctr"/>
+            <a:r>
+              <a:rPr lang="en-US" sz="1200" dirty="0"/>
+              <a:t>SIMD Lane</a:t>
+            </a:r>
+          </a:p>
+        </p:txBody>
+      </p:sp>
+      <p:sp>
+        <p:nvSpPr>
+          <p:cNvPr id="10" name="TextBox 9">
+            <a:extLst>
+              <a:ext uri="{FF2B5EF4-FFF2-40B4-BE49-F238E27FC236}">
+                <a16:creationId xmlns:a16="http://schemas.microsoft.com/office/drawing/2014/main" id="{38290A69-9789-364C-A7DE-A23F2E096437}"/>
+              </a:ext>
+            </a:extLst>
+          </p:cNvPr>
+          <p:cNvSpPr txBox="1"/>
+          <p:nvPr/>
+        </p:nvSpPr>
+        <p:spPr>
+          <a:xfrm>
+            <a:off x="6721482" y="2093587"/>
+            <a:ext cx="604715" cy="461665"/>
+          </a:xfrm>
+          <a:prstGeom prst="rect">
+            <a:avLst/>
+          </a:prstGeom>
+          <a:noFill/>
+          <a:ln>
+            <a:solidFill>
+              <a:schemeClr val="tx1"/>
+            </a:solidFill>
+          </a:ln>
+        </p:spPr>
+        <p:txBody>
+          <a:bodyPr wrap="square" rtlCol="0">
+            <a:spAutoFit/>
+          </a:bodyPr>
+          <a:lstStyle/>
+          <a:p>
+            <a:pPr algn="ctr"/>
+            <a:r>
+              <a:rPr lang="en-US" sz="1200" dirty="0"/>
+              <a:t>SIMD Lane</a:t>
+            </a:r>
+          </a:p>
+        </p:txBody>
+      </p:sp>
+      <p:sp>
+        <p:nvSpPr>
+          <p:cNvPr id="11" name="TextBox 10">
+            <a:extLst>
+              <a:ext uri="{FF2B5EF4-FFF2-40B4-BE49-F238E27FC236}">
+                <a16:creationId xmlns:a16="http://schemas.microsoft.com/office/drawing/2014/main" id="{9586E299-89E8-3549-9B83-362C67507F53}"/>
+              </a:ext>
+            </a:extLst>
+          </p:cNvPr>
+          <p:cNvSpPr txBox="1"/>
+          <p:nvPr/>
+        </p:nvSpPr>
+        <p:spPr>
+          <a:xfrm>
+            <a:off x="7430063" y="2090796"/>
+            <a:ext cx="604715" cy="461665"/>
+          </a:xfrm>
+          <a:prstGeom prst="rect">
+            <a:avLst/>
+          </a:prstGeom>
+          <a:noFill/>
+          <a:ln>
+            <a:solidFill>
+              <a:schemeClr val="tx1"/>
+            </a:solidFill>
+          </a:ln>
+        </p:spPr>
+        <p:txBody>
+          <a:bodyPr wrap="square" rtlCol="0">
+            <a:spAutoFit/>
+          </a:bodyPr>
+          <a:lstStyle/>
+          <a:p>
+            <a:pPr algn="ctr"/>
+            <a:r>
+              <a:rPr lang="en-US" sz="1200" dirty="0"/>
+              <a:t>SIMD Lane</a:t>
+            </a:r>
+          </a:p>
+        </p:txBody>
+      </p:sp>
+      <p:sp>
+        <p:nvSpPr>
+          <p:cNvPr id="12" name="TextBox 11">
+            <a:extLst>
+              <a:ext uri="{FF2B5EF4-FFF2-40B4-BE49-F238E27FC236}">
+                <a16:creationId xmlns:a16="http://schemas.microsoft.com/office/drawing/2014/main" id="{988F9B4E-78D6-8D42-B850-61395057586D}"/>
+              </a:ext>
+            </a:extLst>
+          </p:cNvPr>
+          <p:cNvSpPr txBox="1"/>
+          <p:nvPr/>
+        </p:nvSpPr>
+        <p:spPr>
+          <a:xfrm>
+            <a:off x="5304320" y="2630060"/>
+            <a:ext cx="604715" cy="461665"/>
+          </a:xfrm>
+          <a:prstGeom prst="rect">
+            <a:avLst/>
+          </a:prstGeom>
+          <a:noFill/>
+          <a:ln>
+            <a:solidFill>
+              <a:schemeClr val="tx1"/>
+            </a:solidFill>
+          </a:ln>
+        </p:spPr>
+        <p:txBody>
+          <a:bodyPr wrap="square" rtlCol="0">
+            <a:spAutoFit/>
+          </a:bodyPr>
+          <a:lstStyle/>
+          <a:p>
+            <a:pPr algn="ctr"/>
+            <a:r>
+              <a:rPr lang="en-US" sz="1200" dirty="0"/>
+              <a:t>SIMD Lane</a:t>
+            </a:r>
+          </a:p>
+        </p:txBody>
+      </p:sp>
+      <p:sp>
+        <p:nvSpPr>
+          <p:cNvPr id="13" name="TextBox 12">
+            <a:extLst>
+              <a:ext uri="{FF2B5EF4-FFF2-40B4-BE49-F238E27FC236}">
+                <a16:creationId xmlns:a16="http://schemas.microsoft.com/office/drawing/2014/main" id="{F0C5F3E6-86D2-F449-BDFC-97AFA00629CD}"/>
+              </a:ext>
+            </a:extLst>
+          </p:cNvPr>
+          <p:cNvSpPr txBox="1"/>
+          <p:nvPr/>
+        </p:nvSpPr>
+        <p:spPr>
+          <a:xfrm>
+            <a:off x="6012901" y="2630060"/>
+            <a:ext cx="604715" cy="461665"/>
+          </a:xfrm>
+          <a:prstGeom prst="rect">
+            <a:avLst/>
+          </a:prstGeom>
+          <a:noFill/>
+          <a:ln>
+            <a:solidFill>
+              <a:schemeClr val="tx1"/>
+            </a:solidFill>
+          </a:ln>
+        </p:spPr>
+        <p:txBody>
+          <a:bodyPr wrap="square" rtlCol="0">
+            <a:spAutoFit/>
+          </a:bodyPr>
+          <a:lstStyle/>
+          <a:p>
+            <a:pPr algn="ctr"/>
+            <a:r>
+              <a:rPr lang="en-US" sz="1200" dirty="0"/>
+              <a:t>SIMD Lane</a:t>
+            </a:r>
+          </a:p>
+        </p:txBody>
+      </p:sp>
+      <p:sp>
+        <p:nvSpPr>
+          <p:cNvPr id="14" name="TextBox 13">
+            <a:extLst>
+              <a:ext uri="{FF2B5EF4-FFF2-40B4-BE49-F238E27FC236}">
+                <a16:creationId xmlns:a16="http://schemas.microsoft.com/office/drawing/2014/main" id="{B98170DD-EB1C-BF47-AC2B-9B86186E207C}"/>
+              </a:ext>
+            </a:extLst>
+          </p:cNvPr>
+          <p:cNvSpPr txBox="1"/>
+          <p:nvPr/>
+        </p:nvSpPr>
+        <p:spPr>
+          <a:xfrm>
+            <a:off x="6721482" y="2632851"/>
+            <a:ext cx="604715" cy="461665"/>
+          </a:xfrm>
+          <a:prstGeom prst="rect">
+            <a:avLst/>
+          </a:prstGeom>
+          <a:noFill/>
+          <a:ln>
+            <a:solidFill>
+              <a:schemeClr val="tx1"/>
+            </a:solidFill>
+          </a:ln>
+        </p:spPr>
+        <p:txBody>
+          <a:bodyPr wrap="square" rtlCol="0">
+            <a:spAutoFit/>
+          </a:bodyPr>
+          <a:lstStyle/>
+          <a:p>
+            <a:pPr algn="ctr"/>
+            <a:r>
+              <a:rPr lang="en-US" sz="1200" dirty="0"/>
+              <a:t>SIMD Lane</a:t>
+            </a:r>
+          </a:p>
+        </p:txBody>
+      </p:sp>
+      <p:sp>
+        <p:nvSpPr>
+          <p:cNvPr id="15" name="TextBox 14">
+            <a:extLst>
+              <a:ext uri="{FF2B5EF4-FFF2-40B4-BE49-F238E27FC236}">
+                <a16:creationId xmlns:a16="http://schemas.microsoft.com/office/drawing/2014/main" id="{6AC39F91-915F-2C40-89D7-062A27CAF82A}"/>
+              </a:ext>
+            </a:extLst>
+          </p:cNvPr>
+          <p:cNvSpPr txBox="1"/>
+          <p:nvPr/>
+        </p:nvSpPr>
+        <p:spPr>
+          <a:xfrm>
+            <a:off x="7430063" y="2630060"/>
+            <a:ext cx="604715" cy="461665"/>
+          </a:xfrm>
+          <a:prstGeom prst="rect">
+            <a:avLst/>
+          </a:prstGeom>
+          <a:noFill/>
+          <a:ln>
+            <a:solidFill>
+              <a:schemeClr val="tx1"/>
+            </a:solidFill>
+          </a:ln>
+        </p:spPr>
+        <p:txBody>
+          <a:bodyPr wrap="square" rtlCol="0">
+            <a:spAutoFit/>
+          </a:bodyPr>
+          <a:lstStyle/>
+          <a:p>
+            <a:pPr algn="ctr"/>
+            <a:r>
+              <a:rPr lang="en-US" sz="1200" dirty="0"/>
+              <a:t>SIMD Lane</a:t>
+            </a:r>
+          </a:p>
+        </p:txBody>
+      </p:sp>
+      <p:sp>
+        <p:nvSpPr>
+          <p:cNvPr id="16" name="TextBox 15">
+            <a:extLst>
+              <a:ext uri="{FF2B5EF4-FFF2-40B4-BE49-F238E27FC236}">
+                <a16:creationId xmlns:a16="http://schemas.microsoft.com/office/drawing/2014/main" id="{2303882A-B9F8-3343-BAD9-A01CFAF4DD67}"/>
+              </a:ext>
+            </a:extLst>
+          </p:cNvPr>
+          <p:cNvSpPr txBox="1"/>
+          <p:nvPr/>
+        </p:nvSpPr>
+        <p:spPr>
+          <a:xfrm>
+            <a:off x="5304320" y="3177886"/>
+            <a:ext cx="604715" cy="461665"/>
+          </a:xfrm>
+          <a:prstGeom prst="rect">
+            <a:avLst/>
+          </a:prstGeom>
+          <a:noFill/>
+          <a:ln>
+            <a:solidFill>
+              <a:schemeClr val="tx1"/>
+            </a:solidFill>
+          </a:ln>
+        </p:spPr>
+        <p:txBody>
+          <a:bodyPr wrap="square" rtlCol="0">
+            <a:spAutoFit/>
+          </a:bodyPr>
+          <a:lstStyle/>
+          <a:p>
+            <a:pPr algn="ctr"/>
+            <a:r>
+              <a:rPr lang="en-US" sz="1200" dirty="0"/>
+              <a:t>SIMD Lane</a:t>
+            </a:r>
+          </a:p>
+        </p:txBody>
+      </p:sp>
+      <p:sp>
+        <p:nvSpPr>
+          <p:cNvPr id="17" name="TextBox 16">
+            <a:extLst>
+              <a:ext uri="{FF2B5EF4-FFF2-40B4-BE49-F238E27FC236}">
+                <a16:creationId xmlns:a16="http://schemas.microsoft.com/office/drawing/2014/main" id="{44494A47-E002-AC42-9775-9703289F1308}"/>
+              </a:ext>
+            </a:extLst>
+          </p:cNvPr>
+          <p:cNvSpPr txBox="1"/>
+          <p:nvPr/>
+        </p:nvSpPr>
+        <p:spPr>
+          <a:xfrm>
+            <a:off x="6012901" y="3177886"/>
+            <a:ext cx="604715" cy="461665"/>
+          </a:xfrm>
+          <a:prstGeom prst="rect">
+            <a:avLst/>
+          </a:prstGeom>
+          <a:noFill/>
+          <a:ln>
+            <a:solidFill>
+              <a:schemeClr val="tx1"/>
+            </a:solidFill>
+          </a:ln>
+        </p:spPr>
+        <p:txBody>
+          <a:bodyPr wrap="square" rtlCol="0">
+            <a:spAutoFit/>
+          </a:bodyPr>
+          <a:lstStyle/>
+          <a:p>
+            <a:pPr algn="ctr"/>
+            <a:r>
+              <a:rPr lang="en-US" sz="1200" dirty="0"/>
+              <a:t>SIMD Lane</a:t>
+            </a:r>
+          </a:p>
+        </p:txBody>
+      </p:sp>
+      <p:sp>
+        <p:nvSpPr>
+          <p:cNvPr id="18" name="TextBox 17">
+            <a:extLst>
+              <a:ext uri="{FF2B5EF4-FFF2-40B4-BE49-F238E27FC236}">
+                <a16:creationId xmlns:a16="http://schemas.microsoft.com/office/drawing/2014/main" id="{D8ECF4AE-196E-3748-9459-C6A1343112DD}"/>
+              </a:ext>
+            </a:extLst>
+          </p:cNvPr>
+          <p:cNvSpPr txBox="1"/>
+          <p:nvPr/>
+        </p:nvSpPr>
+        <p:spPr>
+          <a:xfrm>
+            <a:off x="6721482" y="3180677"/>
+            <a:ext cx="604715" cy="461665"/>
+          </a:xfrm>
+          <a:prstGeom prst="rect">
+            <a:avLst/>
+          </a:prstGeom>
+          <a:noFill/>
+          <a:ln>
+            <a:solidFill>
+              <a:schemeClr val="tx1"/>
+            </a:solidFill>
+          </a:ln>
+        </p:spPr>
+        <p:txBody>
+          <a:bodyPr wrap="square" rtlCol="0">
+            <a:spAutoFit/>
+          </a:bodyPr>
+          <a:lstStyle/>
+          <a:p>
+            <a:pPr algn="ctr"/>
+            <a:r>
+              <a:rPr lang="en-US" sz="1200" dirty="0"/>
+              <a:t>SIMD Lane</a:t>
+            </a:r>
+          </a:p>
+        </p:txBody>
+      </p:sp>
+      <p:sp>
+        <p:nvSpPr>
+          <p:cNvPr id="19" name="TextBox 18">
+            <a:extLst>
+              <a:ext uri="{FF2B5EF4-FFF2-40B4-BE49-F238E27FC236}">
+                <a16:creationId xmlns:a16="http://schemas.microsoft.com/office/drawing/2014/main" id="{9E1B296D-D42D-5142-B2F4-C748D5B3C480}"/>
+              </a:ext>
+            </a:extLst>
+          </p:cNvPr>
+          <p:cNvSpPr txBox="1"/>
+          <p:nvPr/>
+        </p:nvSpPr>
+        <p:spPr>
+          <a:xfrm>
+            <a:off x="7430063" y="3177886"/>
+            <a:ext cx="604715" cy="461665"/>
+          </a:xfrm>
+          <a:prstGeom prst="rect">
+            <a:avLst/>
+          </a:prstGeom>
+          <a:noFill/>
+          <a:ln>
+            <a:solidFill>
+              <a:schemeClr val="tx1"/>
+            </a:solidFill>
+          </a:ln>
+        </p:spPr>
+        <p:txBody>
+          <a:bodyPr wrap="square" rtlCol="0">
+            <a:spAutoFit/>
+          </a:bodyPr>
+          <a:lstStyle/>
+          <a:p>
+            <a:pPr algn="ctr"/>
+            <a:r>
+              <a:rPr lang="en-US" sz="1200" dirty="0"/>
+              <a:t>SIMD Lane</a:t>
+            </a:r>
+          </a:p>
+        </p:txBody>
+      </p:sp>
+      <p:sp>
+        <p:nvSpPr>
+          <p:cNvPr id="20" name="TextBox 19">
+            <a:extLst>
+              <a:ext uri="{FF2B5EF4-FFF2-40B4-BE49-F238E27FC236}">
+                <a16:creationId xmlns:a16="http://schemas.microsoft.com/office/drawing/2014/main" id="{C2B808EF-CE2A-AB4D-8E84-96D18428F22B}"/>
+              </a:ext>
+            </a:extLst>
+          </p:cNvPr>
+          <p:cNvSpPr txBox="1"/>
+          <p:nvPr/>
+        </p:nvSpPr>
+        <p:spPr>
+          <a:xfrm>
+            <a:off x="5304320" y="3698301"/>
+            <a:ext cx="604715" cy="461665"/>
+          </a:xfrm>
+          <a:prstGeom prst="rect">
+            <a:avLst/>
+          </a:prstGeom>
+          <a:noFill/>
+          <a:ln>
+            <a:solidFill>
+              <a:schemeClr val="tx1"/>
+            </a:solidFill>
+          </a:ln>
+        </p:spPr>
+        <p:txBody>
+          <a:bodyPr wrap="square" rtlCol="0">
+            <a:spAutoFit/>
+          </a:bodyPr>
+          <a:lstStyle/>
+          <a:p>
+            <a:pPr algn="ctr"/>
+            <a:r>
+              <a:rPr lang="en-US" sz="1200" dirty="0"/>
+              <a:t>SIMD Lane</a:t>
+            </a:r>
+          </a:p>
+        </p:txBody>
+      </p:sp>
+      <p:sp>
+        <p:nvSpPr>
+          <p:cNvPr id="21" name="TextBox 20">
+            <a:extLst>
+              <a:ext uri="{FF2B5EF4-FFF2-40B4-BE49-F238E27FC236}">
+                <a16:creationId xmlns:a16="http://schemas.microsoft.com/office/drawing/2014/main" id="{6CC17D61-0290-DD46-A37C-B9802BE59011}"/>
+              </a:ext>
+            </a:extLst>
+          </p:cNvPr>
+          <p:cNvSpPr txBox="1"/>
+          <p:nvPr/>
+        </p:nvSpPr>
+        <p:spPr>
+          <a:xfrm>
+            <a:off x="6012901" y="3698301"/>
+            <a:ext cx="604715" cy="461665"/>
+          </a:xfrm>
+          <a:prstGeom prst="rect">
+            <a:avLst/>
+          </a:prstGeom>
+          <a:noFill/>
+          <a:ln>
+            <a:solidFill>
+              <a:schemeClr val="tx1"/>
+            </a:solidFill>
+          </a:ln>
+        </p:spPr>
+        <p:txBody>
+          <a:bodyPr wrap="square" rtlCol="0">
+            <a:spAutoFit/>
+          </a:bodyPr>
+          <a:lstStyle/>
+          <a:p>
+            <a:pPr algn="ctr"/>
+            <a:r>
+              <a:rPr lang="en-US" sz="1200" dirty="0"/>
+              <a:t>SIMD Lane</a:t>
+            </a:r>
+          </a:p>
+        </p:txBody>
+      </p:sp>
+      <p:sp>
+        <p:nvSpPr>
+          <p:cNvPr id="22" name="TextBox 21">
+            <a:extLst>
+              <a:ext uri="{FF2B5EF4-FFF2-40B4-BE49-F238E27FC236}">
+                <a16:creationId xmlns:a16="http://schemas.microsoft.com/office/drawing/2014/main" id="{3CB553A7-C195-6741-B244-D0377EA5AF1C}"/>
+              </a:ext>
+            </a:extLst>
+          </p:cNvPr>
+          <p:cNvSpPr txBox="1"/>
+          <p:nvPr/>
+        </p:nvSpPr>
+        <p:spPr>
+          <a:xfrm>
+            <a:off x="6721482" y="3701092"/>
+            <a:ext cx="604715" cy="461665"/>
+          </a:xfrm>
+          <a:prstGeom prst="rect">
+            <a:avLst/>
+          </a:prstGeom>
+          <a:noFill/>
+          <a:ln>
+            <a:solidFill>
+              <a:schemeClr val="tx1"/>
+            </a:solidFill>
+          </a:ln>
+        </p:spPr>
+        <p:txBody>
+          <a:bodyPr wrap="square" rtlCol="0">
+            <a:spAutoFit/>
+          </a:bodyPr>
+          <a:lstStyle/>
+          <a:p>
+            <a:pPr algn="ctr"/>
+            <a:r>
+              <a:rPr lang="en-US" sz="1200" dirty="0"/>
+              <a:t>SIMD Lane</a:t>
+            </a:r>
+          </a:p>
+        </p:txBody>
+      </p:sp>
+      <p:sp>
+        <p:nvSpPr>
+          <p:cNvPr id="23" name="TextBox 22">
+            <a:extLst>
+              <a:ext uri="{FF2B5EF4-FFF2-40B4-BE49-F238E27FC236}">
+                <a16:creationId xmlns:a16="http://schemas.microsoft.com/office/drawing/2014/main" id="{6CE2519E-5BB7-2947-BFC6-A975A1931741}"/>
+              </a:ext>
+            </a:extLst>
+          </p:cNvPr>
+          <p:cNvSpPr txBox="1"/>
+          <p:nvPr/>
+        </p:nvSpPr>
+        <p:spPr>
+          <a:xfrm>
+            <a:off x="7430063" y="3698301"/>
+            <a:ext cx="604715" cy="461665"/>
+          </a:xfrm>
+          <a:prstGeom prst="rect">
+            <a:avLst/>
+          </a:prstGeom>
+          <a:noFill/>
+          <a:ln>
+            <a:solidFill>
+              <a:schemeClr val="tx1"/>
+            </a:solidFill>
+          </a:ln>
+        </p:spPr>
+        <p:txBody>
+          <a:bodyPr wrap="square" rtlCol="0">
+            <a:spAutoFit/>
+          </a:bodyPr>
+          <a:lstStyle/>
+          <a:p>
+            <a:pPr algn="ctr"/>
+            <a:r>
+              <a:rPr lang="en-US" sz="1200" dirty="0"/>
+              <a:t>SIMD Lane</a:t>
+            </a:r>
+          </a:p>
+        </p:txBody>
+      </p:sp>
+      <p:sp>
+        <p:nvSpPr>
+          <p:cNvPr id="24" name="TextBox 23">
+            <a:extLst>
+              <a:ext uri="{FF2B5EF4-FFF2-40B4-BE49-F238E27FC236}">
+                <a16:creationId xmlns:a16="http://schemas.microsoft.com/office/drawing/2014/main" id="{1C265C27-2895-4F41-8D3E-7790D53104E5}"/>
+              </a:ext>
+            </a:extLst>
+          </p:cNvPr>
+          <p:cNvSpPr txBox="1"/>
+          <p:nvPr/>
+        </p:nvSpPr>
+        <p:spPr>
+          <a:xfrm>
+            <a:off x="6738935" y="1402939"/>
+            <a:ext cx="1295843" cy="276999"/>
+          </a:xfrm>
+          <a:prstGeom prst="rect">
+            <a:avLst/>
+          </a:prstGeom>
+          <a:noFill/>
+          <a:ln>
+            <a:solidFill>
+              <a:schemeClr val="tx1"/>
+            </a:solidFill>
+          </a:ln>
+        </p:spPr>
+        <p:txBody>
+          <a:bodyPr wrap="square" rtlCol="0">
+            <a:spAutoFit/>
+          </a:bodyPr>
+          <a:lstStyle/>
+          <a:p>
+            <a:pPr algn="ctr"/>
+            <a:r>
+              <a:rPr lang="en-US" sz="1200" dirty="0"/>
+              <a:t>Dispatch Unit</a:t>
+            </a:r>
+          </a:p>
+        </p:txBody>
+      </p:sp>
+      <p:sp>
+        <p:nvSpPr>
+          <p:cNvPr id="25" name="TextBox 24">
+            <a:extLst>
+              <a:ext uri="{FF2B5EF4-FFF2-40B4-BE49-F238E27FC236}">
+                <a16:creationId xmlns:a16="http://schemas.microsoft.com/office/drawing/2014/main" id="{AB096CFF-9CAA-4F49-8E88-75BDEA8B80D6}"/>
+              </a:ext>
+            </a:extLst>
+          </p:cNvPr>
+          <p:cNvSpPr txBox="1"/>
+          <p:nvPr/>
+        </p:nvSpPr>
+        <p:spPr>
+          <a:xfrm>
+            <a:off x="5304320" y="4220174"/>
+            <a:ext cx="2730458" cy="276999"/>
+          </a:xfrm>
+          <a:prstGeom prst="rect">
+            <a:avLst/>
+          </a:prstGeom>
+          <a:noFill/>
+          <a:ln>
+            <a:solidFill>
+              <a:schemeClr val="tx1"/>
+            </a:solidFill>
+          </a:ln>
+        </p:spPr>
+        <p:txBody>
+          <a:bodyPr wrap="square" rtlCol="0">
+            <a:spAutoFit/>
+          </a:bodyPr>
+          <a:lstStyle/>
+          <a:p>
+            <a:pPr algn="ctr"/>
+            <a:r>
+              <a:rPr lang="en-US" sz="1200" dirty="0"/>
+              <a:t>Cache</a:t>
+            </a:r>
+          </a:p>
+        </p:txBody>
+      </p:sp>
+      <p:sp>
+        <p:nvSpPr>
+          <p:cNvPr id="26" name="Rectangle 25">
+            <a:extLst>
+              <a:ext uri="{FF2B5EF4-FFF2-40B4-BE49-F238E27FC236}">
+                <a16:creationId xmlns:a16="http://schemas.microsoft.com/office/drawing/2014/main" id="{B116AE1A-2FE9-454B-9D1B-BB9F1FABEDBC}"/>
+              </a:ext>
+            </a:extLst>
+          </p:cNvPr>
+          <p:cNvSpPr/>
+          <p:nvPr/>
+        </p:nvSpPr>
+        <p:spPr>
+          <a:xfrm>
+            <a:off x="5225507" y="649442"/>
+            <a:ext cx="2890970" cy="3922557"/>
+          </a:xfrm>
+          <a:prstGeom prst="rect">
+            <a:avLst/>
+          </a:prstGeom>
+          <a:noFill/>
+          <a:ln w="31750">
+            <a:solidFill>
+              <a:schemeClr val="tx1"/>
+            </a:solidFill>
+          </a:ln>
+        </p:spPr>
+        <p:style>
+          <a:lnRef idx="2">
+            <a:schemeClr val="accent1">
+              <a:shade val="50000"/>
+            </a:schemeClr>
+          </a:lnRef>
+          <a:fillRef idx="1">
+            <a:schemeClr val="accent1"/>
+          </a:fillRef>
+          <a:effectRef idx="0">
+            <a:schemeClr val="accent1"/>
+          </a:effectRef>
+          <a:fontRef idx="minor">
+            <a:schemeClr val="lt1"/>
+          </a:fontRef>
+        </p:style>
+        <p:txBody>
+          <a:bodyPr rtlCol="0" anchor="ctr"/>
+          <a:lstStyle/>
+          <a:p>
+            <a:pPr algn="ctr"/>
+            <a:endParaRPr lang="en-US"/>
+          </a:p>
+        </p:txBody>
+      </p:sp>
+      <p:sp>
+        <p:nvSpPr>
+          <p:cNvPr id="27" name="TextBox 26">
+            <a:extLst>
+              <a:ext uri="{FF2B5EF4-FFF2-40B4-BE49-F238E27FC236}">
+                <a16:creationId xmlns:a16="http://schemas.microsoft.com/office/drawing/2014/main" id="{BF153347-73CF-2042-90F4-B2D253C6E386}"/>
+              </a:ext>
+            </a:extLst>
+          </p:cNvPr>
+          <p:cNvSpPr txBox="1"/>
+          <p:nvPr/>
+        </p:nvSpPr>
+        <p:spPr>
+          <a:xfrm>
+            <a:off x="988133" y="4794240"/>
+            <a:ext cx="2730457" cy="276999"/>
+          </a:xfrm>
+          <a:prstGeom prst="rect">
+            <a:avLst/>
+          </a:prstGeom>
+          <a:noFill/>
+          <a:ln>
+            <a:solidFill>
+              <a:schemeClr val="tx1"/>
+            </a:solidFill>
+          </a:ln>
+        </p:spPr>
+        <p:txBody>
+          <a:bodyPr wrap="square" rtlCol="0">
+            <a:spAutoFit/>
+          </a:bodyPr>
+          <a:lstStyle/>
+          <a:p>
+            <a:pPr algn="ctr"/>
+            <a:r>
+              <a:rPr lang="en-US" sz="1200" dirty="0"/>
+              <a:t>Instruction Cache</a:t>
+            </a:r>
+          </a:p>
+        </p:txBody>
+      </p:sp>
+      <p:sp>
+        <p:nvSpPr>
+          <p:cNvPr id="28" name="TextBox 27">
+            <a:extLst>
+              <a:ext uri="{FF2B5EF4-FFF2-40B4-BE49-F238E27FC236}">
+                <a16:creationId xmlns:a16="http://schemas.microsoft.com/office/drawing/2014/main" id="{933A7A9C-8A76-2A44-BD1B-098CA0ABF887}"/>
+              </a:ext>
+            </a:extLst>
+          </p:cNvPr>
+          <p:cNvSpPr txBox="1"/>
+          <p:nvPr/>
+        </p:nvSpPr>
+        <p:spPr>
+          <a:xfrm>
+            <a:off x="988132" y="4469185"/>
+            <a:ext cx="2730458" cy="276999"/>
+          </a:xfrm>
+          <a:prstGeom prst="rect">
+            <a:avLst/>
+          </a:prstGeom>
+          <a:noFill/>
+          <a:ln>
+            <a:solidFill>
+              <a:schemeClr val="tx1"/>
+            </a:solidFill>
+          </a:ln>
+        </p:spPr>
+        <p:txBody>
+          <a:bodyPr wrap="square" rtlCol="0">
+            <a:spAutoFit/>
+          </a:bodyPr>
+          <a:lstStyle/>
+          <a:p>
+            <a:pPr algn="ctr"/>
+            <a:r>
+              <a:rPr lang="en-US" sz="1200" dirty="0"/>
+              <a:t>SIMD Thread Scheduler</a:t>
+            </a:r>
+          </a:p>
+        </p:txBody>
+      </p:sp>
+      <p:sp>
+        <p:nvSpPr>
+          <p:cNvPr id="29" name="TextBox 28">
+            <a:extLst>
+              <a:ext uri="{FF2B5EF4-FFF2-40B4-BE49-F238E27FC236}">
+                <a16:creationId xmlns:a16="http://schemas.microsoft.com/office/drawing/2014/main" id="{85E03DC1-EC65-4447-A5D1-42DD7896FC9C}"/>
+              </a:ext>
+            </a:extLst>
+          </p:cNvPr>
+          <p:cNvSpPr txBox="1"/>
+          <p:nvPr/>
+        </p:nvSpPr>
+        <p:spPr>
+          <a:xfrm>
+            <a:off x="991647" y="4133662"/>
+            <a:ext cx="1295843" cy="276999"/>
+          </a:xfrm>
+          <a:prstGeom prst="rect">
+            <a:avLst/>
+          </a:prstGeom>
+          <a:noFill/>
+          <a:ln>
+            <a:solidFill>
+              <a:schemeClr val="tx1"/>
+            </a:solidFill>
+          </a:ln>
+        </p:spPr>
+        <p:txBody>
+          <a:bodyPr wrap="square" rtlCol="0">
+            <a:spAutoFit/>
+          </a:bodyPr>
+          <a:lstStyle/>
+          <a:p>
+            <a:pPr algn="ctr"/>
+            <a:r>
+              <a:rPr lang="en-US" sz="1200" dirty="0"/>
+              <a:t>Dispatch Unit</a:t>
+            </a:r>
+          </a:p>
+        </p:txBody>
+      </p:sp>
+      <p:sp>
+        <p:nvSpPr>
+          <p:cNvPr id="30" name="TextBox 29">
+            <a:extLst>
+              <a:ext uri="{FF2B5EF4-FFF2-40B4-BE49-F238E27FC236}">
+                <a16:creationId xmlns:a16="http://schemas.microsoft.com/office/drawing/2014/main" id="{FEA35264-7B80-FC4E-A258-6651CC18DBB3}"/>
+              </a:ext>
+            </a:extLst>
+          </p:cNvPr>
+          <p:cNvSpPr txBox="1"/>
+          <p:nvPr/>
+        </p:nvSpPr>
+        <p:spPr>
+          <a:xfrm>
+            <a:off x="1008099" y="1678763"/>
+            <a:ext cx="604715" cy="461665"/>
+          </a:xfrm>
+          <a:prstGeom prst="rect">
+            <a:avLst/>
+          </a:prstGeom>
+          <a:noFill/>
+          <a:ln>
+            <a:solidFill>
+              <a:schemeClr val="tx1"/>
+            </a:solidFill>
+          </a:ln>
+        </p:spPr>
+        <p:txBody>
+          <a:bodyPr wrap="square" rtlCol="0">
+            <a:spAutoFit/>
+          </a:bodyPr>
+          <a:lstStyle/>
+          <a:p>
+            <a:pPr algn="ctr"/>
+            <a:r>
+              <a:rPr lang="en-US" sz="1200" dirty="0"/>
+              <a:t>SIMD Lane</a:t>
+            </a:r>
+          </a:p>
+        </p:txBody>
+      </p:sp>
+      <p:sp>
+        <p:nvSpPr>
+          <p:cNvPr id="31" name="TextBox 30">
+            <a:extLst>
+              <a:ext uri="{FF2B5EF4-FFF2-40B4-BE49-F238E27FC236}">
+                <a16:creationId xmlns:a16="http://schemas.microsoft.com/office/drawing/2014/main" id="{BB6A03F9-F67A-D346-90ED-29561DC60C09}"/>
+              </a:ext>
+            </a:extLst>
+          </p:cNvPr>
+          <p:cNvSpPr txBox="1"/>
+          <p:nvPr/>
+        </p:nvSpPr>
+        <p:spPr>
+          <a:xfrm>
+            <a:off x="991647" y="3808607"/>
+            <a:ext cx="2730458" cy="276999"/>
+          </a:xfrm>
+          <a:prstGeom prst="rect">
+            <a:avLst/>
+          </a:prstGeom>
+          <a:noFill/>
+          <a:ln>
+            <a:solidFill>
+              <a:schemeClr val="tx1"/>
+            </a:solidFill>
+          </a:ln>
+        </p:spPr>
+        <p:txBody>
+          <a:bodyPr wrap="square" rtlCol="0">
+            <a:spAutoFit/>
+          </a:bodyPr>
+          <a:lstStyle/>
+          <a:p>
+            <a:pPr algn="ctr"/>
+            <a:r>
+              <a:rPr lang="en-US" sz="1200" dirty="0"/>
+              <a:t>Register File</a:t>
+            </a:r>
+          </a:p>
+        </p:txBody>
+      </p:sp>
+      <p:sp>
+        <p:nvSpPr>
+          <p:cNvPr id="32" name="TextBox 31">
+            <a:extLst>
+              <a:ext uri="{FF2B5EF4-FFF2-40B4-BE49-F238E27FC236}">
+                <a16:creationId xmlns:a16="http://schemas.microsoft.com/office/drawing/2014/main" id="{A1798BAB-BF45-214A-A36A-8096D3A44BC7}"/>
+              </a:ext>
+            </a:extLst>
+          </p:cNvPr>
+          <p:cNvSpPr txBox="1"/>
+          <p:nvPr/>
+        </p:nvSpPr>
+        <p:spPr>
+          <a:xfrm>
+            <a:off x="1716680" y="1678763"/>
+            <a:ext cx="604715" cy="461665"/>
+          </a:xfrm>
+          <a:prstGeom prst="rect">
+            <a:avLst/>
+          </a:prstGeom>
+          <a:noFill/>
+          <a:ln>
+            <a:solidFill>
+              <a:schemeClr val="tx1"/>
+            </a:solidFill>
+          </a:ln>
+        </p:spPr>
+        <p:txBody>
+          <a:bodyPr wrap="square" rtlCol="0">
+            <a:spAutoFit/>
+          </a:bodyPr>
+          <a:lstStyle/>
+          <a:p>
+            <a:pPr algn="ctr"/>
+            <a:r>
+              <a:rPr lang="en-US" sz="1200" dirty="0"/>
+              <a:t>SIMD Lane</a:t>
+            </a:r>
+          </a:p>
+        </p:txBody>
+      </p:sp>
+      <p:sp>
+        <p:nvSpPr>
+          <p:cNvPr id="33" name="TextBox 32">
+            <a:extLst>
+              <a:ext uri="{FF2B5EF4-FFF2-40B4-BE49-F238E27FC236}">
+                <a16:creationId xmlns:a16="http://schemas.microsoft.com/office/drawing/2014/main" id="{D045933C-F162-FA4E-87FF-61EBAC806E15}"/>
+              </a:ext>
+            </a:extLst>
+          </p:cNvPr>
+          <p:cNvSpPr txBox="1"/>
+          <p:nvPr/>
+        </p:nvSpPr>
+        <p:spPr>
+          <a:xfrm>
+            <a:off x="2425261" y="1681554"/>
+            <a:ext cx="604715" cy="461665"/>
+          </a:xfrm>
+          <a:prstGeom prst="rect">
+            <a:avLst/>
+          </a:prstGeom>
+          <a:noFill/>
+          <a:ln>
+            <a:solidFill>
+              <a:schemeClr val="tx1"/>
+            </a:solidFill>
+          </a:ln>
+        </p:spPr>
+        <p:txBody>
+          <a:bodyPr wrap="square" rtlCol="0">
+            <a:spAutoFit/>
+          </a:bodyPr>
+          <a:lstStyle/>
+          <a:p>
+            <a:pPr algn="ctr"/>
+            <a:r>
+              <a:rPr lang="en-US" sz="1200" dirty="0"/>
+              <a:t>SIMD Lane</a:t>
+            </a:r>
+          </a:p>
+        </p:txBody>
+      </p:sp>
+      <p:sp>
+        <p:nvSpPr>
+          <p:cNvPr id="34" name="TextBox 33">
+            <a:extLst>
+              <a:ext uri="{FF2B5EF4-FFF2-40B4-BE49-F238E27FC236}">
+                <a16:creationId xmlns:a16="http://schemas.microsoft.com/office/drawing/2014/main" id="{8FA4688F-9B82-B641-866C-3E40BF0AF55B}"/>
+              </a:ext>
+            </a:extLst>
+          </p:cNvPr>
+          <p:cNvSpPr txBox="1"/>
+          <p:nvPr/>
+        </p:nvSpPr>
+        <p:spPr>
+          <a:xfrm>
+            <a:off x="3133842" y="1678763"/>
+            <a:ext cx="604715" cy="461665"/>
+          </a:xfrm>
+          <a:prstGeom prst="rect">
+            <a:avLst/>
+          </a:prstGeom>
+          <a:noFill/>
+          <a:ln>
+            <a:solidFill>
+              <a:schemeClr val="tx1"/>
+            </a:solidFill>
+          </a:ln>
+        </p:spPr>
+        <p:txBody>
+          <a:bodyPr wrap="square" rtlCol="0">
+            <a:spAutoFit/>
+          </a:bodyPr>
+          <a:lstStyle/>
+          <a:p>
+            <a:pPr algn="ctr"/>
+            <a:r>
+              <a:rPr lang="en-US" sz="1200" dirty="0"/>
+              <a:t>SIMD Lane</a:t>
+            </a:r>
+          </a:p>
+        </p:txBody>
+      </p:sp>
+      <p:sp>
+        <p:nvSpPr>
+          <p:cNvPr id="35" name="TextBox 34">
+            <a:extLst>
+              <a:ext uri="{FF2B5EF4-FFF2-40B4-BE49-F238E27FC236}">
+                <a16:creationId xmlns:a16="http://schemas.microsoft.com/office/drawing/2014/main" id="{344F02B1-738D-9043-9879-C8F84C5B637B}"/>
+              </a:ext>
+            </a:extLst>
+          </p:cNvPr>
+          <p:cNvSpPr txBox="1"/>
+          <p:nvPr/>
+        </p:nvSpPr>
+        <p:spPr>
+          <a:xfrm>
+            <a:off x="1008099" y="2218027"/>
+            <a:ext cx="604715" cy="461665"/>
+          </a:xfrm>
+          <a:prstGeom prst="rect">
+            <a:avLst/>
+          </a:prstGeom>
+          <a:noFill/>
+          <a:ln>
+            <a:solidFill>
+              <a:schemeClr val="tx1"/>
+            </a:solidFill>
+          </a:ln>
+        </p:spPr>
+        <p:txBody>
+          <a:bodyPr wrap="square" rtlCol="0">
+            <a:spAutoFit/>
+          </a:bodyPr>
+          <a:lstStyle/>
+          <a:p>
+            <a:pPr algn="ctr"/>
+            <a:r>
+              <a:rPr lang="en-US" sz="1200" dirty="0"/>
+              <a:t>SIMD Lane</a:t>
+            </a:r>
+          </a:p>
+        </p:txBody>
+      </p:sp>
+      <p:sp>
+        <p:nvSpPr>
+          <p:cNvPr id="36" name="TextBox 35">
+            <a:extLst>
+              <a:ext uri="{FF2B5EF4-FFF2-40B4-BE49-F238E27FC236}">
+                <a16:creationId xmlns:a16="http://schemas.microsoft.com/office/drawing/2014/main" id="{91A4F3C7-7946-0C48-84E4-97586A09009A}"/>
+              </a:ext>
+            </a:extLst>
+          </p:cNvPr>
+          <p:cNvSpPr txBox="1"/>
+          <p:nvPr/>
+        </p:nvSpPr>
+        <p:spPr>
+          <a:xfrm>
+            <a:off x="1716680" y="2218027"/>
+            <a:ext cx="604715" cy="461665"/>
+          </a:xfrm>
+          <a:prstGeom prst="rect">
+            <a:avLst/>
+          </a:prstGeom>
+          <a:noFill/>
+          <a:ln>
+            <a:solidFill>
+              <a:schemeClr val="tx1"/>
+            </a:solidFill>
+          </a:ln>
+        </p:spPr>
+        <p:txBody>
+          <a:bodyPr wrap="square" rtlCol="0">
+            <a:spAutoFit/>
+          </a:bodyPr>
+          <a:lstStyle/>
+          <a:p>
+            <a:pPr algn="ctr"/>
+            <a:r>
+              <a:rPr lang="en-US" sz="1200" dirty="0"/>
+              <a:t>SIMD Lane</a:t>
+            </a:r>
+          </a:p>
+        </p:txBody>
+      </p:sp>
+      <p:sp>
+        <p:nvSpPr>
+          <p:cNvPr id="37" name="TextBox 36">
+            <a:extLst>
+              <a:ext uri="{FF2B5EF4-FFF2-40B4-BE49-F238E27FC236}">
+                <a16:creationId xmlns:a16="http://schemas.microsoft.com/office/drawing/2014/main" id="{1B1B90C3-7DBD-6040-BCE8-99EFCECBD26E}"/>
+              </a:ext>
+            </a:extLst>
+          </p:cNvPr>
+          <p:cNvSpPr txBox="1"/>
+          <p:nvPr/>
+        </p:nvSpPr>
+        <p:spPr>
+          <a:xfrm>
+            <a:off x="2425261" y="2220818"/>
+            <a:ext cx="604715" cy="461665"/>
+          </a:xfrm>
+          <a:prstGeom prst="rect">
+            <a:avLst/>
+          </a:prstGeom>
+          <a:noFill/>
+          <a:ln>
+            <a:solidFill>
+              <a:schemeClr val="tx1"/>
+            </a:solidFill>
+          </a:ln>
+        </p:spPr>
+        <p:txBody>
+          <a:bodyPr wrap="square" rtlCol="0">
+            <a:spAutoFit/>
+          </a:bodyPr>
+          <a:lstStyle/>
+          <a:p>
+            <a:pPr algn="ctr"/>
+            <a:r>
+              <a:rPr lang="en-US" sz="1200" dirty="0"/>
+              <a:t>SIMD Lane</a:t>
+            </a:r>
+          </a:p>
+        </p:txBody>
+      </p:sp>
+      <p:sp>
+        <p:nvSpPr>
+          <p:cNvPr id="38" name="TextBox 37">
+            <a:extLst>
+              <a:ext uri="{FF2B5EF4-FFF2-40B4-BE49-F238E27FC236}">
+                <a16:creationId xmlns:a16="http://schemas.microsoft.com/office/drawing/2014/main" id="{FBD02E5F-A9C6-6444-AF17-53E5D903A21F}"/>
+              </a:ext>
+            </a:extLst>
+          </p:cNvPr>
+          <p:cNvSpPr txBox="1"/>
+          <p:nvPr/>
+        </p:nvSpPr>
+        <p:spPr>
+          <a:xfrm>
+            <a:off x="3133842" y="2218027"/>
+            <a:ext cx="604715" cy="461665"/>
+          </a:xfrm>
+          <a:prstGeom prst="rect">
+            <a:avLst/>
+          </a:prstGeom>
+          <a:noFill/>
+          <a:ln>
+            <a:solidFill>
+              <a:schemeClr val="tx1"/>
+            </a:solidFill>
+          </a:ln>
+        </p:spPr>
+        <p:txBody>
+          <a:bodyPr wrap="square" rtlCol="0">
+            <a:spAutoFit/>
+          </a:bodyPr>
+          <a:lstStyle/>
+          <a:p>
+            <a:pPr algn="ctr"/>
+            <a:r>
+              <a:rPr lang="en-US" sz="1200" dirty="0"/>
+              <a:t>SIMD Lane</a:t>
+            </a:r>
+          </a:p>
+        </p:txBody>
+      </p:sp>
+      <p:sp>
+        <p:nvSpPr>
+          <p:cNvPr id="39" name="TextBox 38">
+            <a:extLst>
+              <a:ext uri="{FF2B5EF4-FFF2-40B4-BE49-F238E27FC236}">
+                <a16:creationId xmlns:a16="http://schemas.microsoft.com/office/drawing/2014/main" id="{60C08011-B31D-9E41-B03F-99A41661A883}"/>
+              </a:ext>
+            </a:extLst>
+          </p:cNvPr>
+          <p:cNvSpPr txBox="1"/>
+          <p:nvPr/>
+        </p:nvSpPr>
+        <p:spPr>
+          <a:xfrm>
+            <a:off x="1008099" y="2765853"/>
+            <a:ext cx="604715" cy="461665"/>
+          </a:xfrm>
+          <a:prstGeom prst="rect">
+            <a:avLst/>
+          </a:prstGeom>
+          <a:noFill/>
+          <a:ln>
+            <a:solidFill>
+              <a:schemeClr val="tx1"/>
+            </a:solidFill>
+          </a:ln>
+        </p:spPr>
+        <p:txBody>
+          <a:bodyPr wrap="square" rtlCol="0">
+            <a:spAutoFit/>
+          </a:bodyPr>
+          <a:lstStyle/>
+          <a:p>
+            <a:pPr algn="ctr"/>
+            <a:r>
+              <a:rPr lang="en-US" sz="1200" dirty="0"/>
+              <a:t>SIMD Lane</a:t>
+            </a:r>
+          </a:p>
+        </p:txBody>
+      </p:sp>
+      <p:sp>
+        <p:nvSpPr>
+          <p:cNvPr id="40" name="TextBox 39">
+            <a:extLst>
+              <a:ext uri="{FF2B5EF4-FFF2-40B4-BE49-F238E27FC236}">
+                <a16:creationId xmlns:a16="http://schemas.microsoft.com/office/drawing/2014/main" id="{F066D3C8-7021-C84E-BA36-42564C1B37E9}"/>
+              </a:ext>
+            </a:extLst>
+          </p:cNvPr>
+          <p:cNvSpPr txBox="1"/>
+          <p:nvPr/>
+        </p:nvSpPr>
+        <p:spPr>
+          <a:xfrm>
+            <a:off x="1716680" y="2765853"/>
+            <a:ext cx="604715" cy="461665"/>
+          </a:xfrm>
+          <a:prstGeom prst="rect">
+            <a:avLst/>
+          </a:prstGeom>
+          <a:noFill/>
+          <a:ln>
+            <a:solidFill>
+              <a:schemeClr val="tx1"/>
+            </a:solidFill>
+          </a:ln>
+        </p:spPr>
+        <p:txBody>
+          <a:bodyPr wrap="square" rtlCol="0">
+            <a:spAutoFit/>
+          </a:bodyPr>
+          <a:lstStyle/>
+          <a:p>
+            <a:pPr algn="ctr"/>
+            <a:r>
+              <a:rPr lang="en-US" sz="1200" dirty="0"/>
+              <a:t>SIMD Lane</a:t>
+            </a:r>
+          </a:p>
+        </p:txBody>
+      </p:sp>
+      <p:sp>
+        <p:nvSpPr>
+          <p:cNvPr id="41" name="TextBox 40">
+            <a:extLst>
+              <a:ext uri="{FF2B5EF4-FFF2-40B4-BE49-F238E27FC236}">
+                <a16:creationId xmlns:a16="http://schemas.microsoft.com/office/drawing/2014/main" id="{1546DE6C-5611-784C-8361-CD5977D2125D}"/>
+              </a:ext>
+            </a:extLst>
+          </p:cNvPr>
+          <p:cNvSpPr txBox="1"/>
+          <p:nvPr/>
+        </p:nvSpPr>
+        <p:spPr>
+          <a:xfrm>
+            <a:off x="2425261" y="2768644"/>
+            <a:ext cx="604715" cy="461665"/>
+          </a:xfrm>
+          <a:prstGeom prst="rect">
+            <a:avLst/>
+          </a:prstGeom>
+          <a:noFill/>
+          <a:ln>
+            <a:solidFill>
+              <a:schemeClr val="tx1"/>
+            </a:solidFill>
+          </a:ln>
+        </p:spPr>
+        <p:txBody>
+          <a:bodyPr wrap="square" rtlCol="0">
+            <a:spAutoFit/>
+          </a:bodyPr>
+          <a:lstStyle/>
+          <a:p>
+            <a:pPr algn="ctr"/>
+            <a:r>
+              <a:rPr lang="en-US" sz="1200" dirty="0"/>
+              <a:t>SIMD Lane</a:t>
+            </a:r>
+          </a:p>
+        </p:txBody>
+      </p:sp>
+      <p:sp>
+        <p:nvSpPr>
+          <p:cNvPr id="42" name="TextBox 41">
+            <a:extLst>
+              <a:ext uri="{FF2B5EF4-FFF2-40B4-BE49-F238E27FC236}">
+                <a16:creationId xmlns:a16="http://schemas.microsoft.com/office/drawing/2014/main" id="{2578CB95-9549-A546-9287-BCBD74A9870A}"/>
+              </a:ext>
+            </a:extLst>
+          </p:cNvPr>
+          <p:cNvSpPr txBox="1"/>
+          <p:nvPr/>
+        </p:nvSpPr>
+        <p:spPr>
+          <a:xfrm>
+            <a:off x="3133842" y="2765853"/>
+            <a:ext cx="604715" cy="461665"/>
+          </a:xfrm>
+          <a:prstGeom prst="rect">
+            <a:avLst/>
+          </a:prstGeom>
+          <a:noFill/>
+          <a:ln>
+            <a:solidFill>
+              <a:schemeClr val="tx1"/>
+            </a:solidFill>
+          </a:ln>
+        </p:spPr>
+        <p:txBody>
+          <a:bodyPr wrap="square" rtlCol="0">
+            <a:spAutoFit/>
+          </a:bodyPr>
+          <a:lstStyle/>
+          <a:p>
+            <a:pPr algn="ctr"/>
+            <a:r>
+              <a:rPr lang="en-US" sz="1200" dirty="0"/>
+              <a:t>SIMD Lane</a:t>
+            </a:r>
+          </a:p>
+        </p:txBody>
+      </p:sp>
+      <p:sp>
+        <p:nvSpPr>
+          <p:cNvPr id="43" name="TextBox 42">
+            <a:extLst>
+              <a:ext uri="{FF2B5EF4-FFF2-40B4-BE49-F238E27FC236}">
+                <a16:creationId xmlns:a16="http://schemas.microsoft.com/office/drawing/2014/main" id="{8B1BF1DE-E2AA-924C-ABB4-42CF581DE457}"/>
+              </a:ext>
+            </a:extLst>
+          </p:cNvPr>
+          <p:cNvSpPr txBox="1"/>
+          <p:nvPr/>
+        </p:nvSpPr>
+        <p:spPr>
+          <a:xfrm>
+            <a:off x="1008099" y="3286268"/>
+            <a:ext cx="604715" cy="461665"/>
+          </a:xfrm>
+          <a:prstGeom prst="rect">
+            <a:avLst/>
+          </a:prstGeom>
+          <a:noFill/>
+          <a:ln>
+            <a:solidFill>
+              <a:schemeClr val="tx1"/>
+            </a:solidFill>
+          </a:ln>
+        </p:spPr>
+        <p:txBody>
+          <a:bodyPr wrap="square" rtlCol="0">
+            <a:spAutoFit/>
+          </a:bodyPr>
+          <a:lstStyle/>
+          <a:p>
+            <a:pPr algn="ctr"/>
+            <a:r>
+              <a:rPr lang="en-US" sz="1200" dirty="0"/>
+              <a:t>SIMD Lane</a:t>
+            </a:r>
+          </a:p>
+        </p:txBody>
+      </p:sp>
+      <p:sp>
+        <p:nvSpPr>
+          <p:cNvPr id="44" name="TextBox 43">
+            <a:extLst>
+              <a:ext uri="{FF2B5EF4-FFF2-40B4-BE49-F238E27FC236}">
+                <a16:creationId xmlns:a16="http://schemas.microsoft.com/office/drawing/2014/main" id="{2227557B-009E-D140-94EB-3573F1A51DAC}"/>
+              </a:ext>
+            </a:extLst>
+          </p:cNvPr>
+          <p:cNvSpPr txBox="1"/>
+          <p:nvPr/>
+        </p:nvSpPr>
+        <p:spPr>
+          <a:xfrm>
+            <a:off x="1716680" y="3286268"/>
+            <a:ext cx="604715" cy="461665"/>
+          </a:xfrm>
+          <a:prstGeom prst="rect">
+            <a:avLst/>
+          </a:prstGeom>
+          <a:noFill/>
+          <a:ln>
+            <a:solidFill>
+              <a:schemeClr val="tx1"/>
+            </a:solidFill>
+          </a:ln>
+        </p:spPr>
+        <p:txBody>
+          <a:bodyPr wrap="square" rtlCol="0">
+            <a:spAutoFit/>
+          </a:bodyPr>
+          <a:lstStyle/>
+          <a:p>
+            <a:pPr algn="ctr"/>
+            <a:r>
+              <a:rPr lang="en-US" sz="1200" dirty="0"/>
+              <a:t>SIMD Lane</a:t>
+            </a:r>
+          </a:p>
+        </p:txBody>
+      </p:sp>
+      <p:sp>
+        <p:nvSpPr>
+          <p:cNvPr id="45" name="TextBox 44">
+            <a:extLst>
+              <a:ext uri="{FF2B5EF4-FFF2-40B4-BE49-F238E27FC236}">
+                <a16:creationId xmlns:a16="http://schemas.microsoft.com/office/drawing/2014/main" id="{8F42E65C-3B8F-2341-8E14-3BA82DBCC31C}"/>
+              </a:ext>
+            </a:extLst>
+          </p:cNvPr>
+          <p:cNvSpPr txBox="1"/>
+          <p:nvPr/>
+        </p:nvSpPr>
+        <p:spPr>
+          <a:xfrm>
+            <a:off x="2425261" y="3289059"/>
+            <a:ext cx="604715" cy="461665"/>
+          </a:xfrm>
+          <a:prstGeom prst="rect">
+            <a:avLst/>
+          </a:prstGeom>
+          <a:noFill/>
+          <a:ln>
+            <a:solidFill>
+              <a:schemeClr val="tx1"/>
+            </a:solidFill>
+          </a:ln>
+        </p:spPr>
+        <p:txBody>
+          <a:bodyPr wrap="square" rtlCol="0">
+            <a:spAutoFit/>
+          </a:bodyPr>
+          <a:lstStyle/>
+          <a:p>
+            <a:pPr algn="ctr"/>
+            <a:r>
+              <a:rPr lang="en-US" sz="1200" dirty="0"/>
+              <a:t>SIMD Lane</a:t>
+            </a:r>
+          </a:p>
+        </p:txBody>
+      </p:sp>
+      <p:sp>
+        <p:nvSpPr>
+          <p:cNvPr id="46" name="TextBox 45">
+            <a:extLst>
+              <a:ext uri="{FF2B5EF4-FFF2-40B4-BE49-F238E27FC236}">
+                <a16:creationId xmlns:a16="http://schemas.microsoft.com/office/drawing/2014/main" id="{6DC8E66B-3511-724F-9AA6-94ED3B5409FE}"/>
+              </a:ext>
+            </a:extLst>
+          </p:cNvPr>
+          <p:cNvSpPr txBox="1"/>
+          <p:nvPr/>
+        </p:nvSpPr>
+        <p:spPr>
+          <a:xfrm>
+            <a:off x="3133842" y="3286268"/>
+            <a:ext cx="604715" cy="461665"/>
+          </a:xfrm>
+          <a:prstGeom prst="rect">
+            <a:avLst/>
+          </a:prstGeom>
+          <a:noFill/>
+          <a:ln>
+            <a:solidFill>
+              <a:schemeClr val="tx1"/>
+            </a:solidFill>
+          </a:ln>
+        </p:spPr>
+        <p:txBody>
+          <a:bodyPr wrap="square" rtlCol="0">
+            <a:spAutoFit/>
+          </a:bodyPr>
+          <a:lstStyle/>
+          <a:p>
+            <a:pPr algn="ctr"/>
+            <a:r>
+              <a:rPr lang="en-US" sz="1200" dirty="0"/>
+              <a:t>SIMD Lane</a:t>
+            </a:r>
+          </a:p>
+        </p:txBody>
+      </p:sp>
+      <p:sp>
+        <p:nvSpPr>
+          <p:cNvPr id="47" name="TextBox 46">
+            <a:extLst>
+              <a:ext uri="{FF2B5EF4-FFF2-40B4-BE49-F238E27FC236}">
+                <a16:creationId xmlns:a16="http://schemas.microsoft.com/office/drawing/2014/main" id="{4114F30D-D936-C145-942B-3FAEE5217BD3}"/>
+              </a:ext>
+            </a:extLst>
+          </p:cNvPr>
+          <p:cNvSpPr txBox="1"/>
+          <p:nvPr/>
+        </p:nvSpPr>
+        <p:spPr>
+          <a:xfrm>
+            <a:off x="2422747" y="4138896"/>
+            <a:ext cx="1295843" cy="276999"/>
+          </a:xfrm>
+          <a:prstGeom prst="rect">
+            <a:avLst/>
+          </a:prstGeom>
+          <a:noFill/>
+          <a:ln>
+            <a:solidFill>
+              <a:schemeClr val="tx1"/>
+            </a:solidFill>
+          </a:ln>
+        </p:spPr>
+        <p:txBody>
+          <a:bodyPr wrap="square" rtlCol="0">
+            <a:spAutoFit/>
+          </a:bodyPr>
+          <a:lstStyle/>
+          <a:p>
+            <a:pPr algn="ctr"/>
+            <a:r>
+              <a:rPr lang="en-US" sz="1200" dirty="0"/>
+              <a:t>Dispatch Unit</a:t>
+            </a:r>
+          </a:p>
+        </p:txBody>
+      </p:sp>
+      <p:sp>
+        <p:nvSpPr>
+          <p:cNvPr id="48" name="TextBox 47">
+            <a:extLst>
+              <a:ext uri="{FF2B5EF4-FFF2-40B4-BE49-F238E27FC236}">
+                <a16:creationId xmlns:a16="http://schemas.microsoft.com/office/drawing/2014/main" id="{87AA6FA1-662C-1A46-BB1A-D9239F450BE4}"/>
+              </a:ext>
+            </a:extLst>
+          </p:cNvPr>
+          <p:cNvSpPr txBox="1"/>
+          <p:nvPr/>
+        </p:nvSpPr>
+        <p:spPr>
+          <a:xfrm>
+            <a:off x="1008099" y="1358275"/>
+            <a:ext cx="2730458" cy="276999"/>
+          </a:xfrm>
+          <a:prstGeom prst="rect">
+            <a:avLst/>
+          </a:prstGeom>
+          <a:noFill/>
+          <a:ln>
+            <a:solidFill>
+              <a:schemeClr val="tx1"/>
+            </a:solidFill>
+          </a:ln>
+        </p:spPr>
+        <p:txBody>
+          <a:bodyPr wrap="square" rtlCol="0">
+            <a:spAutoFit/>
+          </a:bodyPr>
+          <a:lstStyle/>
+          <a:p>
+            <a:pPr algn="ctr"/>
+            <a:r>
+              <a:rPr lang="en-US" sz="1200" dirty="0"/>
+              <a:t>Cache</a:t>
+            </a:r>
+          </a:p>
+        </p:txBody>
+      </p:sp>
+      <p:sp>
+        <p:nvSpPr>
+          <p:cNvPr id="49" name="Rectangle 48">
+            <a:extLst>
+              <a:ext uri="{FF2B5EF4-FFF2-40B4-BE49-F238E27FC236}">
+                <a16:creationId xmlns:a16="http://schemas.microsoft.com/office/drawing/2014/main" id="{31118342-5C45-5742-885A-AA03DBCE8E22}"/>
+              </a:ext>
+            </a:extLst>
+          </p:cNvPr>
+          <p:cNvSpPr/>
+          <p:nvPr/>
+        </p:nvSpPr>
+        <p:spPr>
+          <a:xfrm>
+            <a:off x="949900" y="1267183"/>
+            <a:ext cx="2890970" cy="3922557"/>
+          </a:xfrm>
+          <a:prstGeom prst="rect">
+            <a:avLst/>
+          </a:prstGeom>
+          <a:noFill/>
+          <a:ln w="31750">
+            <a:solidFill>
+              <a:schemeClr val="tx1"/>
+            </a:solidFill>
+          </a:ln>
+        </p:spPr>
+        <p:style>
+          <a:lnRef idx="2">
+            <a:schemeClr val="accent1">
+              <a:shade val="50000"/>
+            </a:schemeClr>
+          </a:lnRef>
+          <a:fillRef idx="1">
+            <a:schemeClr val="accent1"/>
+          </a:fillRef>
+          <a:effectRef idx="0">
+            <a:schemeClr val="accent1"/>
+          </a:effectRef>
+          <a:fontRef idx="minor">
+            <a:schemeClr val="lt1"/>
+          </a:fontRef>
+        </p:style>
+        <p:txBody>
+          <a:bodyPr rtlCol="0" anchor="ctr"/>
+          <a:lstStyle/>
+          <a:p>
+            <a:pPr algn="ctr"/>
+            <a:endParaRPr lang="en-US"/>
+          </a:p>
+        </p:txBody>
+      </p:sp>
+    </p:spTree>
+    <p:extLst>
+      <p:ext uri="{BB962C8B-B14F-4D97-AF65-F5344CB8AC3E}">
+        <p14:creationId xmlns:p14="http://schemas.microsoft.com/office/powerpoint/2010/main" val="747061490"/>
+      </p:ext>
+    </p:extLst>
+  </p:cSld>
+  <p:clrMapOvr>
+    <a:masterClrMapping/>
+  </p:clrMapOvr>
+</p:sld>
+</file>
+
+<file path=ppt/slides/slide4.xml><?xml version="1.0" encoding="utf-8"?>
 <p:sld xmlns:a="http://schemas.openxmlformats.org/drawingml/2006/main" xmlns:r="http://schemas.openxmlformats.org/officeDocument/2006/relationships" xmlns:p="http://schemas.openxmlformats.org/presentationml/2006/main">
   <p:cSld>
     <p:spTree>
@@ -5839,4465 +10396,6 @@
 </p:sld>
 </file>
 
-<file path=ppt/slides/slide2.xml><?xml version="1.0" encoding="utf-8"?>
-<p:sld xmlns:a="http://schemas.openxmlformats.org/drawingml/2006/main" xmlns:r="http://schemas.openxmlformats.org/officeDocument/2006/relationships" xmlns:p="http://schemas.openxmlformats.org/presentationml/2006/main">
-  <p:cSld>
-    <p:spTree>
-      <p:nvGrpSpPr>
-        <p:cNvPr id="1" name=""/>
-        <p:cNvGrpSpPr/>
-        <p:nvPr/>
-      </p:nvGrpSpPr>
-      <p:grpSpPr>
-        <a:xfrm>
-          <a:off x="0" y="0"/>
-          <a:ext cx="0" cy="0"/>
-          <a:chOff x="0" y="0"/>
-          <a:chExt cx="0" cy="0"/>
-        </a:xfrm>
-      </p:grpSpPr>
-      <p:sp>
-        <p:nvSpPr>
-          <p:cNvPr id="177" name="Rectangle 176">
-            <a:extLst>
-              <a:ext uri="{FF2B5EF4-FFF2-40B4-BE49-F238E27FC236}">
-                <a16:creationId xmlns:a16="http://schemas.microsoft.com/office/drawing/2014/main" id="{1A06D7AC-ADE3-4A47-B49C-E4EEFD8E29A6}"/>
-              </a:ext>
-            </a:extLst>
-          </p:cNvPr>
-          <p:cNvSpPr/>
-          <p:nvPr/>
-        </p:nvSpPr>
-        <p:spPr>
-          <a:xfrm>
-            <a:off x="578498" y="39456"/>
-            <a:ext cx="8623323" cy="6184245"/>
-          </a:xfrm>
-          <a:prstGeom prst="rect">
-            <a:avLst/>
-          </a:prstGeom>
-          <a:solidFill>
-            <a:schemeClr val="bg1"/>
-          </a:solidFill>
-          <a:ln>
-            <a:noFill/>
-          </a:ln>
-        </p:spPr>
-        <p:style>
-          <a:lnRef idx="2">
-            <a:schemeClr val="accent1">
-              <a:shade val="50000"/>
-            </a:schemeClr>
-          </a:lnRef>
-          <a:fillRef idx="1">
-            <a:schemeClr val="accent1"/>
-          </a:fillRef>
-          <a:effectRef idx="0">
-            <a:schemeClr val="accent1"/>
-          </a:effectRef>
-          <a:fontRef idx="minor">
-            <a:schemeClr val="lt1"/>
-          </a:fontRef>
-        </p:style>
-        <p:txBody>
-          <a:bodyPr rtlCol="0" anchor="ctr"/>
-          <a:lstStyle/>
-          <a:p>
-            <a:pPr algn="ctr"/>
-            <a:endParaRPr lang="en-US"/>
-          </a:p>
-        </p:txBody>
-      </p:sp>
-      <p:pic>
-        <p:nvPicPr>
-          <p:cNvPr id="73" name="Picture 72">
-            <a:extLst>
-              <a:ext uri="{FF2B5EF4-FFF2-40B4-BE49-F238E27FC236}">
-                <a16:creationId xmlns:a16="http://schemas.microsoft.com/office/drawing/2014/main" id="{6A636E24-8034-7244-89B0-F121923B7B4B}"/>
-              </a:ext>
-            </a:extLst>
-          </p:cNvPr>
-          <p:cNvPicPr>
-            <a:picLocks noChangeAspect="1"/>
-          </p:cNvPicPr>
-          <p:nvPr/>
-        </p:nvPicPr>
-        <p:blipFill>
-          <a:blip r:embed="rId3"/>
-          <a:stretch>
-            <a:fillRect/>
-          </a:stretch>
-        </p:blipFill>
-        <p:spPr>
-          <a:xfrm>
-            <a:off x="1389137" y="517823"/>
-            <a:ext cx="816016" cy="1102151"/>
-          </a:xfrm>
-          <a:prstGeom prst="rect">
-            <a:avLst/>
-          </a:prstGeom>
-        </p:spPr>
-      </p:pic>
-      <p:pic>
-        <p:nvPicPr>
-          <p:cNvPr id="97" name="Picture 96">
-            <a:extLst>
-              <a:ext uri="{FF2B5EF4-FFF2-40B4-BE49-F238E27FC236}">
-                <a16:creationId xmlns:a16="http://schemas.microsoft.com/office/drawing/2014/main" id="{978669E8-8E4B-474D-89F8-C7F25EA28480}"/>
-              </a:ext>
-            </a:extLst>
-          </p:cNvPr>
-          <p:cNvPicPr>
-            <a:picLocks noChangeAspect="1"/>
-          </p:cNvPicPr>
-          <p:nvPr/>
-        </p:nvPicPr>
-        <p:blipFill>
-          <a:blip r:embed="rId4"/>
-          <a:stretch>
-            <a:fillRect/>
-          </a:stretch>
-        </p:blipFill>
-        <p:spPr>
-          <a:xfrm>
-            <a:off x="1379269" y="1882670"/>
-            <a:ext cx="816016" cy="1106944"/>
-          </a:xfrm>
-          <a:prstGeom prst="rect">
-            <a:avLst/>
-          </a:prstGeom>
-        </p:spPr>
-      </p:pic>
-      <p:pic>
-        <p:nvPicPr>
-          <p:cNvPr id="98" name="Picture 97">
-            <a:extLst>
-              <a:ext uri="{FF2B5EF4-FFF2-40B4-BE49-F238E27FC236}">
-                <a16:creationId xmlns:a16="http://schemas.microsoft.com/office/drawing/2014/main" id="{98C97370-819D-344C-992A-FD6CBACEC3B6}"/>
-              </a:ext>
-            </a:extLst>
-          </p:cNvPr>
-          <p:cNvPicPr>
-            <a:picLocks noChangeAspect="1"/>
-          </p:cNvPicPr>
-          <p:nvPr/>
-        </p:nvPicPr>
-        <p:blipFill>
-          <a:blip r:embed="rId5"/>
-          <a:stretch>
-            <a:fillRect/>
-          </a:stretch>
-        </p:blipFill>
-        <p:spPr>
-          <a:xfrm>
-            <a:off x="2261351" y="1882670"/>
-            <a:ext cx="816016" cy="1106944"/>
-          </a:xfrm>
-          <a:prstGeom prst="rect">
-            <a:avLst/>
-          </a:prstGeom>
-        </p:spPr>
-      </p:pic>
-      <p:pic>
-        <p:nvPicPr>
-          <p:cNvPr id="99" name="Picture 98">
-            <a:extLst>
-              <a:ext uri="{FF2B5EF4-FFF2-40B4-BE49-F238E27FC236}">
-                <a16:creationId xmlns:a16="http://schemas.microsoft.com/office/drawing/2014/main" id="{98F9EDD7-31F4-D142-A329-566583ED6C2E}"/>
-              </a:ext>
-            </a:extLst>
-          </p:cNvPr>
-          <p:cNvPicPr>
-            <a:picLocks noChangeAspect="1"/>
-          </p:cNvPicPr>
-          <p:nvPr/>
-        </p:nvPicPr>
-        <p:blipFill>
-          <a:blip r:embed="rId6"/>
-          <a:stretch>
-            <a:fillRect/>
-          </a:stretch>
-        </p:blipFill>
-        <p:spPr>
-          <a:xfrm>
-            <a:off x="3265984" y="1863816"/>
-            <a:ext cx="816016" cy="1106944"/>
-          </a:xfrm>
-          <a:prstGeom prst="rect">
-            <a:avLst/>
-          </a:prstGeom>
-        </p:spPr>
-      </p:pic>
-      <p:pic>
-        <p:nvPicPr>
-          <p:cNvPr id="100" name="Picture 99">
-            <a:extLst>
-              <a:ext uri="{FF2B5EF4-FFF2-40B4-BE49-F238E27FC236}">
-                <a16:creationId xmlns:a16="http://schemas.microsoft.com/office/drawing/2014/main" id="{9B99FC02-3562-A941-BEE3-E8B696D2A89F}"/>
-              </a:ext>
-            </a:extLst>
-          </p:cNvPr>
-          <p:cNvPicPr>
-            <a:picLocks noChangeAspect="1"/>
-          </p:cNvPicPr>
-          <p:nvPr/>
-        </p:nvPicPr>
-        <p:blipFill>
-          <a:blip r:embed="rId7"/>
-          <a:stretch>
-            <a:fillRect/>
-          </a:stretch>
-        </p:blipFill>
-        <p:spPr>
-          <a:xfrm>
-            <a:off x="4148066" y="1863816"/>
-            <a:ext cx="816016" cy="1106944"/>
-          </a:xfrm>
-          <a:prstGeom prst="rect">
-            <a:avLst/>
-          </a:prstGeom>
-        </p:spPr>
-      </p:pic>
-      <p:pic>
-        <p:nvPicPr>
-          <p:cNvPr id="101" name="Picture 100">
-            <a:extLst>
-              <a:ext uri="{FF2B5EF4-FFF2-40B4-BE49-F238E27FC236}">
-                <a16:creationId xmlns:a16="http://schemas.microsoft.com/office/drawing/2014/main" id="{F7BFA9A9-165D-9C4A-8C59-DC3C23430E4F}"/>
-              </a:ext>
-            </a:extLst>
-          </p:cNvPr>
-          <p:cNvPicPr>
-            <a:picLocks noChangeAspect="1"/>
-          </p:cNvPicPr>
-          <p:nvPr/>
-        </p:nvPicPr>
-        <p:blipFill>
-          <a:blip r:embed="rId8"/>
-          <a:stretch>
-            <a:fillRect/>
-          </a:stretch>
-        </p:blipFill>
-        <p:spPr>
-          <a:xfrm>
-            <a:off x="2271219" y="517822"/>
-            <a:ext cx="816016" cy="1102151"/>
-          </a:xfrm>
-          <a:prstGeom prst="rect">
-            <a:avLst/>
-          </a:prstGeom>
-        </p:spPr>
-      </p:pic>
-      <p:pic>
-        <p:nvPicPr>
-          <p:cNvPr id="102" name="Picture 101">
-            <a:extLst>
-              <a:ext uri="{FF2B5EF4-FFF2-40B4-BE49-F238E27FC236}">
-                <a16:creationId xmlns:a16="http://schemas.microsoft.com/office/drawing/2014/main" id="{820D4B4A-1304-4845-AFA2-292A7D4F3E20}"/>
-              </a:ext>
-            </a:extLst>
-          </p:cNvPr>
-          <p:cNvPicPr>
-            <a:picLocks noChangeAspect="1"/>
-          </p:cNvPicPr>
-          <p:nvPr/>
-        </p:nvPicPr>
-        <p:blipFill>
-          <a:blip r:embed="rId9"/>
-          <a:stretch>
-            <a:fillRect/>
-          </a:stretch>
-        </p:blipFill>
-        <p:spPr>
-          <a:xfrm>
-            <a:off x="3265984" y="517824"/>
-            <a:ext cx="816016" cy="1102151"/>
-          </a:xfrm>
-          <a:prstGeom prst="rect">
-            <a:avLst/>
-          </a:prstGeom>
-        </p:spPr>
-      </p:pic>
-      <p:pic>
-        <p:nvPicPr>
-          <p:cNvPr id="103" name="Picture 102">
-            <a:extLst>
-              <a:ext uri="{FF2B5EF4-FFF2-40B4-BE49-F238E27FC236}">
-                <a16:creationId xmlns:a16="http://schemas.microsoft.com/office/drawing/2014/main" id="{B49E5F61-D71C-A745-8899-47281F1EA877}"/>
-              </a:ext>
-            </a:extLst>
-          </p:cNvPr>
-          <p:cNvPicPr>
-            <a:picLocks noChangeAspect="1"/>
-          </p:cNvPicPr>
-          <p:nvPr/>
-        </p:nvPicPr>
-        <p:blipFill>
-          <a:blip r:embed="rId10"/>
-          <a:stretch>
-            <a:fillRect/>
-          </a:stretch>
-        </p:blipFill>
-        <p:spPr>
-          <a:xfrm>
-            <a:off x="4148066" y="517823"/>
-            <a:ext cx="816016" cy="1102151"/>
-          </a:xfrm>
-          <a:prstGeom prst="rect">
-            <a:avLst/>
-          </a:prstGeom>
-        </p:spPr>
-      </p:pic>
-      <p:grpSp>
-        <p:nvGrpSpPr>
-          <p:cNvPr id="106" name="Group 105">
-            <a:extLst>
-              <a:ext uri="{FF2B5EF4-FFF2-40B4-BE49-F238E27FC236}">
-                <a16:creationId xmlns:a16="http://schemas.microsoft.com/office/drawing/2014/main" id="{997FE21A-E0C1-4D44-ABE8-7366F35543FF}"/>
-              </a:ext>
-            </a:extLst>
-          </p:cNvPr>
-          <p:cNvGrpSpPr/>
-          <p:nvPr/>
-        </p:nvGrpSpPr>
-        <p:grpSpPr>
-          <a:xfrm>
-            <a:off x="1313203" y="3060234"/>
-            <a:ext cx="3700800" cy="307777"/>
-            <a:chOff x="4683282" y="3242573"/>
-            <a:chExt cx="3700800" cy="307777"/>
-          </a:xfrm>
-        </p:grpSpPr>
-        <p:sp>
-          <p:nvSpPr>
-            <p:cNvPr id="104" name="TextBox 103">
-              <a:extLst>
-                <a:ext uri="{FF2B5EF4-FFF2-40B4-BE49-F238E27FC236}">
-                  <a16:creationId xmlns:a16="http://schemas.microsoft.com/office/drawing/2014/main" id="{CEB4B3EF-4D31-EA4F-81EB-BFAFCD6A584B}"/>
-                </a:ext>
-              </a:extLst>
-            </p:cNvPr>
-            <p:cNvSpPr txBox="1"/>
-            <p:nvPr/>
-          </p:nvSpPr>
-          <p:spPr>
-            <a:xfrm>
-              <a:off x="5090552" y="3242573"/>
-              <a:ext cx="2959043" cy="307777"/>
-            </a:xfrm>
-            <a:prstGeom prst="rect">
-              <a:avLst/>
-            </a:prstGeom>
-            <a:noFill/>
-          </p:spPr>
-          <p:txBody>
-            <a:bodyPr wrap="square" rtlCol="0">
-              <a:spAutoFit/>
-            </a:bodyPr>
-            <a:lstStyle/>
-            <a:p>
-              <a:pPr algn="ctr"/>
-              <a:r>
-                <a:rPr lang="en-US" sz="1400" dirty="0"/>
-                <a:t>L3 Cache</a:t>
-              </a:r>
-            </a:p>
-          </p:txBody>
-        </p:sp>
-        <p:sp>
-          <p:nvSpPr>
-            <p:cNvPr id="105" name="Rectangle 104">
-              <a:extLst>
-                <a:ext uri="{FF2B5EF4-FFF2-40B4-BE49-F238E27FC236}">
-                  <a16:creationId xmlns:a16="http://schemas.microsoft.com/office/drawing/2014/main" id="{BADFF155-79EB-8E47-866A-597E79AAA344}"/>
-                </a:ext>
-              </a:extLst>
-            </p:cNvPr>
-            <p:cNvSpPr/>
-            <p:nvPr/>
-          </p:nvSpPr>
-          <p:spPr>
-            <a:xfrm>
-              <a:off x="4683282" y="3270854"/>
-              <a:ext cx="3700800" cy="254771"/>
-            </a:xfrm>
-            <a:prstGeom prst="rect">
-              <a:avLst/>
-            </a:prstGeom>
-            <a:noFill/>
-            <a:ln>
-              <a:solidFill>
-                <a:schemeClr val="tx1"/>
-              </a:solidFill>
-            </a:ln>
-          </p:spPr>
-          <p:style>
-            <a:lnRef idx="2">
-              <a:schemeClr val="accent1">
-                <a:shade val="50000"/>
-              </a:schemeClr>
-            </a:lnRef>
-            <a:fillRef idx="1">
-              <a:schemeClr val="accent1"/>
-            </a:fillRef>
-            <a:effectRef idx="0">
-              <a:schemeClr val="accent1"/>
-            </a:effectRef>
-            <a:fontRef idx="minor">
-              <a:schemeClr val="lt1"/>
-            </a:fontRef>
-          </p:style>
-          <p:txBody>
-            <a:bodyPr rtlCol="0" anchor="ctr"/>
-            <a:lstStyle/>
-            <a:p>
-              <a:pPr algn="ctr"/>
-              <a:endParaRPr lang="en-US"/>
-            </a:p>
-          </p:txBody>
-        </p:sp>
-      </p:grpSp>
-      <p:pic>
-        <p:nvPicPr>
-          <p:cNvPr id="107" name="Picture 106">
-            <a:extLst>
-              <a:ext uri="{FF2B5EF4-FFF2-40B4-BE49-F238E27FC236}">
-                <a16:creationId xmlns:a16="http://schemas.microsoft.com/office/drawing/2014/main" id="{1EAC4737-7D7B-7741-92E8-0A78C8FA06E3}"/>
-              </a:ext>
-            </a:extLst>
-          </p:cNvPr>
-          <p:cNvPicPr>
-            <a:picLocks noChangeAspect="1"/>
-          </p:cNvPicPr>
-          <p:nvPr/>
-        </p:nvPicPr>
-        <p:blipFill>
-          <a:blip r:embed="rId11"/>
-          <a:stretch>
-            <a:fillRect/>
-          </a:stretch>
-        </p:blipFill>
-        <p:spPr>
-          <a:xfrm>
-            <a:off x="1369842" y="3457488"/>
-            <a:ext cx="816016" cy="1102151"/>
-          </a:xfrm>
-          <a:prstGeom prst="rect">
-            <a:avLst/>
-          </a:prstGeom>
-        </p:spPr>
-      </p:pic>
-      <p:pic>
-        <p:nvPicPr>
-          <p:cNvPr id="108" name="Picture 107">
-            <a:extLst>
-              <a:ext uri="{FF2B5EF4-FFF2-40B4-BE49-F238E27FC236}">
-                <a16:creationId xmlns:a16="http://schemas.microsoft.com/office/drawing/2014/main" id="{A076CDAF-7D1D-F34E-B17C-393DB8C51D55}"/>
-              </a:ext>
-            </a:extLst>
-          </p:cNvPr>
-          <p:cNvPicPr>
-            <a:picLocks noChangeAspect="1"/>
-          </p:cNvPicPr>
-          <p:nvPr/>
-        </p:nvPicPr>
-        <p:blipFill>
-          <a:blip r:embed="rId12"/>
-          <a:stretch>
-            <a:fillRect/>
-          </a:stretch>
-        </p:blipFill>
-        <p:spPr>
-          <a:xfrm>
-            <a:off x="1369842" y="4798783"/>
-            <a:ext cx="816016" cy="1106944"/>
-          </a:xfrm>
-          <a:prstGeom prst="rect">
-            <a:avLst/>
-          </a:prstGeom>
-        </p:spPr>
-      </p:pic>
-      <p:pic>
-        <p:nvPicPr>
-          <p:cNvPr id="109" name="Picture 108">
-            <a:extLst>
-              <a:ext uri="{FF2B5EF4-FFF2-40B4-BE49-F238E27FC236}">
-                <a16:creationId xmlns:a16="http://schemas.microsoft.com/office/drawing/2014/main" id="{F3B52E8C-E0C5-A343-AA5C-46C715EEE454}"/>
-              </a:ext>
-            </a:extLst>
-          </p:cNvPr>
-          <p:cNvPicPr>
-            <a:picLocks noChangeAspect="1"/>
-          </p:cNvPicPr>
-          <p:nvPr/>
-        </p:nvPicPr>
-        <p:blipFill>
-          <a:blip r:embed="rId13"/>
-          <a:stretch>
-            <a:fillRect/>
-          </a:stretch>
-        </p:blipFill>
-        <p:spPr>
-          <a:xfrm>
-            <a:off x="2251924" y="4798783"/>
-            <a:ext cx="816016" cy="1106944"/>
-          </a:xfrm>
-          <a:prstGeom prst="rect">
-            <a:avLst/>
-          </a:prstGeom>
-        </p:spPr>
-      </p:pic>
-      <p:pic>
-        <p:nvPicPr>
-          <p:cNvPr id="110" name="Picture 109">
-            <a:extLst>
-              <a:ext uri="{FF2B5EF4-FFF2-40B4-BE49-F238E27FC236}">
-                <a16:creationId xmlns:a16="http://schemas.microsoft.com/office/drawing/2014/main" id="{71C2145D-B23E-6F44-A0F8-30DACF289E23}"/>
-              </a:ext>
-            </a:extLst>
-          </p:cNvPr>
-          <p:cNvPicPr>
-            <a:picLocks noChangeAspect="1"/>
-          </p:cNvPicPr>
-          <p:nvPr/>
-        </p:nvPicPr>
-        <p:blipFill>
-          <a:blip r:embed="rId14"/>
-          <a:stretch>
-            <a:fillRect/>
-          </a:stretch>
-        </p:blipFill>
-        <p:spPr>
-          <a:xfrm>
-            <a:off x="3275411" y="4802978"/>
-            <a:ext cx="816016" cy="1106944"/>
-          </a:xfrm>
-          <a:prstGeom prst="rect">
-            <a:avLst/>
-          </a:prstGeom>
-        </p:spPr>
-      </p:pic>
-      <p:pic>
-        <p:nvPicPr>
-          <p:cNvPr id="111" name="Picture 110">
-            <a:extLst>
-              <a:ext uri="{FF2B5EF4-FFF2-40B4-BE49-F238E27FC236}">
-                <a16:creationId xmlns:a16="http://schemas.microsoft.com/office/drawing/2014/main" id="{21DB7436-5307-D245-AA04-FF2E96DABAD9}"/>
-              </a:ext>
-            </a:extLst>
-          </p:cNvPr>
-          <p:cNvPicPr>
-            <a:picLocks noChangeAspect="1"/>
-          </p:cNvPicPr>
-          <p:nvPr/>
-        </p:nvPicPr>
-        <p:blipFill>
-          <a:blip r:embed="rId15"/>
-          <a:stretch>
-            <a:fillRect/>
-          </a:stretch>
-        </p:blipFill>
-        <p:spPr>
-          <a:xfrm>
-            <a:off x="4157493" y="4802978"/>
-            <a:ext cx="816016" cy="1106944"/>
-          </a:xfrm>
-          <a:prstGeom prst="rect">
-            <a:avLst/>
-          </a:prstGeom>
-        </p:spPr>
-      </p:pic>
-      <p:pic>
-        <p:nvPicPr>
-          <p:cNvPr id="112" name="Picture 111">
-            <a:extLst>
-              <a:ext uri="{FF2B5EF4-FFF2-40B4-BE49-F238E27FC236}">
-                <a16:creationId xmlns:a16="http://schemas.microsoft.com/office/drawing/2014/main" id="{F2598AEC-5DE0-3E46-8419-82A1A22B4AA4}"/>
-              </a:ext>
-            </a:extLst>
-          </p:cNvPr>
-          <p:cNvPicPr>
-            <a:picLocks noChangeAspect="1"/>
-          </p:cNvPicPr>
-          <p:nvPr/>
-        </p:nvPicPr>
-        <p:blipFill>
-          <a:blip r:embed="rId16"/>
-          <a:stretch>
-            <a:fillRect/>
-          </a:stretch>
-        </p:blipFill>
-        <p:spPr>
-          <a:xfrm>
-            <a:off x="2251924" y="3457487"/>
-            <a:ext cx="816016" cy="1102151"/>
-          </a:xfrm>
-          <a:prstGeom prst="rect">
-            <a:avLst/>
-          </a:prstGeom>
-        </p:spPr>
-      </p:pic>
-      <p:pic>
-        <p:nvPicPr>
-          <p:cNvPr id="113" name="Picture 112">
-            <a:extLst>
-              <a:ext uri="{FF2B5EF4-FFF2-40B4-BE49-F238E27FC236}">
-                <a16:creationId xmlns:a16="http://schemas.microsoft.com/office/drawing/2014/main" id="{2B0537CE-533D-794C-A419-B4CC1E8149F9}"/>
-              </a:ext>
-            </a:extLst>
-          </p:cNvPr>
-          <p:cNvPicPr>
-            <a:picLocks noChangeAspect="1"/>
-          </p:cNvPicPr>
-          <p:nvPr/>
-        </p:nvPicPr>
-        <p:blipFill>
-          <a:blip r:embed="rId17"/>
-          <a:stretch>
-            <a:fillRect/>
-          </a:stretch>
-        </p:blipFill>
-        <p:spPr>
-          <a:xfrm>
-            <a:off x="3275411" y="3466913"/>
-            <a:ext cx="816016" cy="1102151"/>
-          </a:xfrm>
-          <a:prstGeom prst="rect">
-            <a:avLst/>
-          </a:prstGeom>
-        </p:spPr>
-      </p:pic>
-      <p:pic>
-        <p:nvPicPr>
-          <p:cNvPr id="114" name="Picture 113">
-            <a:extLst>
-              <a:ext uri="{FF2B5EF4-FFF2-40B4-BE49-F238E27FC236}">
-                <a16:creationId xmlns:a16="http://schemas.microsoft.com/office/drawing/2014/main" id="{AE450138-B213-1C4B-8680-4BF40DC08471}"/>
-              </a:ext>
-            </a:extLst>
-          </p:cNvPr>
-          <p:cNvPicPr>
-            <a:picLocks noChangeAspect="1"/>
-          </p:cNvPicPr>
-          <p:nvPr/>
-        </p:nvPicPr>
-        <p:blipFill>
-          <a:blip r:embed="rId18"/>
-          <a:stretch>
-            <a:fillRect/>
-          </a:stretch>
-        </p:blipFill>
-        <p:spPr>
-          <a:xfrm>
-            <a:off x="4157493" y="3466912"/>
-            <a:ext cx="816016" cy="1102151"/>
-          </a:xfrm>
-          <a:prstGeom prst="rect">
-            <a:avLst/>
-          </a:prstGeom>
-        </p:spPr>
-      </p:pic>
-      <p:grpSp>
-        <p:nvGrpSpPr>
-          <p:cNvPr id="138" name="Group 137">
-            <a:extLst>
-              <a:ext uri="{FF2B5EF4-FFF2-40B4-BE49-F238E27FC236}">
-                <a16:creationId xmlns:a16="http://schemas.microsoft.com/office/drawing/2014/main" id="{81997DEA-862E-6B48-A164-4E705A743D2A}"/>
-              </a:ext>
-            </a:extLst>
-          </p:cNvPr>
-          <p:cNvGrpSpPr/>
-          <p:nvPr/>
-        </p:nvGrpSpPr>
-        <p:grpSpPr>
-          <a:xfrm>
-            <a:off x="6117488" y="230836"/>
-            <a:ext cx="2890970" cy="3922557"/>
-            <a:chOff x="5225507" y="649442"/>
-            <a:chExt cx="2890970" cy="3922557"/>
-          </a:xfrm>
-        </p:grpSpPr>
-        <p:sp>
-          <p:nvSpPr>
-            <p:cNvPr id="115" name="TextBox 114">
-              <a:extLst>
-                <a:ext uri="{FF2B5EF4-FFF2-40B4-BE49-F238E27FC236}">
-                  <a16:creationId xmlns:a16="http://schemas.microsoft.com/office/drawing/2014/main" id="{2CD690E7-773A-0D46-B67D-BD44FA759C37}"/>
-                </a:ext>
-              </a:extLst>
-            </p:cNvPr>
-            <p:cNvSpPr txBox="1"/>
-            <p:nvPr/>
-          </p:nvSpPr>
-          <p:spPr>
-            <a:xfrm>
-              <a:off x="5291496" y="696577"/>
-              <a:ext cx="2730457" cy="276999"/>
-            </a:xfrm>
-            <a:prstGeom prst="rect">
-              <a:avLst/>
-            </a:prstGeom>
-            <a:noFill/>
-            <a:ln>
-              <a:solidFill>
-                <a:schemeClr val="tx1"/>
-              </a:solidFill>
-            </a:ln>
-          </p:spPr>
-          <p:txBody>
-            <a:bodyPr wrap="square" rtlCol="0">
-              <a:spAutoFit/>
-            </a:bodyPr>
-            <a:lstStyle/>
-            <a:p>
-              <a:pPr algn="ctr"/>
-              <a:r>
-                <a:rPr lang="en-US" sz="1200" dirty="0"/>
-                <a:t>Instruction Cache</a:t>
-              </a:r>
-            </a:p>
-          </p:txBody>
-        </p:sp>
-        <p:sp>
-          <p:nvSpPr>
-            <p:cNvPr id="116" name="TextBox 115">
-              <a:extLst>
-                <a:ext uri="{FF2B5EF4-FFF2-40B4-BE49-F238E27FC236}">
-                  <a16:creationId xmlns:a16="http://schemas.microsoft.com/office/drawing/2014/main" id="{8D0A3843-D344-6247-8101-9654F1360BA4}"/>
-                </a:ext>
-              </a:extLst>
-            </p:cNvPr>
-            <p:cNvSpPr txBox="1"/>
-            <p:nvPr/>
-          </p:nvSpPr>
-          <p:spPr>
-            <a:xfrm>
-              <a:off x="5304320" y="1052904"/>
-              <a:ext cx="2730458" cy="276999"/>
-            </a:xfrm>
-            <a:prstGeom prst="rect">
-              <a:avLst/>
-            </a:prstGeom>
-            <a:noFill/>
-            <a:ln>
-              <a:solidFill>
-                <a:schemeClr val="tx1"/>
-              </a:solidFill>
-            </a:ln>
-          </p:spPr>
-          <p:txBody>
-            <a:bodyPr wrap="square" rtlCol="0">
-              <a:spAutoFit/>
-            </a:bodyPr>
-            <a:lstStyle/>
-            <a:p>
-              <a:pPr algn="ctr"/>
-              <a:r>
-                <a:rPr lang="en-US" sz="1200" dirty="0"/>
-                <a:t>SIMD Thread Scheduler</a:t>
-              </a:r>
-            </a:p>
-          </p:txBody>
-        </p:sp>
-        <p:sp>
-          <p:nvSpPr>
-            <p:cNvPr id="117" name="TextBox 116">
-              <a:extLst>
-                <a:ext uri="{FF2B5EF4-FFF2-40B4-BE49-F238E27FC236}">
-                  <a16:creationId xmlns:a16="http://schemas.microsoft.com/office/drawing/2014/main" id="{94749FE3-3D73-084D-8F3B-5284F1B51293}"/>
-                </a:ext>
-              </a:extLst>
-            </p:cNvPr>
-            <p:cNvSpPr txBox="1"/>
-            <p:nvPr/>
-          </p:nvSpPr>
-          <p:spPr>
-            <a:xfrm>
-              <a:off x="5304320" y="1392269"/>
-              <a:ext cx="1295843" cy="276999"/>
-            </a:xfrm>
-            <a:prstGeom prst="rect">
-              <a:avLst/>
-            </a:prstGeom>
-            <a:noFill/>
-            <a:ln>
-              <a:solidFill>
-                <a:schemeClr val="tx1"/>
-              </a:solidFill>
-            </a:ln>
-          </p:spPr>
-          <p:txBody>
-            <a:bodyPr wrap="square" rtlCol="0">
-              <a:spAutoFit/>
-            </a:bodyPr>
-            <a:lstStyle/>
-            <a:p>
-              <a:pPr algn="ctr"/>
-              <a:r>
-                <a:rPr lang="en-US" sz="1200" dirty="0"/>
-                <a:t>Dispatch Unit</a:t>
-              </a:r>
-            </a:p>
-          </p:txBody>
-        </p:sp>
-        <p:sp>
-          <p:nvSpPr>
-            <p:cNvPr id="118" name="TextBox 117">
-              <a:extLst>
-                <a:ext uri="{FF2B5EF4-FFF2-40B4-BE49-F238E27FC236}">
-                  <a16:creationId xmlns:a16="http://schemas.microsoft.com/office/drawing/2014/main" id="{EE257A89-7D1D-414B-BFC0-A4ADCF3E3025}"/>
-                </a:ext>
-              </a:extLst>
-            </p:cNvPr>
-            <p:cNvSpPr txBox="1"/>
-            <p:nvPr/>
-          </p:nvSpPr>
-          <p:spPr>
-            <a:xfrm>
-              <a:off x="5304320" y="2090796"/>
-              <a:ext cx="604715" cy="461665"/>
-            </a:xfrm>
-            <a:prstGeom prst="rect">
-              <a:avLst/>
-            </a:prstGeom>
-            <a:noFill/>
-            <a:ln>
-              <a:solidFill>
-                <a:schemeClr val="tx1"/>
-              </a:solidFill>
-            </a:ln>
-          </p:spPr>
-          <p:txBody>
-            <a:bodyPr wrap="square" rtlCol="0">
-              <a:spAutoFit/>
-            </a:bodyPr>
-            <a:lstStyle/>
-            <a:p>
-              <a:pPr algn="ctr"/>
-              <a:r>
-                <a:rPr lang="en-US" sz="1200" dirty="0"/>
-                <a:t>SIMD Lane</a:t>
-              </a:r>
-            </a:p>
-          </p:txBody>
-        </p:sp>
-        <p:sp>
-          <p:nvSpPr>
-            <p:cNvPr id="119" name="TextBox 118">
-              <a:extLst>
-                <a:ext uri="{FF2B5EF4-FFF2-40B4-BE49-F238E27FC236}">
-                  <a16:creationId xmlns:a16="http://schemas.microsoft.com/office/drawing/2014/main" id="{4FC9EC85-9F9F-B641-9E7E-719C3C4537C4}"/>
-                </a:ext>
-              </a:extLst>
-            </p:cNvPr>
-            <p:cNvSpPr txBox="1"/>
-            <p:nvPr/>
-          </p:nvSpPr>
-          <p:spPr>
-            <a:xfrm>
-              <a:off x="5304320" y="1740761"/>
-              <a:ext cx="2730458" cy="276999"/>
-            </a:xfrm>
-            <a:prstGeom prst="rect">
-              <a:avLst/>
-            </a:prstGeom>
-            <a:noFill/>
-            <a:ln>
-              <a:solidFill>
-                <a:schemeClr val="tx1"/>
-              </a:solidFill>
-            </a:ln>
-          </p:spPr>
-          <p:txBody>
-            <a:bodyPr wrap="square" rtlCol="0">
-              <a:spAutoFit/>
-            </a:bodyPr>
-            <a:lstStyle/>
-            <a:p>
-              <a:pPr algn="ctr"/>
-              <a:r>
-                <a:rPr lang="en-US" sz="1200" dirty="0"/>
-                <a:t>Register File</a:t>
-              </a:r>
-            </a:p>
-          </p:txBody>
-        </p:sp>
-        <p:sp>
-          <p:nvSpPr>
-            <p:cNvPr id="120" name="TextBox 119">
-              <a:extLst>
-                <a:ext uri="{FF2B5EF4-FFF2-40B4-BE49-F238E27FC236}">
-                  <a16:creationId xmlns:a16="http://schemas.microsoft.com/office/drawing/2014/main" id="{296EA7CA-8BDC-2D46-8F16-422B51E66203}"/>
-                </a:ext>
-              </a:extLst>
-            </p:cNvPr>
-            <p:cNvSpPr txBox="1"/>
-            <p:nvPr/>
-          </p:nvSpPr>
-          <p:spPr>
-            <a:xfrm>
-              <a:off x="6012901" y="2090796"/>
-              <a:ext cx="604715" cy="461665"/>
-            </a:xfrm>
-            <a:prstGeom prst="rect">
-              <a:avLst/>
-            </a:prstGeom>
-            <a:noFill/>
-            <a:ln>
-              <a:solidFill>
-                <a:schemeClr val="tx1"/>
-              </a:solidFill>
-            </a:ln>
-          </p:spPr>
-          <p:txBody>
-            <a:bodyPr wrap="square" rtlCol="0">
-              <a:spAutoFit/>
-            </a:bodyPr>
-            <a:lstStyle/>
-            <a:p>
-              <a:pPr algn="ctr"/>
-              <a:r>
-                <a:rPr lang="en-US" sz="1200" dirty="0"/>
-                <a:t>SIMD Lane</a:t>
-              </a:r>
-            </a:p>
-          </p:txBody>
-        </p:sp>
-        <p:sp>
-          <p:nvSpPr>
-            <p:cNvPr id="121" name="TextBox 120">
-              <a:extLst>
-                <a:ext uri="{FF2B5EF4-FFF2-40B4-BE49-F238E27FC236}">
-                  <a16:creationId xmlns:a16="http://schemas.microsoft.com/office/drawing/2014/main" id="{02494DA2-3522-814B-94F9-789F1A8053E0}"/>
-                </a:ext>
-              </a:extLst>
-            </p:cNvPr>
-            <p:cNvSpPr txBox="1"/>
-            <p:nvPr/>
-          </p:nvSpPr>
-          <p:spPr>
-            <a:xfrm>
-              <a:off x="6721482" y="2093587"/>
-              <a:ext cx="604715" cy="461665"/>
-            </a:xfrm>
-            <a:prstGeom prst="rect">
-              <a:avLst/>
-            </a:prstGeom>
-            <a:noFill/>
-            <a:ln>
-              <a:solidFill>
-                <a:schemeClr val="tx1"/>
-              </a:solidFill>
-            </a:ln>
-          </p:spPr>
-          <p:txBody>
-            <a:bodyPr wrap="square" rtlCol="0">
-              <a:spAutoFit/>
-            </a:bodyPr>
-            <a:lstStyle/>
-            <a:p>
-              <a:pPr algn="ctr"/>
-              <a:r>
-                <a:rPr lang="en-US" sz="1200" dirty="0"/>
-                <a:t>SIMD Lane</a:t>
-              </a:r>
-            </a:p>
-          </p:txBody>
-        </p:sp>
-        <p:sp>
-          <p:nvSpPr>
-            <p:cNvPr id="122" name="TextBox 121">
-              <a:extLst>
-                <a:ext uri="{FF2B5EF4-FFF2-40B4-BE49-F238E27FC236}">
-                  <a16:creationId xmlns:a16="http://schemas.microsoft.com/office/drawing/2014/main" id="{15195307-F3EB-1043-B9B7-F60BC673431B}"/>
-                </a:ext>
-              </a:extLst>
-            </p:cNvPr>
-            <p:cNvSpPr txBox="1"/>
-            <p:nvPr/>
-          </p:nvSpPr>
-          <p:spPr>
-            <a:xfrm>
-              <a:off x="7430063" y="2090796"/>
-              <a:ext cx="604715" cy="461665"/>
-            </a:xfrm>
-            <a:prstGeom prst="rect">
-              <a:avLst/>
-            </a:prstGeom>
-            <a:noFill/>
-            <a:ln>
-              <a:solidFill>
-                <a:schemeClr val="tx1"/>
-              </a:solidFill>
-            </a:ln>
-          </p:spPr>
-          <p:txBody>
-            <a:bodyPr wrap="square" rtlCol="0">
-              <a:spAutoFit/>
-            </a:bodyPr>
-            <a:lstStyle/>
-            <a:p>
-              <a:pPr algn="ctr"/>
-              <a:r>
-                <a:rPr lang="en-US" sz="1200" dirty="0"/>
-                <a:t>SIMD Lane</a:t>
-              </a:r>
-            </a:p>
-          </p:txBody>
-        </p:sp>
-        <p:sp>
-          <p:nvSpPr>
-            <p:cNvPr id="123" name="TextBox 122">
-              <a:extLst>
-                <a:ext uri="{FF2B5EF4-FFF2-40B4-BE49-F238E27FC236}">
-                  <a16:creationId xmlns:a16="http://schemas.microsoft.com/office/drawing/2014/main" id="{E66A0A1E-D016-3D49-8F7A-6A97B1AC0EE7}"/>
-                </a:ext>
-              </a:extLst>
-            </p:cNvPr>
-            <p:cNvSpPr txBox="1"/>
-            <p:nvPr/>
-          </p:nvSpPr>
-          <p:spPr>
-            <a:xfrm>
-              <a:off x="5304320" y="2630060"/>
-              <a:ext cx="604715" cy="461665"/>
-            </a:xfrm>
-            <a:prstGeom prst="rect">
-              <a:avLst/>
-            </a:prstGeom>
-            <a:noFill/>
-            <a:ln>
-              <a:solidFill>
-                <a:schemeClr val="tx1"/>
-              </a:solidFill>
-            </a:ln>
-          </p:spPr>
-          <p:txBody>
-            <a:bodyPr wrap="square" rtlCol="0">
-              <a:spAutoFit/>
-            </a:bodyPr>
-            <a:lstStyle/>
-            <a:p>
-              <a:pPr algn="ctr"/>
-              <a:r>
-                <a:rPr lang="en-US" sz="1200" dirty="0"/>
-                <a:t>SIMD Lane</a:t>
-              </a:r>
-            </a:p>
-          </p:txBody>
-        </p:sp>
-        <p:sp>
-          <p:nvSpPr>
-            <p:cNvPr id="124" name="TextBox 123">
-              <a:extLst>
-                <a:ext uri="{FF2B5EF4-FFF2-40B4-BE49-F238E27FC236}">
-                  <a16:creationId xmlns:a16="http://schemas.microsoft.com/office/drawing/2014/main" id="{6E6D1DC9-C866-2B4B-87E9-147ACEEEDC97}"/>
-                </a:ext>
-              </a:extLst>
-            </p:cNvPr>
-            <p:cNvSpPr txBox="1"/>
-            <p:nvPr/>
-          </p:nvSpPr>
-          <p:spPr>
-            <a:xfrm>
-              <a:off x="6012901" y="2630060"/>
-              <a:ext cx="604715" cy="461665"/>
-            </a:xfrm>
-            <a:prstGeom prst="rect">
-              <a:avLst/>
-            </a:prstGeom>
-            <a:noFill/>
-            <a:ln>
-              <a:solidFill>
-                <a:schemeClr val="tx1"/>
-              </a:solidFill>
-            </a:ln>
-          </p:spPr>
-          <p:txBody>
-            <a:bodyPr wrap="square" rtlCol="0">
-              <a:spAutoFit/>
-            </a:bodyPr>
-            <a:lstStyle/>
-            <a:p>
-              <a:pPr algn="ctr"/>
-              <a:r>
-                <a:rPr lang="en-US" sz="1200" dirty="0"/>
-                <a:t>SIMD Lane</a:t>
-              </a:r>
-            </a:p>
-          </p:txBody>
-        </p:sp>
-        <p:sp>
-          <p:nvSpPr>
-            <p:cNvPr id="125" name="TextBox 124">
-              <a:extLst>
-                <a:ext uri="{FF2B5EF4-FFF2-40B4-BE49-F238E27FC236}">
-                  <a16:creationId xmlns:a16="http://schemas.microsoft.com/office/drawing/2014/main" id="{ADB33698-D647-8243-9ED9-2F4613906003}"/>
-                </a:ext>
-              </a:extLst>
-            </p:cNvPr>
-            <p:cNvSpPr txBox="1"/>
-            <p:nvPr/>
-          </p:nvSpPr>
-          <p:spPr>
-            <a:xfrm>
-              <a:off x="6721482" y="2632851"/>
-              <a:ext cx="604715" cy="461665"/>
-            </a:xfrm>
-            <a:prstGeom prst="rect">
-              <a:avLst/>
-            </a:prstGeom>
-            <a:noFill/>
-            <a:ln>
-              <a:solidFill>
-                <a:schemeClr val="tx1"/>
-              </a:solidFill>
-            </a:ln>
-          </p:spPr>
-          <p:txBody>
-            <a:bodyPr wrap="square" rtlCol="0">
-              <a:spAutoFit/>
-            </a:bodyPr>
-            <a:lstStyle/>
-            <a:p>
-              <a:pPr algn="ctr"/>
-              <a:r>
-                <a:rPr lang="en-US" sz="1200" dirty="0"/>
-                <a:t>SIMD Lane</a:t>
-              </a:r>
-            </a:p>
-          </p:txBody>
-        </p:sp>
-        <p:sp>
-          <p:nvSpPr>
-            <p:cNvPr id="126" name="TextBox 125">
-              <a:extLst>
-                <a:ext uri="{FF2B5EF4-FFF2-40B4-BE49-F238E27FC236}">
-                  <a16:creationId xmlns:a16="http://schemas.microsoft.com/office/drawing/2014/main" id="{AC7E1439-FB53-3940-B725-582E6FBAF9C5}"/>
-                </a:ext>
-              </a:extLst>
-            </p:cNvPr>
-            <p:cNvSpPr txBox="1"/>
-            <p:nvPr/>
-          </p:nvSpPr>
-          <p:spPr>
-            <a:xfrm>
-              <a:off x="7430063" y="2630060"/>
-              <a:ext cx="604715" cy="461665"/>
-            </a:xfrm>
-            <a:prstGeom prst="rect">
-              <a:avLst/>
-            </a:prstGeom>
-            <a:noFill/>
-            <a:ln>
-              <a:solidFill>
-                <a:schemeClr val="tx1"/>
-              </a:solidFill>
-            </a:ln>
-          </p:spPr>
-          <p:txBody>
-            <a:bodyPr wrap="square" rtlCol="0">
-              <a:spAutoFit/>
-            </a:bodyPr>
-            <a:lstStyle/>
-            <a:p>
-              <a:pPr algn="ctr"/>
-              <a:r>
-                <a:rPr lang="en-US" sz="1200" dirty="0"/>
-                <a:t>SIMD Lane</a:t>
-              </a:r>
-            </a:p>
-          </p:txBody>
-        </p:sp>
-        <p:sp>
-          <p:nvSpPr>
-            <p:cNvPr id="127" name="TextBox 126">
-              <a:extLst>
-                <a:ext uri="{FF2B5EF4-FFF2-40B4-BE49-F238E27FC236}">
-                  <a16:creationId xmlns:a16="http://schemas.microsoft.com/office/drawing/2014/main" id="{3F1D1AD3-E652-0A4C-987F-5A219EDD1F70}"/>
-                </a:ext>
-              </a:extLst>
-            </p:cNvPr>
-            <p:cNvSpPr txBox="1"/>
-            <p:nvPr/>
-          </p:nvSpPr>
-          <p:spPr>
-            <a:xfrm>
-              <a:off x="5304320" y="3177886"/>
-              <a:ext cx="604715" cy="461665"/>
-            </a:xfrm>
-            <a:prstGeom prst="rect">
-              <a:avLst/>
-            </a:prstGeom>
-            <a:noFill/>
-            <a:ln>
-              <a:solidFill>
-                <a:schemeClr val="tx1"/>
-              </a:solidFill>
-            </a:ln>
-          </p:spPr>
-          <p:txBody>
-            <a:bodyPr wrap="square" rtlCol="0">
-              <a:spAutoFit/>
-            </a:bodyPr>
-            <a:lstStyle/>
-            <a:p>
-              <a:pPr algn="ctr"/>
-              <a:r>
-                <a:rPr lang="en-US" sz="1200" dirty="0"/>
-                <a:t>SIMD Lane</a:t>
-              </a:r>
-            </a:p>
-          </p:txBody>
-        </p:sp>
-        <p:sp>
-          <p:nvSpPr>
-            <p:cNvPr id="128" name="TextBox 127">
-              <a:extLst>
-                <a:ext uri="{FF2B5EF4-FFF2-40B4-BE49-F238E27FC236}">
-                  <a16:creationId xmlns:a16="http://schemas.microsoft.com/office/drawing/2014/main" id="{CB37DCC8-21BA-E342-BF03-F433AE58E0A2}"/>
-                </a:ext>
-              </a:extLst>
-            </p:cNvPr>
-            <p:cNvSpPr txBox="1"/>
-            <p:nvPr/>
-          </p:nvSpPr>
-          <p:spPr>
-            <a:xfrm>
-              <a:off x="6012901" y="3177886"/>
-              <a:ext cx="604715" cy="461665"/>
-            </a:xfrm>
-            <a:prstGeom prst="rect">
-              <a:avLst/>
-            </a:prstGeom>
-            <a:noFill/>
-            <a:ln>
-              <a:solidFill>
-                <a:schemeClr val="tx1"/>
-              </a:solidFill>
-            </a:ln>
-          </p:spPr>
-          <p:txBody>
-            <a:bodyPr wrap="square" rtlCol="0">
-              <a:spAutoFit/>
-            </a:bodyPr>
-            <a:lstStyle/>
-            <a:p>
-              <a:pPr algn="ctr"/>
-              <a:r>
-                <a:rPr lang="en-US" sz="1200" dirty="0"/>
-                <a:t>SIMD Lane</a:t>
-              </a:r>
-            </a:p>
-          </p:txBody>
-        </p:sp>
-        <p:sp>
-          <p:nvSpPr>
-            <p:cNvPr id="129" name="TextBox 128">
-              <a:extLst>
-                <a:ext uri="{FF2B5EF4-FFF2-40B4-BE49-F238E27FC236}">
-                  <a16:creationId xmlns:a16="http://schemas.microsoft.com/office/drawing/2014/main" id="{999E0BEF-429E-D842-9CC6-BC6C8229633A}"/>
-                </a:ext>
-              </a:extLst>
-            </p:cNvPr>
-            <p:cNvSpPr txBox="1"/>
-            <p:nvPr/>
-          </p:nvSpPr>
-          <p:spPr>
-            <a:xfrm>
-              <a:off x="6721482" y="3180677"/>
-              <a:ext cx="604715" cy="461665"/>
-            </a:xfrm>
-            <a:prstGeom prst="rect">
-              <a:avLst/>
-            </a:prstGeom>
-            <a:noFill/>
-            <a:ln>
-              <a:solidFill>
-                <a:schemeClr val="tx1"/>
-              </a:solidFill>
-            </a:ln>
-          </p:spPr>
-          <p:txBody>
-            <a:bodyPr wrap="square" rtlCol="0">
-              <a:spAutoFit/>
-            </a:bodyPr>
-            <a:lstStyle/>
-            <a:p>
-              <a:pPr algn="ctr"/>
-              <a:r>
-                <a:rPr lang="en-US" sz="1200" dirty="0"/>
-                <a:t>SIMD Lane</a:t>
-              </a:r>
-            </a:p>
-          </p:txBody>
-        </p:sp>
-        <p:sp>
-          <p:nvSpPr>
-            <p:cNvPr id="130" name="TextBox 129">
-              <a:extLst>
-                <a:ext uri="{FF2B5EF4-FFF2-40B4-BE49-F238E27FC236}">
-                  <a16:creationId xmlns:a16="http://schemas.microsoft.com/office/drawing/2014/main" id="{7F0DB8DA-34D9-0F43-9587-F93D929233E2}"/>
-                </a:ext>
-              </a:extLst>
-            </p:cNvPr>
-            <p:cNvSpPr txBox="1"/>
-            <p:nvPr/>
-          </p:nvSpPr>
-          <p:spPr>
-            <a:xfrm>
-              <a:off x="7430063" y="3177886"/>
-              <a:ext cx="604715" cy="461665"/>
-            </a:xfrm>
-            <a:prstGeom prst="rect">
-              <a:avLst/>
-            </a:prstGeom>
-            <a:noFill/>
-            <a:ln>
-              <a:solidFill>
-                <a:schemeClr val="tx1"/>
-              </a:solidFill>
-            </a:ln>
-          </p:spPr>
-          <p:txBody>
-            <a:bodyPr wrap="square" rtlCol="0">
-              <a:spAutoFit/>
-            </a:bodyPr>
-            <a:lstStyle/>
-            <a:p>
-              <a:pPr algn="ctr"/>
-              <a:r>
-                <a:rPr lang="en-US" sz="1200" dirty="0"/>
-                <a:t>SIMD Lane</a:t>
-              </a:r>
-            </a:p>
-          </p:txBody>
-        </p:sp>
-        <p:sp>
-          <p:nvSpPr>
-            <p:cNvPr id="131" name="TextBox 130">
-              <a:extLst>
-                <a:ext uri="{FF2B5EF4-FFF2-40B4-BE49-F238E27FC236}">
-                  <a16:creationId xmlns:a16="http://schemas.microsoft.com/office/drawing/2014/main" id="{F91F3CEF-BE62-BC47-B6E5-BC6B6EB51F2B}"/>
-                </a:ext>
-              </a:extLst>
-            </p:cNvPr>
-            <p:cNvSpPr txBox="1"/>
-            <p:nvPr/>
-          </p:nvSpPr>
-          <p:spPr>
-            <a:xfrm>
-              <a:off x="5304320" y="3698301"/>
-              <a:ext cx="604715" cy="461665"/>
-            </a:xfrm>
-            <a:prstGeom prst="rect">
-              <a:avLst/>
-            </a:prstGeom>
-            <a:noFill/>
-            <a:ln>
-              <a:solidFill>
-                <a:schemeClr val="tx1"/>
-              </a:solidFill>
-            </a:ln>
-          </p:spPr>
-          <p:txBody>
-            <a:bodyPr wrap="square" rtlCol="0">
-              <a:spAutoFit/>
-            </a:bodyPr>
-            <a:lstStyle/>
-            <a:p>
-              <a:pPr algn="ctr"/>
-              <a:r>
-                <a:rPr lang="en-US" sz="1200" dirty="0"/>
-                <a:t>SIMD Lane</a:t>
-              </a:r>
-            </a:p>
-          </p:txBody>
-        </p:sp>
-        <p:sp>
-          <p:nvSpPr>
-            <p:cNvPr id="132" name="TextBox 131">
-              <a:extLst>
-                <a:ext uri="{FF2B5EF4-FFF2-40B4-BE49-F238E27FC236}">
-                  <a16:creationId xmlns:a16="http://schemas.microsoft.com/office/drawing/2014/main" id="{DF4FF4F4-1614-8447-892D-1FDF7458A7C4}"/>
-                </a:ext>
-              </a:extLst>
-            </p:cNvPr>
-            <p:cNvSpPr txBox="1"/>
-            <p:nvPr/>
-          </p:nvSpPr>
-          <p:spPr>
-            <a:xfrm>
-              <a:off x="6012901" y="3698301"/>
-              <a:ext cx="604715" cy="461665"/>
-            </a:xfrm>
-            <a:prstGeom prst="rect">
-              <a:avLst/>
-            </a:prstGeom>
-            <a:noFill/>
-            <a:ln>
-              <a:solidFill>
-                <a:schemeClr val="tx1"/>
-              </a:solidFill>
-            </a:ln>
-          </p:spPr>
-          <p:txBody>
-            <a:bodyPr wrap="square" rtlCol="0">
-              <a:spAutoFit/>
-            </a:bodyPr>
-            <a:lstStyle/>
-            <a:p>
-              <a:pPr algn="ctr"/>
-              <a:r>
-                <a:rPr lang="en-US" sz="1200" dirty="0"/>
-                <a:t>SIMD Lane</a:t>
-              </a:r>
-            </a:p>
-          </p:txBody>
-        </p:sp>
-        <p:sp>
-          <p:nvSpPr>
-            <p:cNvPr id="133" name="TextBox 132">
-              <a:extLst>
-                <a:ext uri="{FF2B5EF4-FFF2-40B4-BE49-F238E27FC236}">
-                  <a16:creationId xmlns:a16="http://schemas.microsoft.com/office/drawing/2014/main" id="{C7DDFE07-89E5-9440-9E36-C3F3351CDB1B}"/>
-                </a:ext>
-              </a:extLst>
-            </p:cNvPr>
-            <p:cNvSpPr txBox="1"/>
-            <p:nvPr/>
-          </p:nvSpPr>
-          <p:spPr>
-            <a:xfrm>
-              <a:off x="6721482" y="3701092"/>
-              <a:ext cx="604715" cy="461665"/>
-            </a:xfrm>
-            <a:prstGeom prst="rect">
-              <a:avLst/>
-            </a:prstGeom>
-            <a:noFill/>
-            <a:ln>
-              <a:solidFill>
-                <a:schemeClr val="tx1"/>
-              </a:solidFill>
-            </a:ln>
-          </p:spPr>
-          <p:txBody>
-            <a:bodyPr wrap="square" rtlCol="0">
-              <a:spAutoFit/>
-            </a:bodyPr>
-            <a:lstStyle/>
-            <a:p>
-              <a:pPr algn="ctr"/>
-              <a:r>
-                <a:rPr lang="en-US" sz="1200" dirty="0"/>
-                <a:t>SIMD Lane</a:t>
-              </a:r>
-            </a:p>
-          </p:txBody>
-        </p:sp>
-        <p:sp>
-          <p:nvSpPr>
-            <p:cNvPr id="134" name="TextBox 133">
-              <a:extLst>
-                <a:ext uri="{FF2B5EF4-FFF2-40B4-BE49-F238E27FC236}">
-                  <a16:creationId xmlns:a16="http://schemas.microsoft.com/office/drawing/2014/main" id="{054648D3-500F-B94E-AA6E-D75F6FD29E6B}"/>
-                </a:ext>
-              </a:extLst>
-            </p:cNvPr>
-            <p:cNvSpPr txBox="1"/>
-            <p:nvPr/>
-          </p:nvSpPr>
-          <p:spPr>
-            <a:xfrm>
-              <a:off x="7430063" y="3698301"/>
-              <a:ext cx="604715" cy="461665"/>
-            </a:xfrm>
-            <a:prstGeom prst="rect">
-              <a:avLst/>
-            </a:prstGeom>
-            <a:noFill/>
-            <a:ln>
-              <a:solidFill>
-                <a:schemeClr val="tx1"/>
-              </a:solidFill>
-            </a:ln>
-          </p:spPr>
-          <p:txBody>
-            <a:bodyPr wrap="square" rtlCol="0">
-              <a:spAutoFit/>
-            </a:bodyPr>
-            <a:lstStyle/>
-            <a:p>
-              <a:pPr algn="ctr"/>
-              <a:r>
-                <a:rPr lang="en-US" sz="1200" dirty="0"/>
-                <a:t>SIMD Lane</a:t>
-              </a:r>
-            </a:p>
-          </p:txBody>
-        </p:sp>
-        <p:sp>
-          <p:nvSpPr>
-            <p:cNvPr id="135" name="TextBox 134">
-              <a:extLst>
-                <a:ext uri="{FF2B5EF4-FFF2-40B4-BE49-F238E27FC236}">
-                  <a16:creationId xmlns:a16="http://schemas.microsoft.com/office/drawing/2014/main" id="{533DF88E-AFF5-1542-AB92-E092F5BFD2EA}"/>
-                </a:ext>
-              </a:extLst>
-            </p:cNvPr>
-            <p:cNvSpPr txBox="1"/>
-            <p:nvPr/>
-          </p:nvSpPr>
-          <p:spPr>
-            <a:xfrm>
-              <a:off x="6738935" y="1402939"/>
-              <a:ext cx="1295843" cy="276999"/>
-            </a:xfrm>
-            <a:prstGeom prst="rect">
-              <a:avLst/>
-            </a:prstGeom>
-            <a:noFill/>
-            <a:ln>
-              <a:solidFill>
-                <a:schemeClr val="tx1"/>
-              </a:solidFill>
-            </a:ln>
-          </p:spPr>
-          <p:txBody>
-            <a:bodyPr wrap="square" rtlCol="0">
-              <a:spAutoFit/>
-            </a:bodyPr>
-            <a:lstStyle/>
-            <a:p>
-              <a:pPr algn="ctr"/>
-              <a:r>
-                <a:rPr lang="en-US" sz="1200" dirty="0"/>
-                <a:t>Dispatch Unit</a:t>
-              </a:r>
-            </a:p>
-          </p:txBody>
-        </p:sp>
-        <p:sp>
-          <p:nvSpPr>
-            <p:cNvPr id="136" name="TextBox 135">
-              <a:extLst>
-                <a:ext uri="{FF2B5EF4-FFF2-40B4-BE49-F238E27FC236}">
-                  <a16:creationId xmlns:a16="http://schemas.microsoft.com/office/drawing/2014/main" id="{459FDD46-A59E-4443-8393-D04988CFFAAE}"/>
-                </a:ext>
-              </a:extLst>
-            </p:cNvPr>
-            <p:cNvSpPr txBox="1"/>
-            <p:nvPr/>
-          </p:nvSpPr>
-          <p:spPr>
-            <a:xfrm>
-              <a:off x="5304320" y="4220174"/>
-              <a:ext cx="2730458" cy="276999"/>
-            </a:xfrm>
-            <a:prstGeom prst="rect">
-              <a:avLst/>
-            </a:prstGeom>
-            <a:noFill/>
-            <a:ln>
-              <a:solidFill>
-                <a:schemeClr val="tx1"/>
-              </a:solidFill>
-            </a:ln>
-          </p:spPr>
-          <p:txBody>
-            <a:bodyPr wrap="square" rtlCol="0">
-              <a:spAutoFit/>
-            </a:bodyPr>
-            <a:lstStyle/>
-            <a:p>
-              <a:pPr algn="ctr"/>
-              <a:r>
-                <a:rPr lang="en-US" sz="1200" dirty="0"/>
-                <a:t>L1 Cache</a:t>
-              </a:r>
-            </a:p>
-          </p:txBody>
-        </p:sp>
-        <p:sp>
-          <p:nvSpPr>
-            <p:cNvPr id="137" name="Rectangle 136">
-              <a:extLst>
-                <a:ext uri="{FF2B5EF4-FFF2-40B4-BE49-F238E27FC236}">
-                  <a16:creationId xmlns:a16="http://schemas.microsoft.com/office/drawing/2014/main" id="{11B60816-6EBC-6849-9938-A8FADD26AA01}"/>
-                </a:ext>
-              </a:extLst>
-            </p:cNvPr>
-            <p:cNvSpPr/>
-            <p:nvPr/>
-          </p:nvSpPr>
-          <p:spPr>
-            <a:xfrm>
-              <a:off x="5225507" y="649442"/>
-              <a:ext cx="2890970" cy="3922557"/>
-            </a:xfrm>
-            <a:prstGeom prst="rect">
-              <a:avLst/>
-            </a:prstGeom>
-            <a:noFill/>
-            <a:ln w="31750">
-              <a:solidFill>
-                <a:schemeClr val="tx1"/>
-              </a:solidFill>
-            </a:ln>
-          </p:spPr>
-          <p:style>
-            <a:lnRef idx="2">
-              <a:schemeClr val="accent1">
-                <a:shade val="50000"/>
-              </a:schemeClr>
-            </a:lnRef>
-            <a:fillRef idx="1">
-              <a:schemeClr val="accent1"/>
-            </a:fillRef>
-            <a:effectRef idx="0">
-              <a:schemeClr val="accent1"/>
-            </a:effectRef>
-            <a:fontRef idx="minor">
-              <a:schemeClr val="lt1"/>
-            </a:fontRef>
-          </p:style>
-          <p:txBody>
-            <a:bodyPr rtlCol="0" anchor="ctr"/>
-            <a:lstStyle/>
-            <a:p>
-              <a:pPr algn="ctr"/>
-              <a:endParaRPr lang="en-US"/>
-            </a:p>
-          </p:txBody>
-        </p:sp>
-      </p:grpSp>
-      <p:sp>
-        <p:nvSpPr>
-          <p:cNvPr id="163" name="Rectangle 162">
-            <a:extLst>
-              <a:ext uri="{FF2B5EF4-FFF2-40B4-BE49-F238E27FC236}">
-                <a16:creationId xmlns:a16="http://schemas.microsoft.com/office/drawing/2014/main" id="{30BE2A21-80C0-E547-B751-EC9DB3C8786A}"/>
-              </a:ext>
-            </a:extLst>
-          </p:cNvPr>
-          <p:cNvSpPr/>
-          <p:nvPr/>
-        </p:nvSpPr>
-        <p:spPr>
-          <a:xfrm>
-            <a:off x="3208466" y="460327"/>
-            <a:ext cx="1822952" cy="2581454"/>
-          </a:xfrm>
-          <a:prstGeom prst="rect">
-            <a:avLst/>
-          </a:prstGeom>
-          <a:noFill/>
-          <a:ln w="19050">
-            <a:solidFill>
-              <a:schemeClr val="tx1"/>
-            </a:solidFill>
-          </a:ln>
-        </p:spPr>
-        <p:style>
-          <a:lnRef idx="2">
-            <a:schemeClr val="accent1">
-              <a:shade val="50000"/>
-            </a:schemeClr>
-          </a:lnRef>
-          <a:fillRef idx="1">
-            <a:schemeClr val="accent1"/>
-          </a:fillRef>
-          <a:effectRef idx="0">
-            <a:schemeClr val="accent1"/>
-          </a:effectRef>
-          <a:fontRef idx="minor">
-            <a:schemeClr val="lt1"/>
-          </a:fontRef>
-        </p:style>
-        <p:txBody>
-          <a:bodyPr rtlCol="0" anchor="ctr"/>
-          <a:lstStyle/>
-          <a:p>
-            <a:pPr algn="ctr"/>
-            <a:endParaRPr lang="en-US"/>
-          </a:p>
-        </p:txBody>
-      </p:sp>
-      <p:sp>
-        <p:nvSpPr>
-          <p:cNvPr id="164" name="Rectangle 163">
-            <a:extLst>
-              <a:ext uri="{FF2B5EF4-FFF2-40B4-BE49-F238E27FC236}">
-                <a16:creationId xmlns:a16="http://schemas.microsoft.com/office/drawing/2014/main" id="{2E6D63D7-87AD-794A-A464-52223FFDDAB7}"/>
-              </a:ext>
-            </a:extLst>
-          </p:cNvPr>
-          <p:cNvSpPr/>
-          <p:nvPr/>
-        </p:nvSpPr>
-        <p:spPr>
-          <a:xfrm>
-            <a:off x="3198502" y="3399343"/>
-            <a:ext cx="1814009" cy="2586787"/>
-          </a:xfrm>
-          <a:prstGeom prst="rect">
-            <a:avLst/>
-          </a:prstGeom>
-          <a:noFill/>
-          <a:ln w="19050">
-            <a:solidFill>
-              <a:schemeClr val="tx1"/>
-            </a:solidFill>
-          </a:ln>
-        </p:spPr>
-        <p:style>
-          <a:lnRef idx="2">
-            <a:schemeClr val="accent1">
-              <a:shade val="50000"/>
-            </a:schemeClr>
-          </a:lnRef>
-          <a:fillRef idx="1">
-            <a:schemeClr val="accent1"/>
-          </a:fillRef>
-          <a:effectRef idx="0">
-            <a:schemeClr val="accent1"/>
-          </a:effectRef>
-          <a:fontRef idx="minor">
-            <a:schemeClr val="lt1"/>
-          </a:fontRef>
-        </p:style>
-        <p:txBody>
-          <a:bodyPr rtlCol="0" anchor="ctr"/>
-          <a:lstStyle/>
-          <a:p>
-            <a:pPr algn="ctr"/>
-            <a:endParaRPr lang="en-US"/>
-          </a:p>
-        </p:txBody>
-      </p:sp>
-      <p:sp>
-        <p:nvSpPr>
-          <p:cNvPr id="165" name="Rectangle 164">
-            <a:extLst>
-              <a:ext uri="{FF2B5EF4-FFF2-40B4-BE49-F238E27FC236}">
-                <a16:creationId xmlns:a16="http://schemas.microsoft.com/office/drawing/2014/main" id="{3190DF16-6A61-274E-8446-D1A6F99F8E6A}"/>
-              </a:ext>
-            </a:extLst>
-          </p:cNvPr>
-          <p:cNvSpPr/>
-          <p:nvPr/>
-        </p:nvSpPr>
-        <p:spPr>
-          <a:xfrm>
-            <a:off x="1332560" y="3396292"/>
-            <a:ext cx="1814009" cy="2586785"/>
-          </a:xfrm>
-          <a:prstGeom prst="rect">
-            <a:avLst/>
-          </a:prstGeom>
-          <a:noFill/>
-          <a:ln w="19050">
-            <a:solidFill>
-              <a:schemeClr val="tx1"/>
-            </a:solidFill>
-          </a:ln>
-        </p:spPr>
-        <p:style>
-          <a:lnRef idx="2">
-            <a:schemeClr val="accent1">
-              <a:shade val="50000"/>
-            </a:schemeClr>
-          </a:lnRef>
-          <a:fillRef idx="1">
-            <a:schemeClr val="accent1"/>
-          </a:fillRef>
-          <a:effectRef idx="0">
-            <a:schemeClr val="accent1"/>
-          </a:effectRef>
-          <a:fontRef idx="minor">
-            <a:schemeClr val="lt1"/>
-          </a:fontRef>
-        </p:style>
-        <p:txBody>
-          <a:bodyPr rtlCol="0" anchor="ctr"/>
-          <a:lstStyle/>
-          <a:p>
-            <a:pPr algn="ctr"/>
-            <a:endParaRPr lang="en-US"/>
-          </a:p>
-        </p:txBody>
-      </p:sp>
-      <p:sp>
-        <p:nvSpPr>
-          <p:cNvPr id="166" name="Oval 165">
-            <a:extLst>
-              <a:ext uri="{FF2B5EF4-FFF2-40B4-BE49-F238E27FC236}">
-                <a16:creationId xmlns:a16="http://schemas.microsoft.com/office/drawing/2014/main" id="{FA18EE4D-AA8B-0044-9A89-A91EA58F76EC}"/>
-              </a:ext>
-            </a:extLst>
-          </p:cNvPr>
-          <p:cNvSpPr/>
-          <p:nvPr/>
-        </p:nvSpPr>
-        <p:spPr>
-          <a:xfrm>
-            <a:off x="4027923" y="1767908"/>
-            <a:ext cx="1040436" cy="1325704"/>
-          </a:xfrm>
-          <a:prstGeom prst="ellipse">
-            <a:avLst/>
-          </a:prstGeom>
-          <a:noFill/>
-          <a:ln w="19050">
-            <a:solidFill>
-              <a:schemeClr val="tx1"/>
-            </a:solidFill>
-          </a:ln>
-        </p:spPr>
-        <p:style>
-          <a:lnRef idx="2">
-            <a:schemeClr val="accent1">
-              <a:shade val="50000"/>
-            </a:schemeClr>
-          </a:lnRef>
-          <a:fillRef idx="1">
-            <a:schemeClr val="accent1"/>
-          </a:fillRef>
-          <a:effectRef idx="0">
-            <a:schemeClr val="accent1"/>
-          </a:effectRef>
-          <a:fontRef idx="minor">
-            <a:schemeClr val="lt1"/>
-          </a:fontRef>
-        </p:style>
-        <p:txBody>
-          <a:bodyPr rtlCol="0" anchor="ctr"/>
-          <a:lstStyle/>
-          <a:p>
-            <a:pPr algn="ctr"/>
-            <a:endParaRPr lang="en-US"/>
-          </a:p>
-        </p:txBody>
-      </p:sp>
-      <p:cxnSp>
-        <p:nvCxnSpPr>
-          <p:cNvPr id="168" name="Straight Connector 167">
-            <a:extLst>
-              <a:ext uri="{FF2B5EF4-FFF2-40B4-BE49-F238E27FC236}">
-                <a16:creationId xmlns:a16="http://schemas.microsoft.com/office/drawing/2014/main" id="{F60FF4B3-0554-9741-B3BE-7E671B7D3C22}"/>
-              </a:ext>
-            </a:extLst>
-          </p:cNvPr>
-          <p:cNvCxnSpPr>
-            <a:stCxn id="166" idx="0"/>
-          </p:cNvCxnSpPr>
-          <p:nvPr/>
-        </p:nvCxnSpPr>
-        <p:spPr>
-          <a:xfrm flipV="1">
-            <a:off x="4548141" y="202556"/>
-            <a:ext cx="1570804" cy="1565352"/>
-          </a:xfrm>
-          <a:prstGeom prst="line">
-            <a:avLst/>
-          </a:prstGeom>
-          <a:ln w="19050">
-            <a:solidFill>
-              <a:schemeClr val="tx1"/>
-            </a:solidFill>
-          </a:ln>
-        </p:spPr>
-        <p:style>
-          <a:lnRef idx="1">
-            <a:schemeClr val="accent1"/>
-          </a:lnRef>
-          <a:fillRef idx="0">
-            <a:schemeClr val="accent1"/>
-          </a:fillRef>
-          <a:effectRef idx="0">
-            <a:schemeClr val="accent1"/>
-          </a:effectRef>
-          <a:fontRef idx="minor">
-            <a:schemeClr val="tx1"/>
-          </a:fontRef>
-        </p:style>
-      </p:cxnSp>
-      <p:cxnSp>
-        <p:nvCxnSpPr>
-          <p:cNvPr id="169" name="Straight Connector 168">
-            <a:extLst>
-              <a:ext uri="{FF2B5EF4-FFF2-40B4-BE49-F238E27FC236}">
-                <a16:creationId xmlns:a16="http://schemas.microsoft.com/office/drawing/2014/main" id="{C09FD2C4-2D37-7846-A719-123B1685750A}"/>
-              </a:ext>
-            </a:extLst>
-          </p:cNvPr>
-          <p:cNvCxnSpPr>
-            <a:cxnSpLocks/>
-            <a:stCxn id="166" idx="4"/>
-          </p:cNvCxnSpPr>
-          <p:nvPr/>
-        </p:nvCxnSpPr>
-        <p:spPr>
-          <a:xfrm>
-            <a:off x="4548141" y="3093612"/>
-            <a:ext cx="1570804" cy="1059781"/>
-          </a:xfrm>
-          <a:prstGeom prst="line">
-            <a:avLst/>
-          </a:prstGeom>
-          <a:ln w="19050">
-            <a:solidFill>
-              <a:schemeClr val="tx1"/>
-            </a:solidFill>
-          </a:ln>
-        </p:spPr>
-        <p:style>
-          <a:lnRef idx="1">
-            <a:schemeClr val="accent1"/>
-          </a:lnRef>
-          <a:fillRef idx="0">
-            <a:schemeClr val="accent1"/>
-          </a:fillRef>
-          <a:effectRef idx="0">
-            <a:schemeClr val="accent1"/>
-          </a:effectRef>
-          <a:fontRef idx="minor">
-            <a:schemeClr val="tx1"/>
-          </a:fontRef>
-        </p:style>
-      </p:cxnSp>
-      <p:sp>
-        <p:nvSpPr>
-          <p:cNvPr id="55" name="TextBox 54">
-            <a:extLst>
-              <a:ext uri="{FF2B5EF4-FFF2-40B4-BE49-F238E27FC236}">
-                <a16:creationId xmlns:a16="http://schemas.microsoft.com/office/drawing/2014/main" id="{B0528D72-9680-D945-9D20-8CEFDAC8FBB4}"/>
-              </a:ext>
-            </a:extLst>
-          </p:cNvPr>
-          <p:cNvSpPr txBox="1"/>
-          <p:nvPr/>
-        </p:nvSpPr>
-        <p:spPr>
-          <a:xfrm>
-            <a:off x="3305888" y="4554236"/>
-            <a:ext cx="1674297" cy="276999"/>
-          </a:xfrm>
-          <a:prstGeom prst="rect">
-            <a:avLst/>
-          </a:prstGeom>
-          <a:noFill/>
-          <a:ln>
-            <a:noFill/>
-          </a:ln>
-        </p:spPr>
-        <p:txBody>
-          <a:bodyPr wrap="square" rtlCol="0">
-            <a:spAutoFit/>
-          </a:bodyPr>
-          <a:lstStyle/>
-          <a:p>
-            <a:pPr algn="ctr"/>
-            <a:r>
-              <a:rPr lang="en-US" sz="1200" dirty="0"/>
-              <a:t>L2 Cache</a:t>
-            </a:r>
-          </a:p>
-        </p:txBody>
-      </p:sp>
-      <p:sp>
-        <p:nvSpPr>
-          <p:cNvPr id="2" name="Rectangle 1">
-            <a:extLst>
-              <a:ext uri="{FF2B5EF4-FFF2-40B4-BE49-F238E27FC236}">
-                <a16:creationId xmlns:a16="http://schemas.microsoft.com/office/drawing/2014/main" id="{1CECCC54-85E6-2847-B412-886612F3DCE5}"/>
-              </a:ext>
-            </a:extLst>
-          </p:cNvPr>
-          <p:cNvSpPr/>
-          <p:nvPr/>
-        </p:nvSpPr>
-        <p:spPr>
-          <a:xfrm>
-            <a:off x="3273562" y="4591143"/>
-            <a:ext cx="1698098" cy="189007"/>
-          </a:xfrm>
-          <a:prstGeom prst="rect">
-            <a:avLst/>
-          </a:prstGeom>
-          <a:noFill/>
-          <a:ln>
-            <a:solidFill>
-              <a:schemeClr val="tx1"/>
-            </a:solidFill>
-          </a:ln>
-        </p:spPr>
-        <p:style>
-          <a:lnRef idx="2">
-            <a:schemeClr val="accent1">
-              <a:shade val="50000"/>
-            </a:schemeClr>
-          </a:lnRef>
-          <a:fillRef idx="1">
-            <a:schemeClr val="accent1"/>
-          </a:fillRef>
-          <a:effectRef idx="0">
-            <a:schemeClr val="accent1"/>
-          </a:effectRef>
-          <a:fontRef idx="minor">
-            <a:schemeClr val="lt1"/>
-          </a:fontRef>
-        </p:style>
-        <p:txBody>
-          <a:bodyPr rtlCol="0" anchor="ctr"/>
-          <a:lstStyle/>
-          <a:p>
-            <a:pPr algn="ctr"/>
-            <a:endParaRPr lang="en-US"/>
-          </a:p>
-        </p:txBody>
-      </p:sp>
-      <p:sp>
-        <p:nvSpPr>
-          <p:cNvPr id="58" name="TextBox 57">
-            <a:extLst>
-              <a:ext uri="{FF2B5EF4-FFF2-40B4-BE49-F238E27FC236}">
-                <a16:creationId xmlns:a16="http://schemas.microsoft.com/office/drawing/2014/main" id="{291788AE-6640-A545-B044-A70178B7E6D3}"/>
-              </a:ext>
-            </a:extLst>
-          </p:cNvPr>
-          <p:cNvSpPr txBox="1"/>
-          <p:nvPr/>
-        </p:nvSpPr>
-        <p:spPr>
-          <a:xfrm rot="16200000">
-            <a:off x="3931721" y="4535795"/>
-            <a:ext cx="2586786" cy="307777"/>
-          </a:xfrm>
-          <a:prstGeom prst="rect">
-            <a:avLst/>
-          </a:prstGeom>
-          <a:noFill/>
-          <a:ln w="19050">
-            <a:solidFill>
-              <a:schemeClr val="tx1"/>
-            </a:solidFill>
-          </a:ln>
-        </p:spPr>
-        <p:txBody>
-          <a:bodyPr wrap="square" rtlCol="0">
-            <a:spAutoFit/>
-          </a:bodyPr>
-          <a:lstStyle/>
-          <a:p>
-            <a:pPr algn="ctr"/>
-            <a:r>
-              <a:rPr lang="en-US" sz="1400" dirty="0"/>
-              <a:t>GPU Memory</a:t>
-            </a:r>
-          </a:p>
-        </p:txBody>
-      </p:sp>
-      <p:sp>
-        <p:nvSpPr>
-          <p:cNvPr id="59" name="TextBox 58">
-            <a:extLst>
-              <a:ext uri="{FF2B5EF4-FFF2-40B4-BE49-F238E27FC236}">
-                <a16:creationId xmlns:a16="http://schemas.microsoft.com/office/drawing/2014/main" id="{95CB5FC9-3DA0-5541-8E16-AADA0DDBA2C8}"/>
-              </a:ext>
-            </a:extLst>
-          </p:cNvPr>
-          <p:cNvSpPr txBox="1"/>
-          <p:nvPr/>
-        </p:nvSpPr>
-        <p:spPr>
-          <a:xfrm>
-            <a:off x="1403070" y="4540711"/>
-            <a:ext cx="1674297" cy="276999"/>
-          </a:xfrm>
-          <a:prstGeom prst="rect">
-            <a:avLst/>
-          </a:prstGeom>
-          <a:noFill/>
-          <a:ln>
-            <a:noFill/>
-          </a:ln>
-        </p:spPr>
-        <p:txBody>
-          <a:bodyPr wrap="square" rtlCol="0">
-            <a:spAutoFit/>
-          </a:bodyPr>
-          <a:lstStyle/>
-          <a:p>
-            <a:pPr algn="ctr"/>
-            <a:r>
-              <a:rPr lang="en-US" sz="1200" dirty="0"/>
-              <a:t>L2 Cache</a:t>
-            </a:r>
-          </a:p>
-        </p:txBody>
-      </p:sp>
-      <p:sp>
-        <p:nvSpPr>
-          <p:cNvPr id="60" name="Rectangle 59">
-            <a:extLst>
-              <a:ext uri="{FF2B5EF4-FFF2-40B4-BE49-F238E27FC236}">
-                <a16:creationId xmlns:a16="http://schemas.microsoft.com/office/drawing/2014/main" id="{45FA450A-9AED-CA4F-9E09-8C0D2C9164D0}"/>
-              </a:ext>
-            </a:extLst>
-          </p:cNvPr>
-          <p:cNvSpPr/>
-          <p:nvPr/>
-        </p:nvSpPr>
-        <p:spPr>
-          <a:xfrm>
-            <a:off x="1370744" y="4577618"/>
-            <a:ext cx="1698098" cy="189007"/>
-          </a:xfrm>
-          <a:prstGeom prst="rect">
-            <a:avLst/>
-          </a:prstGeom>
-          <a:noFill/>
-          <a:ln>
-            <a:solidFill>
-              <a:schemeClr val="tx1"/>
-            </a:solidFill>
-          </a:ln>
-        </p:spPr>
-        <p:style>
-          <a:lnRef idx="2">
-            <a:schemeClr val="accent1">
-              <a:shade val="50000"/>
-            </a:schemeClr>
-          </a:lnRef>
-          <a:fillRef idx="1">
-            <a:schemeClr val="accent1"/>
-          </a:fillRef>
-          <a:effectRef idx="0">
-            <a:schemeClr val="accent1"/>
-          </a:effectRef>
-          <a:fontRef idx="minor">
-            <a:schemeClr val="lt1"/>
-          </a:fontRef>
-        </p:style>
-        <p:txBody>
-          <a:bodyPr rtlCol="0" anchor="ctr"/>
-          <a:lstStyle/>
-          <a:p>
-            <a:pPr algn="ctr"/>
-            <a:endParaRPr lang="en-US"/>
-          </a:p>
-        </p:txBody>
-      </p:sp>
-      <p:sp>
-        <p:nvSpPr>
-          <p:cNvPr id="61" name="Rectangle 60">
-            <a:extLst>
-              <a:ext uri="{FF2B5EF4-FFF2-40B4-BE49-F238E27FC236}">
-                <a16:creationId xmlns:a16="http://schemas.microsoft.com/office/drawing/2014/main" id="{6F8A6694-B99E-EB47-A7D9-F3EEFCB3675E}"/>
-              </a:ext>
-            </a:extLst>
-          </p:cNvPr>
-          <p:cNvSpPr/>
-          <p:nvPr/>
-        </p:nvSpPr>
-        <p:spPr>
-          <a:xfrm>
-            <a:off x="1306033" y="463153"/>
-            <a:ext cx="1822952" cy="2581454"/>
-          </a:xfrm>
-          <a:prstGeom prst="rect">
-            <a:avLst/>
-          </a:prstGeom>
-          <a:noFill/>
-          <a:ln w="19050">
-            <a:solidFill>
-              <a:schemeClr val="tx1"/>
-            </a:solidFill>
-          </a:ln>
-        </p:spPr>
-        <p:style>
-          <a:lnRef idx="2">
-            <a:schemeClr val="accent1">
-              <a:shade val="50000"/>
-            </a:schemeClr>
-          </a:lnRef>
-          <a:fillRef idx="1">
-            <a:schemeClr val="accent1"/>
-          </a:fillRef>
-          <a:effectRef idx="0">
-            <a:schemeClr val="accent1"/>
-          </a:effectRef>
-          <a:fontRef idx="minor">
-            <a:schemeClr val="lt1"/>
-          </a:fontRef>
-        </p:style>
-        <p:txBody>
-          <a:bodyPr rtlCol="0" anchor="ctr"/>
-          <a:lstStyle/>
-          <a:p>
-            <a:pPr algn="ctr"/>
-            <a:endParaRPr lang="en-US"/>
-          </a:p>
-        </p:txBody>
-      </p:sp>
-      <p:sp>
-        <p:nvSpPr>
-          <p:cNvPr id="62" name="TextBox 61">
-            <a:extLst>
-              <a:ext uri="{FF2B5EF4-FFF2-40B4-BE49-F238E27FC236}">
-                <a16:creationId xmlns:a16="http://schemas.microsoft.com/office/drawing/2014/main" id="{4F912A96-1C72-5F47-A2A3-40C92927D176}"/>
-              </a:ext>
-            </a:extLst>
-          </p:cNvPr>
-          <p:cNvSpPr txBox="1"/>
-          <p:nvPr/>
-        </p:nvSpPr>
-        <p:spPr>
-          <a:xfrm>
-            <a:off x="1398301" y="1607794"/>
-            <a:ext cx="1674297" cy="276999"/>
-          </a:xfrm>
-          <a:prstGeom prst="rect">
-            <a:avLst/>
-          </a:prstGeom>
-          <a:noFill/>
-          <a:ln>
-            <a:noFill/>
-          </a:ln>
-        </p:spPr>
-        <p:txBody>
-          <a:bodyPr wrap="square" rtlCol="0">
-            <a:spAutoFit/>
-          </a:bodyPr>
-          <a:lstStyle/>
-          <a:p>
-            <a:pPr algn="ctr"/>
-            <a:r>
-              <a:rPr lang="en-US" sz="1200" dirty="0"/>
-              <a:t>L2 Cache</a:t>
-            </a:r>
-          </a:p>
-        </p:txBody>
-      </p:sp>
-      <p:sp>
-        <p:nvSpPr>
-          <p:cNvPr id="63" name="Rectangle 62">
-            <a:extLst>
-              <a:ext uri="{FF2B5EF4-FFF2-40B4-BE49-F238E27FC236}">
-                <a16:creationId xmlns:a16="http://schemas.microsoft.com/office/drawing/2014/main" id="{2376A9C7-9280-4040-8A9A-400E723D6487}"/>
-              </a:ext>
-            </a:extLst>
-          </p:cNvPr>
-          <p:cNvSpPr/>
-          <p:nvPr/>
-        </p:nvSpPr>
-        <p:spPr>
-          <a:xfrm>
-            <a:off x="1365975" y="1644701"/>
-            <a:ext cx="1698098" cy="189007"/>
-          </a:xfrm>
-          <a:prstGeom prst="rect">
-            <a:avLst/>
-          </a:prstGeom>
-          <a:noFill/>
-          <a:ln>
-            <a:solidFill>
-              <a:schemeClr val="tx1"/>
-            </a:solidFill>
-          </a:ln>
-        </p:spPr>
-        <p:style>
-          <a:lnRef idx="2">
-            <a:schemeClr val="accent1">
-              <a:shade val="50000"/>
-            </a:schemeClr>
-          </a:lnRef>
-          <a:fillRef idx="1">
-            <a:schemeClr val="accent1"/>
-          </a:fillRef>
-          <a:effectRef idx="0">
-            <a:schemeClr val="accent1"/>
-          </a:effectRef>
-          <a:fontRef idx="minor">
-            <a:schemeClr val="lt1"/>
-          </a:fontRef>
-        </p:style>
-        <p:txBody>
-          <a:bodyPr rtlCol="0" anchor="ctr"/>
-          <a:lstStyle/>
-          <a:p>
-            <a:pPr algn="ctr"/>
-            <a:endParaRPr lang="en-US"/>
-          </a:p>
-        </p:txBody>
-      </p:sp>
-      <p:sp>
-        <p:nvSpPr>
-          <p:cNvPr id="64" name="TextBox 63">
-            <a:extLst>
-              <a:ext uri="{FF2B5EF4-FFF2-40B4-BE49-F238E27FC236}">
-                <a16:creationId xmlns:a16="http://schemas.microsoft.com/office/drawing/2014/main" id="{908506CC-7AD1-3243-9C14-60CC62523950}"/>
-              </a:ext>
-            </a:extLst>
-          </p:cNvPr>
-          <p:cNvSpPr txBox="1"/>
-          <p:nvPr/>
-        </p:nvSpPr>
-        <p:spPr>
-          <a:xfrm>
-            <a:off x="3301864" y="1605248"/>
-            <a:ext cx="1674297" cy="276999"/>
-          </a:xfrm>
-          <a:prstGeom prst="rect">
-            <a:avLst/>
-          </a:prstGeom>
-          <a:noFill/>
-          <a:ln>
-            <a:noFill/>
-          </a:ln>
-        </p:spPr>
-        <p:txBody>
-          <a:bodyPr wrap="square" rtlCol="0">
-            <a:spAutoFit/>
-          </a:bodyPr>
-          <a:lstStyle/>
-          <a:p>
-            <a:pPr algn="ctr"/>
-            <a:r>
-              <a:rPr lang="en-US" sz="1200" dirty="0"/>
-              <a:t>L2 Cache</a:t>
-            </a:r>
-          </a:p>
-        </p:txBody>
-      </p:sp>
-      <p:sp>
-        <p:nvSpPr>
-          <p:cNvPr id="65" name="Rectangle 64">
-            <a:extLst>
-              <a:ext uri="{FF2B5EF4-FFF2-40B4-BE49-F238E27FC236}">
-                <a16:creationId xmlns:a16="http://schemas.microsoft.com/office/drawing/2014/main" id="{B54C2EF8-8163-5641-8B53-30D4F2D18B5A}"/>
-              </a:ext>
-            </a:extLst>
-          </p:cNvPr>
-          <p:cNvSpPr/>
-          <p:nvPr/>
-        </p:nvSpPr>
-        <p:spPr>
-          <a:xfrm>
-            <a:off x="3269538" y="1642155"/>
-            <a:ext cx="1698098" cy="189007"/>
-          </a:xfrm>
-          <a:prstGeom prst="rect">
-            <a:avLst/>
-          </a:prstGeom>
-          <a:noFill/>
-          <a:ln>
-            <a:solidFill>
-              <a:schemeClr val="tx1"/>
-            </a:solidFill>
-          </a:ln>
-        </p:spPr>
-        <p:style>
-          <a:lnRef idx="2">
-            <a:schemeClr val="accent1">
-              <a:shade val="50000"/>
-            </a:schemeClr>
-          </a:lnRef>
-          <a:fillRef idx="1">
-            <a:schemeClr val="accent1"/>
-          </a:fillRef>
-          <a:effectRef idx="0">
-            <a:schemeClr val="accent1"/>
-          </a:effectRef>
-          <a:fontRef idx="minor">
-            <a:schemeClr val="lt1"/>
-          </a:fontRef>
-        </p:style>
-        <p:txBody>
-          <a:bodyPr rtlCol="0" anchor="ctr"/>
-          <a:lstStyle/>
-          <a:p>
-            <a:pPr algn="ctr"/>
-            <a:endParaRPr lang="en-US"/>
-          </a:p>
-        </p:txBody>
-      </p:sp>
-      <p:sp>
-        <p:nvSpPr>
-          <p:cNvPr id="66" name="TextBox 65">
-            <a:extLst>
-              <a:ext uri="{FF2B5EF4-FFF2-40B4-BE49-F238E27FC236}">
-                <a16:creationId xmlns:a16="http://schemas.microsoft.com/office/drawing/2014/main" id="{FD6306BC-4310-BD47-B54E-F3CC0E6458CA}"/>
-              </a:ext>
-            </a:extLst>
-          </p:cNvPr>
-          <p:cNvSpPr txBox="1"/>
-          <p:nvPr/>
-        </p:nvSpPr>
-        <p:spPr>
-          <a:xfrm rot="16200000">
-            <a:off x="3971332" y="1599831"/>
-            <a:ext cx="2586786" cy="307777"/>
-          </a:xfrm>
-          <a:prstGeom prst="rect">
-            <a:avLst/>
-          </a:prstGeom>
-          <a:noFill/>
-          <a:ln w="19050">
-            <a:solidFill>
-              <a:schemeClr val="tx1"/>
-            </a:solidFill>
-          </a:ln>
-        </p:spPr>
-        <p:txBody>
-          <a:bodyPr wrap="square" rtlCol="0">
-            <a:spAutoFit/>
-          </a:bodyPr>
-          <a:lstStyle/>
-          <a:p>
-            <a:pPr algn="ctr"/>
-            <a:r>
-              <a:rPr lang="en-US" sz="1400" dirty="0"/>
-              <a:t>GPU Memory</a:t>
-            </a:r>
-          </a:p>
-        </p:txBody>
-      </p:sp>
-      <p:sp>
-        <p:nvSpPr>
-          <p:cNvPr id="67" name="TextBox 66">
-            <a:extLst>
-              <a:ext uri="{FF2B5EF4-FFF2-40B4-BE49-F238E27FC236}">
-                <a16:creationId xmlns:a16="http://schemas.microsoft.com/office/drawing/2014/main" id="{D35D0960-A133-E94E-8D53-BFEB87336965}"/>
-              </a:ext>
-            </a:extLst>
-          </p:cNvPr>
-          <p:cNvSpPr txBox="1"/>
-          <p:nvPr/>
-        </p:nvSpPr>
-        <p:spPr>
-          <a:xfrm rot="16200000">
-            <a:off x="-212385" y="1608154"/>
-            <a:ext cx="2586786" cy="307777"/>
-          </a:xfrm>
-          <a:prstGeom prst="rect">
-            <a:avLst/>
-          </a:prstGeom>
-          <a:noFill/>
-          <a:ln w="19050">
-            <a:solidFill>
-              <a:schemeClr val="tx1"/>
-            </a:solidFill>
-          </a:ln>
-        </p:spPr>
-        <p:txBody>
-          <a:bodyPr wrap="square" rtlCol="0">
-            <a:spAutoFit/>
-          </a:bodyPr>
-          <a:lstStyle/>
-          <a:p>
-            <a:pPr algn="ctr"/>
-            <a:r>
-              <a:rPr lang="en-US" sz="1400" dirty="0"/>
-              <a:t>GPU Memory</a:t>
-            </a:r>
-          </a:p>
-        </p:txBody>
-      </p:sp>
-      <p:sp>
-        <p:nvSpPr>
-          <p:cNvPr id="68" name="TextBox 67">
-            <a:extLst>
-              <a:ext uri="{FF2B5EF4-FFF2-40B4-BE49-F238E27FC236}">
-                <a16:creationId xmlns:a16="http://schemas.microsoft.com/office/drawing/2014/main" id="{207C2CC9-3EC2-D94D-B740-391210F50EF6}"/>
-              </a:ext>
-            </a:extLst>
-          </p:cNvPr>
-          <p:cNvSpPr txBox="1"/>
-          <p:nvPr/>
-        </p:nvSpPr>
-        <p:spPr>
-          <a:xfrm rot="16200000">
-            <a:off x="-198707" y="4531758"/>
-            <a:ext cx="2586786" cy="307777"/>
-          </a:xfrm>
-          <a:prstGeom prst="rect">
-            <a:avLst/>
-          </a:prstGeom>
-          <a:noFill/>
-          <a:ln w="19050">
-            <a:solidFill>
-              <a:schemeClr val="tx1"/>
-            </a:solidFill>
-          </a:ln>
-        </p:spPr>
-        <p:txBody>
-          <a:bodyPr wrap="square" rtlCol="0">
-            <a:spAutoFit/>
-          </a:bodyPr>
-          <a:lstStyle/>
-          <a:p>
-            <a:pPr algn="ctr"/>
-            <a:r>
-              <a:rPr lang="en-US" sz="1400" dirty="0"/>
-              <a:t>GPU Memory</a:t>
-            </a:r>
-          </a:p>
-        </p:txBody>
-      </p:sp>
-    </p:spTree>
-    <p:extLst>
-      <p:ext uri="{BB962C8B-B14F-4D97-AF65-F5344CB8AC3E}">
-        <p14:creationId xmlns:p14="http://schemas.microsoft.com/office/powerpoint/2010/main" val="1147442474"/>
-      </p:ext>
-    </p:extLst>
-  </p:cSld>
-  <p:clrMapOvr>
-    <a:masterClrMapping/>
-  </p:clrMapOvr>
-</p:sld>
-</file>
-
-<file path=ppt/slides/slide3.xml><?xml version="1.0" encoding="utf-8"?>
-<p:sld xmlns:a="http://schemas.openxmlformats.org/drawingml/2006/main" xmlns:r="http://schemas.openxmlformats.org/officeDocument/2006/relationships" xmlns:p="http://schemas.openxmlformats.org/presentationml/2006/main">
-  <p:cSld>
-    <p:spTree>
-      <p:nvGrpSpPr>
-        <p:cNvPr id="1" name=""/>
-        <p:cNvGrpSpPr/>
-        <p:nvPr/>
-      </p:nvGrpSpPr>
-      <p:grpSpPr>
-        <a:xfrm>
-          <a:off x="0" y="0"/>
-          <a:ext cx="0" cy="0"/>
-          <a:chOff x="0" y="0"/>
-          <a:chExt cx="0" cy="0"/>
-        </a:xfrm>
-      </p:grpSpPr>
-      <p:sp>
-        <p:nvSpPr>
-          <p:cNvPr id="4" name="TextBox 3">
-            <a:extLst>
-              <a:ext uri="{FF2B5EF4-FFF2-40B4-BE49-F238E27FC236}">
-                <a16:creationId xmlns:a16="http://schemas.microsoft.com/office/drawing/2014/main" id="{EAF8C995-78B4-3B4D-BC15-85CE42E9FE6F}"/>
-              </a:ext>
-            </a:extLst>
-          </p:cNvPr>
-          <p:cNvSpPr txBox="1"/>
-          <p:nvPr/>
-        </p:nvSpPr>
-        <p:spPr>
-          <a:xfrm>
-            <a:off x="5291496" y="696577"/>
-            <a:ext cx="2730457" cy="276999"/>
-          </a:xfrm>
-          <a:prstGeom prst="rect">
-            <a:avLst/>
-          </a:prstGeom>
-          <a:noFill/>
-          <a:ln>
-            <a:solidFill>
-              <a:schemeClr val="tx1"/>
-            </a:solidFill>
-          </a:ln>
-        </p:spPr>
-        <p:txBody>
-          <a:bodyPr wrap="square" rtlCol="0">
-            <a:spAutoFit/>
-          </a:bodyPr>
-          <a:lstStyle/>
-          <a:p>
-            <a:pPr algn="ctr"/>
-            <a:r>
-              <a:rPr lang="en-US" sz="1200" dirty="0"/>
-              <a:t>Instruction Cache</a:t>
-            </a:r>
-          </a:p>
-        </p:txBody>
-      </p:sp>
-      <p:sp>
-        <p:nvSpPr>
-          <p:cNvPr id="5" name="TextBox 4">
-            <a:extLst>
-              <a:ext uri="{FF2B5EF4-FFF2-40B4-BE49-F238E27FC236}">
-                <a16:creationId xmlns:a16="http://schemas.microsoft.com/office/drawing/2014/main" id="{86CC358D-86D0-C044-A670-A16EE667E0BB}"/>
-              </a:ext>
-            </a:extLst>
-          </p:cNvPr>
-          <p:cNvSpPr txBox="1"/>
-          <p:nvPr/>
-        </p:nvSpPr>
-        <p:spPr>
-          <a:xfrm>
-            <a:off x="5304320" y="1052904"/>
-            <a:ext cx="2730458" cy="276999"/>
-          </a:xfrm>
-          <a:prstGeom prst="rect">
-            <a:avLst/>
-          </a:prstGeom>
-          <a:noFill/>
-          <a:ln>
-            <a:solidFill>
-              <a:schemeClr val="tx1"/>
-            </a:solidFill>
-          </a:ln>
-        </p:spPr>
-        <p:txBody>
-          <a:bodyPr wrap="square" rtlCol="0">
-            <a:spAutoFit/>
-          </a:bodyPr>
-          <a:lstStyle/>
-          <a:p>
-            <a:pPr algn="ctr"/>
-            <a:r>
-              <a:rPr lang="en-US" sz="1200" dirty="0"/>
-              <a:t>SIMD Thread Scheduler</a:t>
-            </a:r>
-          </a:p>
-        </p:txBody>
-      </p:sp>
-      <p:sp>
-        <p:nvSpPr>
-          <p:cNvPr id="6" name="TextBox 5">
-            <a:extLst>
-              <a:ext uri="{FF2B5EF4-FFF2-40B4-BE49-F238E27FC236}">
-                <a16:creationId xmlns:a16="http://schemas.microsoft.com/office/drawing/2014/main" id="{F553DD85-91DE-6044-B824-5208EBD27F02}"/>
-              </a:ext>
-            </a:extLst>
-          </p:cNvPr>
-          <p:cNvSpPr txBox="1"/>
-          <p:nvPr/>
-        </p:nvSpPr>
-        <p:spPr>
-          <a:xfrm>
-            <a:off x="5304320" y="1392269"/>
-            <a:ext cx="1295843" cy="276999"/>
-          </a:xfrm>
-          <a:prstGeom prst="rect">
-            <a:avLst/>
-          </a:prstGeom>
-          <a:noFill/>
-          <a:ln>
-            <a:solidFill>
-              <a:schemeClr val="tx1"/>
-            </a:solidFill>
-          </a:ln>
-        </p:spPr>
-        <p:txBody>
-          <a:bodyPr wrap="square" rtlCol="0">
-            <a:spAutoFit/>
-          </a:bodyPr>
-          <a:lstStyle/>
-          <a:p>
-            <a:pPr algn="ctr"/>
-            <a:r>
-              <a:rPr lang="en-US" sz="1200" dirty="0"/>
-              <a:t>Dispatch Unit</a:t>
-            </a:r>
-          </a:p>
-        </p:txBody>
-      </p:sp>
-      <p:sp>
-        <p:nvSpPr>
-          <p:cNvPr id="7" name="TextBox 6">
-            <a:extLst>
-              <a:ext uri="{FF2B5EF4-FFF2-40B4-BE49-F238E27FC236}">
-                <a16:creationId xmlns:a16="http://schemas.microsoft.com/office/drawing/2014/main" id="{7EC3B089-F588-B345-AC01-C95B473FEA44}"/>
-              </a:ext>
-            </a:extLst>
-          </p:cNvPr>
-          <p:cNvSpPr txBox="1"/>
-          <p:nvPr/>
-        </p:nvSpPr>
-        <p:spPr>
-          <a:xfrm>
-            <a:off x="5304320" y="2090796"/>
-            <a:ext cx="604715" cy="461665"/>
-          </a:xfrm>
-          <a:prstGeom prst="rect">
-            <a:avLst/>
-          </a:prstGeom>
-          <a:noFill/>
-          <a:ln>
-            <a:solidFill>
-              <a:schemeClr val="tx1"/>
-            </a:solidFill>
-          </a:ln>
-        </p:spPr>
-        <p:txBody>
-          <a:bodyPr wrap="square" rtlCol="0">
-            <a:spAutoFit/>
-          </a:bodyPr>
-          <a:lstStyle/>
-          <a:p>
-            <a:pPr algn="ctr"/>
-            <a:r>
-              <a:rPr lang="en-US" sz="1200" dirty="0"/>
-              <a:t>SIMD Lane</a:t>
-            </a:r>
-          </a:p>
-        </p:txBody>
-      </p:sp>
-      <p:sp>
-        <p:nvSpPr>
-          <p:cNvPr id="8" name="TextBox 7">
-            <a:extLst>
-              <a:ext uri="{FF2B5EF4-FFF2-40B4-BE49-F238E27FC236}">
-                <a16:creationId xmlns:a16="http://schemas.microsoft.com/office/drawing/2014/main" id="{A1B8E197-29B1-9043-BBC1-82619CC9A31C}"/>
-              </a:ext>
-            </a:extLst>
-          </p:cNvPr>
-          <p:cNvSpPr txBox="1"/>
-          <p:nvPr/>
-        </p:nvSpPr>
-        <p:spPr>
-          <a:xfrm>
-            <a:off x="5304320" y="1740761"/>
-            <a:ext cx="2730458" cy="276999"/>
-          </a:xfrm>
-          <a:prstGeom prst="rect">
-            <a:avLst/>
-          </a:prstGeom>
-          <a:noFill/>
-          <a:ln>
-            <a:solidFill>
-              <a:schemeClr val="tx1"/>
-            </a:solidFill>
-          </a:ln>
-        </p:spPr>
-        <p:txBody>
-          <a:bodyPr wrap="square" rtlCol="0">
-            <a:spAutoFit/>
-          </a:bodyPr>
-          <a:lstStyle/>
-          <a:p>
-            <a:pPr algn="ctr"/>
-            <a:r>
-              <a:rPr lang="en-US" sz="1200" dirty="0"/>
-              <a:t>Register File</a:t>
-            </a:r>
-          </a:p>
-        </p:txBody>
-      </p:sp>
-      <p:sp>
-        <p:nvSpPr>
-          <p:cNvPr id="9" name="TextBox 8">
-            <a:extLst>
-              <a:ext uri="{FF2B5EF4-FFF2-40B4-BE49-F238E27FC236}">
-                <a16:creationId xmlns:a16="http://schemas.microsoft.com/office/drawing/2014/main" id="{4998A30C-3285-8F41-A724-BF3178495666}"/>
-              </a:ext>
-            </a:extLst>
-          </p:cNvPr>
-          <p:cNvSpPr txBox="1"/>
-          <p:nvPr/>
-        </p:nvSpPr>
-        <p:spPr>
-          <a:xfrm>
-            <a:off x="6012901" y="2090796"/>
-            <a:ext cx="604715" cy="461665"/>
-          </a:xfrm>
-          <a:prstGeom prst="rect">
-            <a:avLst/>
-          </a:prstGeom>
-          <a:noFill/>
-          <a:ln>
-            <a:solidFill>
-              <a:schemeClr val="tx1"/>
-            </a:solidFill>
-          </a:ln>
-        </p:spPr>
-        <p:txBody>
-          <a:bodyPr wrap="square" rtlCol="0">
-            <a:spAutoFit/>
-          </a:bodyPr>
-          <a:lstStyle/>
-          <a:p>
-            <a:pPr algn="ctr"/>
-            <a:r>
-              <a:rPr lang="en-US" sz="1200" dirty="0"/>
-              <a:t>SIMD Lane</a:t>
-            </a:r>
-          </a:p>
-        </p:txBody>
-      </p:sp>
-      <p:sp>
-        <p:nvSpPr>
-          <p:cNvPr id="10" name="TextBox 9">
-            <a:extLst>
-              <a:ext uri="{FF2B5EF4-FFF2-40B4-BE49-F238E27FC236}">
-                <a16:creationId xmlns:a16="http://schemas.microsoft.com/office/drawing/2014/main" id="{38290A69-9789-364C-A7DE-A23F2E096437}"/>
-              </a:ext>
-            </a:extLst>
-          </p:cNvPr>
-          <p:cNvSpPr txBox="1"/>
-          <p:nvPr/>
-        </p:nvSpPr>
-        <p:spPr>
-          <a:xfrm>
-            <a:off x="6721482" y="2093587"/>
-            <a:ext cx="604715" cy="461665"/>
-          </a:xfrm>
-          <a:prstGeom prst="rect">
-            <a:avLst/>
-          </a:prstGeom>
-          <a:noFill/>
-          <a:ln>
-            <a:solidFill>
-              <a:schemeClr val="tx1"/>
-            </a:solidFill>
-          </a:ln>
-        </p:spPr>
-        <p:txBody>
-          <a:bodyPr wrap="square" rtlCol="0">
-            <a:spAutoFit/>
-          </a:bodyPr>
-          <a:lstStyle/>
-          <a:p>
-            <a:pPr algn="ctr"/>
-            <a:r>
-              <a:rPr lang="en-US" sz="1200" dirty="0"/>
-              <a:t>SIMD Lane</a:t>
-            </a:r>
-          </a:p>
-        </p:txBody>
-      </p:sp>
-      <p:sp>
-        <p:nvSpPr>
-          <p:cNvPr id="11" name="TextBox 10">
-            <a:extLst>
-              <a:ext uri="{FF2B5EF4-FFF2-40B4-BE49-F238E27FC236}">
-                <a16:creationId xmlns:a16="http://schemas.microsoft.com/office/drawing/2014/main" id="{9586E299-89E8-3549-9B83-362C67507F53}"/>
-              </a:ext>
-            </a:extLst>
-          </p:cNvPr>
-          <p:cNvSpPr txBox="1"/>
-          <p:nvPr/>
-        </p:nvSpPr>
-        <p:spPr>
-          <a:xfrm>
-            <a:off x="7430063" y="2090796"/>
-            <a:ext cx="604715" cy="461665"/>
-          </a:xfrm>
-          <a:prstGeom prst="rect">
-            <a:avLst/>
-          </a:prstGeom>
-          <a:noFill/>
-          <a:ln>
-            <a:solidFill>
-              <a:schemeClr val="tx1"/>
-            </a:solidFill>
-          </a:ln>
-        </p:spPr>
-        <p:txBody>
-          <a:bodyPr wrap="square" rtlCol="0">
-            <a:spAutoFit/>
-          </a:bodyPr>
-          <a:lstStyle/>
-          <a:p>
-            <a:pPr algn="ctr"/>
-            <a:r>
-              <a:rPr lang="en-US" sz="1200" dirty="0"/>
-              <a:t>SIMD Lane</a:t>
-            </a:r>
-          </a:p>
-        </p:txBody>
-      </p:sp>
-      <p:sp>
-        <p:nvSpPr>
-          <p:cNvPr id="12" name="TextBox 11">
-            <a:extLst>
-              <a:ext uri="{FF2B5EF4-FFF2-40B4-BE49-F238E27FC236}">
-                <a16:creationId xmlns:a16="http://schemas.microsoft.com/office/drawing/2014/main" id="{988F9B4E-78D6-8D42-B850-61395057586D}"/>
-              </a:ext>
-            </a:extLst>
-          </p:cNvPr>
-          <p:cNvSpPr txBox="1"/>
-          <p:nvPr/>
-        </p:nvSpPr>
-        <p:spPr>
-          <a:xfrm>
-            <a:off x="5304320" y="2630060"/>
-            <a:ext cx="604715" cy="461665"/>
-          </a:xfrm>
-          <a:prstGeom prst="rect">
-            <a:avLst/>
-          </a:prstGeom>
-          <a:noFill/>
-          <a:ln>
-            <a:solidFill>
-              <a:schemeClr val="tx1"/>
-            </a:solidFill>
-          </a:ln>
-        </p:spPr>
-        <p:txBody>
-          <a:bodyPr wrap="square" rtlCol="0">
-            <a:spAutoFit/>
-          </a:bodyPr>
-          <a:lstStyle/>
-          <a:p>
-            <a:pPr algn="ctr"/>
-            <a:r>
-              <a:rPr lang="en-US" sz="1200" dirty="0"/>
-              <a:t>SIMD Lane</a:t>
-            </a:r>
-          </a:p>
-        </p:txBody>
-      </p:sp>
-      <p:sp>
-        <p:nvSpPr>
-          <p:cNvPr id="13" name="TextBox 12">
-            <a:extLst>
-              <a:ext uri="{FF2B5EF4-FFF2-40B4-BE49-F238E27FC236}">
-                <a16:creationId xmlns:a16="http://schemas.microsoft.com/office/drawing/2014/main" id="{F0C5F3E6-86D2-F449-BDFC-97AFA00629CD}"/>
-              </a:ext>
-            </a:extLst>
-          </p:cNvPr>
-          <p:cNvSpPr txBox="1"/>
-          <p:nvPr/>
-        </p:nvSpPr>
-        <p:spPr>
-          <a:xfrm>
-            <a:off x="6012901" y="2630060"/>
-            <a:ext cx="604715" cy="461665"/>
-          </a:xfrm>
-          <a:prstGeom prst="rect">
-            <a:avLst/>
-          </a:prstGeom>
-          <a:noFill/>
-          <a:ln>
-            <a:solidFill>
-              <a:schemeClr val="tx1"/>
-            </a:solidFill>
-          </a:ln>
-        </p:spPr>
-        <p:txBody>
-          <a:bodyPr wrap="square" rtlCol="0">
-            <a:spAutoFit/>
-          </a:bodyPr>
-          <a:lstStyle/>
-          <a:p>
-            <a:pPr algn="ctr"/>
-            <a:r>
-              <a:rPr lang="en-US" sz="1200" dirty="0"/>
-              <a:t>SIMD Lane</a:t>
-            </a:r>
-          </a:p>
-        </p:txBody>
-      </p:sp>
-      <p:sp>
-        <p:nvSpPr>
-          <p:cNvPr id="14" name="TextBox 13">
-            <a:extLst>
-              <a:ext uri="{FF2B5EF4-FFF2-40B4-BE49-F238E27FC236}">
-                <a16:creationId xmlns:a16="http://schemas.microsoft.com/office/drawing/2014/main" id="{B98170DD-EB1C-BF47-AC2B-9B86186E207C}"/>
-              </a:ext>
-            </a:extLst>
-          </p:cNvPr>
-          <p:cNvSpPr txBox="1"/>
-          <p:nvPr/>
-        </p:nvSpPr>
-        <p:spPr>
-          <a:xfrm>
-            <a:off x="6721482" y="2632851"/>
-            <a:ext cx="604715" cy="461665"/>
-          </a:xfrm>
-          <a:prstGeom prst="rect">
-            <a:avLst/>
-          </a:prstGeom>
-          <a:noFill/>
-          <a:ln>
-            <a:solidFill>
-              <a:schemeClr val="tx1"/>
-            </a:solidFill>
-          </a:ln>
-        </p:spPr>
-        <p:txBody>
-          <a:bodyPr wrap="square" rtlCol="0">
-            <a:spAutoFit/>
-          </a:bodyPr>
-          <a:lstStyle/>
-          <a:p>
-            <a:pPr algn="ctr"/>
-            <a:r>
-              <a:rPr lang="en-US" sz="1200" dirty="0"/>
-              <a:t>SIMD Lane</a:t>
-            </a:r>
-          </a:p>
-        </p:txBody>
-      </p:sp>
-      <p:sp>
-        <p:nvSpPr>
-          <p:cNvPr id="15" name="TextBox 14">
-            <a:extLst>
-              <a:ext uri="{FF2B5EF4-FFF2-40B4-BE49-F238E27FC236}">
-                <a16:creationId xmlns:a16="http://schemas.microsoft.com/office/drawing/2014/main" id="{6AC39F91-915F-2C40-89D7-062A27CAF82A}"/>
-              </a:ext>
-            </a:extLst>
-          </p:cNvPr>
-          <p:cNvSpPr txBox="1"/>
-          <p:nvPr/>
-        </p:nvSpPr>
-        <p:spPr>
-          <a:xfrm>
-            <a:off x="7430063" y="2630060"/>
-            <a:ext cx="604715" cy="461665"/>
-          </a:xfrm>
-          <a:prstGeom prst="rect">
-            <a:avLst/>
-          </a:prstGeom>
-          <a:noFill/>
-          <a:ln>
-            <a:solidFill>
-              <a:schemeClr val="tx1"/>
-            </a:solidFill>
-          </a:ln>
-        </p:spPr>
-        <p:txBody>
-          <a:bodyPr wrap="square" rtlCol="0">
-            <a:spAutoFit/>
-          </a:bodyPr>
-          <a:lstStyle/>
-          <a:p>
-            <a:pPr algn="ctr"/>
-            <a:r>
-              <a:rPr lang="en-US" sz="1200" dirty="0"/>
-              <a:t>SIMD Lane</a:t>
-            </a:r>
-          </a:p>
-        </p:txBody>
-      </p:sp>
-      <p:sp>
-        <p:nvSpPr>
-          <p:cNvPr id="16" name="TextBox 15">
-            <a:extLst>
-              <a:ext uri="{FF2B5EF4-FFF2-40B4-BE49-F238E27FC236}">
-                <a16:creationId xmlns:a16="http://schemas.microsoft.com/office/drawing/2014/main" id="{2303882A-B9F8-3343-BAD9-A01CFAF4DD67}"/>
-              </a:ext>
-            </a:extLst>
-          </p:cNvPr>
-          <p:cNvSpPr txBox="1"/>
-          <p:nvPr/>
-        </p:nvSpPr>
-        <p:spPr>
-          <a:xfrm>
-            <a:off x="5304320" y="3177886"/>
-            <a:ext cx="604715" cy="461665"/>
-          </a:xfrm>
-          <a:prstGeom prst="rect">
-            <a:avLst/>
-          </a:prstGeom>
-          <a:noFill/>
-          <a:ln>
-            <a:solidFill>
-              <a:schemeClr val="tx1"/>
-            </a:solidFill>
-          </a:ln>
-        </p:spPr>
-        <p:txBody>
-          <a:bodyPr wrap="square" rtlCol="0">
-            <a:spAutoFit/>
-          </a:bodyPr>
-          <a:lstStyle/>
-          <a:p>
-            <a:pPr algn="ctr"/>
-            <a:r>
-              <a:rPr lang="en-US" sz="1200" dirty="0"/>
-              <a:t>SIMD Lane</a:t>
-            </a:r>
-          </a:p>
-        </p:txBody>
-      </p:sp>
-      <p:sp>
-        <p:nvSpPr>
-          <p:cNvPr id="17" name="TextBox 16">
-            <a:extLst>
-              <a:ext uri="{FF2B5EF4-FFF2-40B4-BE49-F238E27FC236}">
-                <a16:creationId xmlns:a16="http://schemas.microsoft.com/office/drawing/2014/main" id="{44494A47-E002-AC42-9775-9703289F1308}"/>
-              </a:ext>
-            </a:extLst>
-          </p:cNvPr>
-          <p:cNvSpPr txBox="1"/>
-          <p:nvPr/>
-        </p:nvSpPr>
-        <p:spPr>
-          <a:xfrm>
-            <a:off x="6012901" y="3177886"/>
-            <a:ext cx="604715" cy="461665"/>
-          </a:xfrm>
-          <a:prstGeom prst="rect">
-            <a:avLst/>
-          </a:prstGeom>
-          <a:noFill/>
-          <a:ln>
-            <a:solidFill>
-              <a:schemeClr val="tx1"/>
-            </a:solidFill>
-          </a:ln>
-        </p:spPr>
-        <p:txBody>
-          <a:bodyPr wrap="square" rtlCol="0">
-            <a:spAutoFit/>
-          </a:bodyPr>
-          <a:lstStyle/>
-          <a:p>
-            <a:pPr algn="ctr"/>
-            <a:r>
-              <a:rPr lang="en-US" sz="1200" dirty="0"/>
-              <a:t>SIMD Lane</a:t>
-            </a:r>
-          </a:p>
-        </p:txBody>
-      </p:sp>
-      <p:sp>
-        <p:nvSpPr>
-          <p:cNvPr id="18" name="TextBox 17">
-            <a:extLst>
-              <a:ext uri="{FF2B5EF4-FFF2-40B4-BE49-F238E27FC236}">
-                <a16:creationId xmlns:a16="http://schemas.microsoft.com/office/drawing/2014/main" id="{D8ECF4AE-196E-3748-9459-C6A1343112DD}"/>
-              </a:ext>
-            </a:extLst>
-          </p:cNvPr>
-          <p:cNvSpPr txBox="1"/>
-          <p:nvPr/>
-        </p:nvSpPr>
-        <p:spPr>
-          <a:xfrm>
-            <a:off x="6721482" y="3180677"/>
-            <a:ext cx="604715" cy="461665"/>
-          </a:xfrm>
-          <a:prstGeom prst="rect">
-            <a:avLst/>
-          </a:prstGeom>
-          <a:noFill/>
-          <a:ln>
-            <a:solidFill>
-              <a:schemeClr val="tx1"/>
-            </a:solidFill>
-          </a:ln>
-        </p:spPr>
-        <p:txBody>
-          <a:bodyPr wrap="square" rtlCol="0">
-            <a:spAutoFit/>
-          </a:bodyPr>
-          <a:lstStyle/>
-          <a:p>
-            <a:pPr algn="ctr"/>
-            <a:r>
-              <a:rPr lang="en-US" sz="1200" dirty="0"/>
-              <a:t>SIMD Lane</a:t>
-            </a:r>
-          </a:p>
-        </p:txBody>
-      </p:sp>
-      <p:sp>
-        <p:nvSpPr>
-          <p:cNvPr id="19" name="TextBox 18">
-            <a:extLst>
-              <a:ext uri="{FF2B5EF4-FFF2-40B4-BE49-F238E27FC236}">
-                <a16:creationId xmlns:a16="http://schemas.microsoft.com/office/drawing/2014/main" id="{9E1B296D-D42D-5142-B2F4-C748D5B3C480}"/>
-              </a:ext>
-            </a:extLst>
-          </p:cNvPr>
-          <p:cNvSpPr txBox="1"/>
-          <p:nvPr/>
-        </p:nvSpPr>
-        <p:spPr>
-          <a:xfrm>
-            <a:off x="7430063" y="3177886"/>
-            <a:ext cx="604715" cy="461665"/>
-          </a:xfrm>
-          <a:prstGeom prst="rect">
-            <a:avLst/>
-          </a:prstGeom>
-          <a:noFill/>
-          <a:ln>
-            <a:solidFill>
-              <a:schemeClr val="tx1"/>
-            </a:solidFill>
-          </a:ln>
-        </p:spPr>
-        <p:txBody>
-          <a:bodyPr wrap="square" rtlCol="0">
-            <a:spAutoFit/>
-          </a:bodyPr>
-          <a:lstStyle/>
-          <a:p>
-            <a:pPr algn="ctr"/>
-            <a:r>
-              <a:rPr lang="en-US" sz="1200" dirty="0"/>
-              <a:t>SIMD Lane</a:t>
-            </a:r>
-          </a:p>
-        </p:txBody>
-      </p:sp>
-      <p:sp>
-        <p:nvSpPr>
-          <p:cNvPr id="20" name="TextBox 19">
-            <a:extLst>
-              <a:ext uri="{FF2B5EF4-FFF2-40B4-BE49-F238E27FC236}">
-                <a16:creationId xmlns:a16="http://schemas.microsoft.com/office/drawing/2014/main" id="{C2B808EF-CE2A-AB4D-8E84-96D18428F22B}"/>
-              </a:ext>
-            </a:extLst>
-          </p:cNvPr>
-          <p:cNvSpPr txBox="1"/>
-          <p:nvPr/>
-        </p:nvSpPr>
-        <p:spPr>
-          <a:xfrm>
-            <a:off x="5304320" y="3698301"/>
-            <a:ext cx="604715" cy="461665"/>
-          </a:xfrm>
-          <a:prstGeom prst="rect">
-            <a:avLst/>
-          </a:prstGeom>
-          <a:noFill/>
-          <a:ln>
-            <a:solidFill>
-              <a:schemeClr val="tx1"/>
-            </a:solidFill>
-          </a:ln>
-        </p:spPr>
-        <p:txBody>
-          <a:bodyPr wrap="square" rtlCol="0">
-            <a:spAutoFit/>
-          </a:bodyPr>
-          <a:lstStyle/>
-          <a:p>
-            <a:pPr algn="ctr"/>
-            <a:r>
-              <a:rPr lang="en-US" sz="1200" dirty="0"/>
-              <a:t>SIMD Lane</a:t>
-            </a:r>
-          </a:p>
-        </p:txBody>
-      </p:sp>
-      <p:sp>
-        <p:nvSpPr>
-          <p:cNvPr id="21" name="TextBox 20">
-            <a:extLst>
-              <a:ext uri="{FF2B5EF4-FFF2-40B4-BE49-F238E27FC236}">
-                <a16:creationId xmlns:a16="http://schemas.microsoft.com/office/drawing/2014/main" id="{6CC17D61-0290-DD46-A37C-B9802BE59011}"/>
-              </a:ext>
-            </a:extLst>
-          </p:cNvPr>
-          <p:cNvSpPr txBox="1"/>
-          <p:nvPr/>
-        </p:nvSpPr>
-        <p:spPr>
-          <a:xfrm>
-            <a:off x="6012901" y="3698301"/>
-            <a:ext cx="604715" cy="461665"/>
-          </a:xfrm>
-          <a:prstGeom prst="rect">
-            <a:avLst/>
-          </a:prstGeom>
-          <a:noFill/>
-          <a:ln>
-            <a:solidFill>
-              <a:schemeClr val="tx1"/>
-            </a:solidFill>
-          </a:ln>
-        </p:spPr>
-        <p:txBody>
-          <a:bodyPr wrap="square" rtlCol="0">
-            <a:spAutoFit/>
-          </a:bodyPr>
-          <a:lstStyle/>
-          <a:p>
-            <a:pPr algn="ctr"/>
-            <a:r>
-              <a:rPr lang="en-US" sz="1200" dirty="0"/>
-              <a:t>SIMD Lane</a:t>
-            </a:r>
-          </a:p>
-        </p:txBody>
-      </p:sp>
-      <p:sp>
-        <p:nvSpPr>
-          <p:cNvPr id="22" name="TextBox 21">
-            <a:extLst>
-              <a:ext uri="{FF2B5EF4-FFF2-40B4-BE49-F238E27FC236}">
-                <a16:creationId xmlns:a16="http://schemas.microsoft.com/office/drawing/2014/main" id="{3CB553A7-C195-6741-B244-D0377EA5AF1C}"/>
-              </a:ext>
-            </a:extLst>
-          </p:cNvPr>
-          <p:cNvSpPr txBox="1"/>
-          <p:nvPr/>
-        </p:nvSpPr>
-        <p:spPr>
-          <a:xfrm>
-            <a:off x="6721482" y="3701092"/>
-            <a:ext cx="604715" cy="461665"/>
-          </a:xfrm>
-          <a:prstGeom prst="rect">
-            <a:avLst/>
-          </a:prstGeom>
-          <a:noFill/>
-          <a:ln>
-            <a:solidFill>
-              <a:schemeClr val="tx1"/>
-            </a:solidFill>
-          </a:ln>
-        </p:spPr>
-        <p:txBody>
-          <a:bodyPr wrap="square" rtlCol="0">
-            <a:spAutoFit/>
-          </a:bodyPr>
-          <a:lstStyle/>
-          <a:p>
-            <a:pPr algn="ctr"/>
-            <a:r>
-              <a:rPr lang="en-US" sz="1200" dirty="0"/>
-              <a:t>SIMD Lane</a:t>
-            </a:r>
-          </a:p>
-        </p:txBody>
-      </p:sp>
-      <p:sp>
-        <p:nvSpPr>
-          <p:cNvPr id="23" name="TextBox 22">
-            <a:extLst>
-              <a:ext uri="{FF2B5EF4-FFF2-40B4-BE49-F238E27FC236}">
-                <a16:creationId xmlns:a16="http://schemas.microsoft.com/office/drawing/2014/main" id="{6CE2519E-5BB7-2947-BFC6-A975A1931741}"/>
-              </a:ext>
-            </a:extLst>
-          </p:cNvPr>
-          <p:cNvSpPr txBox="1"/>
-          <p:nvPr/>
-        </p:nvSpPr>
-        <p:spPr>
-          <a:xfrm>
-            <a:off x="7430063" y="3698301"/>
-            <a:ext cx="604715" cy="461665"/>
-          </a:xfrm>
-          <a:prstGeom prst="rect">
-            <a:avLst/>
-          </a:prstGeom>
-          <a:noFill/>
-          <a:ln>
-            <a:solidFill>
-              <a:schemeClr val="tx1"/>
-            </a:solidFill>
-          </a:ln>
-        </p:spPr>
-        <p:txBody>
-          <a:bodyPr wrap="square" rtlCol="0">
-            <a:spAutoFit/>
-          </a:bodyPr>
-          <a:lstStyle/>
-          <a:p>
-            <a:pPr algn="ctr"/>
-            <a:r>
-              <a:rPr lang="en-US" sz="1200" dirty="0"/>
-              <a:t>SIMD Lane</a:t>
-            </a:r>
-          </a:p>
-        </p:txBody>
-      </p:sp>
-      <p:sp>
-        <p:nvSpPr>
-          <p:cNvPr id="24" name="TextBox 23">
-            <a:extLst>
-              <a:ext uri="{FF2B5EF4-FFF2-40B4-BE49-F238E27FC236}">
-                <a16:creationId xmlns:a16="http://schemas.microsoft.com/office/drawing/2014/main" id="{1C265C27-2895-4F41-8D3E-7790D53104E5}"/>
-              </a:ext>
-            </a:extLst>
-          </p:cNvPr>
-          <p:cNvSpPr txBox="1"/>
-          <p:nvPr/>
-        </p:nvSpPr>
-        <p:spPr>
-          <a:xfrm>
-            <a:off x="6738935" y="1402939"/>
-            <a:ext cx="1295843" cy="276999"/>
-          </a:xfrm>
-          <a:prstGeom prst="rect">
-            <a:avLst/>
-          </a:prstGeom>
-          <a:noFill/>
-          <a:ln>
-            <a:solidFill>
-              <a:schemeClr val="tx1"/>
-            </a:solidFill>
-          </a:ln>
-        </p:spPr>
-        <p:txBody>
-          <a:bodyPr wrap="square" rtlCol="0">
-            <a:spAutoFit/>
-          </a:bodyPr>
-          <a:lstStyle/>
-          <a:p>
-            <a:pPr algn="ctr"/>
-            <a:r>
-              <a:rPr lang="en-US" sz="1200" dirty="0"/>
-              <a:t>Dispatch Unit</a:t>
-            </a:r>
-          </a:p>
-        </p:txBody>
-      </p:sp>
-      <p:sp>
-        <p:nvSpPr>
-          <p:cNvPr id="25" name="TextBox 24">
-            <a:extLst>
-              <a:ext uri="{FF2B5EF4-FFF2-40B4-BE49-F238E27FC236}">
-                <a16:creationId xmlns:a16="http://schemas.microsoft.com/office/drawing/2014/main" id="{AB096CFF-9CAA-4F49-8E88-75BDEA8B80D6}"/>
-              </a:ext>
-            </a:extLst>
-          </p:cNvPr>
-          <p:cNvSpPr txBox="1"/>
-          <p:nvPr/>
-        </p:nvSpPr>
-        <p:spPr>
-          <a:xfrm>
-            <a:off x="5304320" y="4220174"/>
-            <a:ext cx="2730458" cy="276999"/>
-          </a:xfrm>
-          <a:prstGeom prst="rect">
-            <a:avLst/>
-          </a:prstGeom>
-          <a:noFill/>
-          <a:ln>
-            <a:solidFill>
-              <a:schemeClr val="tx1"/>
-            </a:solidFill>
-          </a:ln>
-        </p:spPr>
-        <p:txBody>
-          <a:bodyPr wrap="square" rtlCol="0">
-            <a:spAutoFit/>
-          </a:bodyPr>
-          <a:lstStyle/>
-          <a:p>
-            <a:pPr algn="ctr"/>
-            <a:r>
-              <a:rPr lang="en-US" sz="1200" dirty="0"/>
-              <a:t>Cache</a:t>
-            </a:r>
-          </a:p>
-        </p:txBody>
-      </p:sp>
-      <p:sp>
-        <p:nvSpPr>
-          <p:cNvPr id="26" name="Rectangle 25">
-            <a:extLst>
-              <a:ext uri="{FF2B5EF4-FFF2-40B4-BE49-F238E27FC236}">
-                <a16:creationId xmlns:a16="http://schemas.microsoft.com/office/drawing/2014/main" id="{B116AE1A-2FE9-454B-9D1B-BB9F1FABEDBC}"/>
-              </a:ext>
-            </a:extLst>
-          </p:cNvPr>
-          <p:cNvSpPr/>
-          <p:nvPr/>
-        </p:nvSpPr>
-        <p:spPr>
-          <a:xfrm>
-            <a:off x="5225507" y="649442"/>
-            <a:ext cx="2890970" cy="3922557"/>
-          </a:xfrm>
-          <a:prstGeom prst="rect">
-            <a:avLst/>
-          </a:prstGeom>
-          <a:noFill/>
-          <a:ln w="31750">
-            <a:solidFill>
-              <a:schemeClr val="tx1"/>
-            </a:solidFill>
-          </a:ln>
-        </p:spPr>
-        <p:style>
-          <a:lnRef idx="2">
-            <a:schemeClr val="accent1">
-              <a:shade val="50000"/>
-            </a:schemeClr>
-          </a:lnRef>
-          <a:fillRef idx="1">
-            <a:schemeClr val="accent1"/>
-          </a:fillRef>
-          <a:effectRef idx="0">
-            <a:schemeClr val="accent1"/>
-          </a:effectRef>
-          <a:fontRef idx="minor">
-            <a:schemeClr val="lt1"/>
-          </a:fontRef>
-        </p:style>
-        <p:txBody>
-          <a:bodyPr rtlCol="0" anchor="ctr"/>
-          <a:lstStyle/>
-          <a:p>
-            <a:pPr algn="ctr"/>
-            <a:endParaRPr lang="en-US"/>
-          </a:p>
-        </p:txBody>
-      </p:sp>
-      <p:sp>
-        <p:nvSpPr>
-          <p:cNvPr id="27" name="TextBox 26">
-            <a:extLst>
-              <a:ext uri="{FF2B5EF4-FFF2-40B4-BE49-F238E27FC236}">
-                <a16:creationId xmlns:a16="http://schemas.microsoft.com/office/drawing/2014/main" id="{BF153347-73CF-2042-90F4-B2D253C6E386}"/>
-              </a:ext>
-            </a:extLst>
-          </p:cNvPr>
-          <p:cNvSpPr txBox="1"/>
-          <p:nvPr/>
-        </p:nvSpPr>
-        <p:spPr>
-          <a:xfrm>
-            <a:off x="988133" y="4794240"/>
-            <a:ext cx="2730457" cy="276999"/>
-          </a:xfrm>
-          <a:prstGeom prst="rect">
-            <a:avLst/>
-          </a:prstGeom>
-          <a:noFill/>
-          <a:ln>
-            <a:solidFill>
-              <a:schemeClr val="tx1"/>
-            </a:solidFill>
-          </a:ln>
-        </p:spPr>
-        <p:txBody>
-          <a:bodyPr wrap="square" rtlCol="0">
-            <a:spAutoFit/>
-          </a:bodyPr>
-          <a:lstStyle/>
-          <a:p>
-            <a:pPr algn="ctr"/>
-            <a:r>
-              <a:rPr lang="en-US" sz="1200" dirty="0"/>
-              <a:t>Instruction Cache</a:t>
-            </a:r>
-          </a:p>
-        </p:txBody>
-      </p:sp>
-      <p:sp>
-        <p:nvSpPr>
-          <p:cNvPr id="28" name="TextBox 27">
-            <a:extLst>
-              <a:ext uri="{FF2B5EF4-FFF2-40B4-BE49-F238E27FC236}">
-                <a16:creationId xmlns:a16="http://schemas.microsoft.com/office/drawing/2014/main" id="{933A7A9C-8A76-2A44-BD1B-098CA0ABF887}"/>
-              </a:ext>
-            </a:extLst>
-          </p:cNvPr>
-          <p:cNvSpPr txBox="1"/>
-          <p:nvPr/>
-        </p:nvSpPr>
-        <p:spPr>
-          <a:xfrm>
-            <a:off x="988132" y="4469185"/>
-            <a:ext cx="2730458" cy="276999"/>
-          </a:xfrm>
-          <a:prstGeom prst="rect">
-            <a:avLst/>
-          </a:prstGeom>
-          <a:noFill/>
-          <a:ln>
-            <a:solidFill>
-              <a:schemeClr val="tx1"/>
-            </a:solidFill>
-          </a:ln>
-        </p:spPr>
-        <p:txBody>
-          <a:bodyPr wrap="square" rtlCol="0">
-            <a:spAutoFit/>
-          </a:bodyPr>
-          <a:lstStyle/>
-          <a:p>
-            <a:pPr algn="ctr"/>
-            <a:r>
-              <a:rPr lang="en-US" sz="1200" dirty="0"/>
-              <a:t>SIMD Thread Scheduler</a:t>
-            </a:r>
-          </a:p>
-        </p:txBody>
-      </p:sp>
-      <p:sp>
-        <p:nvSpPr>
-          <p:cNvPr id="29" name="TextBox 28">
-            <a:extLst>
-              <a:ext uri="{FF2B5EF4-FFF2-40B4-BE49-F238E27FC236}">
-                <a16:creationId xmlns:a16="http://schemas.microsoft.com/office/drawing/2014/main" id="{85E03DC1-EC65-4447-A5D1-42DD7896FC9C}"/>
-              </a:ext>
-            </a:extLst>
-          </p:cNvPr>
-          <p:cNvSpPr txBox="1"/>
-          <p:nvPr/>
-        </p:nvSpPr>
-        <p:spPr>
-          <a:xfrm>
-            <a:off x="991647" y="4133662"/>
-            <a:ext cx="1295843" cy="276999"/>
-          </a:xfrm>
-          <a:prstGeom prst="rect">
-            <a:avLst/>
-          </a:prstGeom>
-          <a:noFill/>
-          <a:ln>
-            <a:solidFill>
-              <a:schemeClr val="tx1"/>
-            </a:solidFill>
-          </a:ln>
-        </p:spPr>
-        <p:txBody>
-          <a:bodyPr wrap="square" rtlCol="0">
-            <a:spAutoFit/>
-          </a:bodyPr>
-          <a:lstStyle/>
-          <a:p>
-            <a:pPr algn="ctr"/>
-            <a:r>
-              <a:rPr lang="en-US" sz="1200" dirty="0"/>
-              <a:t>Dispatch Unit</a:t>
-            </a:r>
-          </a:p>
-        </p:txBody>
-      </p:sp>
-      <p:sp>
-        <p:nvSpPr>
-          <p:cNvPr id="30" name="TextBox 29">
-            <a:extLst>
-              <a:ext uri="{FF2B5EF4-FFF2-40B4-BE49-F238E27FC236}">
-                <a16:creationId xmlns:a16="http://schemas.microsoft.com/office/drawing/2014/main" id="{FEA35264-7B80-FC4E-A258-6651CC18DBB3}"/>
-              </a:ext>
-            </a:extLst>
-          </p:cNvPr>
-          <p:cNvSpPr txBox="1"/>
-          <p:nvPr/>
-        </p:nvSpPr>
-        <p:spPr>
-          <a:xfrm>
-            <a:off x="1008099" y="1678763"/>
-            <a:ext cx="604715" cy="461665"/>
-          </a:xfrm>
-          <a:prstGeom prst="rect">
-            <a:avLst/>
-          </a:prstGeom>
-          <a:noFill/>
-          <a:ln>
-            <a:solidFill>
-              <a:schemeClr val="tx1"/>
-            </a:solidFill>
-          </a:ln>
-        </p:spPr>
-        <p:txBody>
-          <a:bodyPr wrap="square" rtlCol="0">
-            <a:spAutoFit/>
-          </a:bodyPr>
-          <a:lstStyle/>
-          <a:p>
-            <a:pPr algn="ctr"/>
-            <a:r>
-              <a:rPr lang="en-US" sz="1200" dirty="0"/>
-              <a:t>SIMD Lane</a:t>
-            </a:r>
-          </a:p>
-        </p:txBody>
-      </p:sp>
-      <p:sp>
-        <p:nvSpPr>
-          <p:cNvPr id="31" name="TextBox 30">
-            <a:extLst>
-              <a:ext uri="{FF2B5EF4-FFF2-40B4-BE49-F238E27FC236}">
-                <a16:creationId xmlns:a16="http://schemas.microsoft.com/office/drawing/2014/main" id="{BB6A03F9-F67A-D346-90ED-29561DC60C09}"/>
-              </a:ext>
-            </a:extLst>
-          </p:cNvPr>
-          <p:cNvSpPr txBox="1"/>
-          <p:nvPr/>
-        </p:nvSpPr>
-        <p:spPr>
-          <a:xfrm>
-            <a:off x="991647" y="3808607"/>
-            <a:ext cx="2730458" cy="276999"/>
-          </a:xfrm>
-          <a:prstGeom prst="rect">
-            <a:avLst/>
-          </a:prstGeom>
-          <a:noFill/>
-          <a:ln>
-            <a:solidFill>
-              <a:schemeClr val="tx1"/>
-            </a:solidFill>
-          </a:ln>
-        </p:spPr>
-        <p:txBody>
-          <a:bodyPr wrap="square" rtlCol="0">
-            <a:spAutoFit/>
-          </a:bodyPr>
-          <a:lstStyle/>
-          <a:p>
-            <a:pPr algn="ctr"/>
-            <a:r>
-              <a:rPr lang="en-US" sz="1200" dirty="0"/>
-              <a:t>Register File</a:t>
-            </a:r>
-          </a:p>
-        </p:txBody>
-      </p:sp>
-      <p:sp>
-        <p:nvSpPr>
-          <p:cNvPr id="32" name="TextBox 31">
-            <a:extLst>
-              <a:ext uri="{FF2B5EF4-FFF2-40B4-BE49-F238E27FC236}">
-                <a16:creationId xmlns:a16="http://schemas.microsoft.com/office/drawing/2014/main" id="{A1798BAB-BF45-214A-A36A-8096D3A44BC7}"/>
-              </a:ext>
-            </a:extLst>
-          </p:cNvPr>
-          <p:cNvSpPr txBox="1"/>
-          <p:nvPr/>
-        </p:nvSpPr>
-        <p:spPr>
-          <a:xfrm>
-            <a:off x="1716680" y="1678763"/>
-            <a:ext cx="604715" cy="461665"/>
-          </a:xfrm>
-          <a:prstGeom prst="rect">
-            <a:avLst/>
-          </a:prstGeom>
-          <a:noFill/>
-          <a:ln>
-            <a:solidFill>
-              <a:schemeClr val="tx1"/>
-            </a:solidFill>
-          </a:ln>
-        </p:spPr>
-        <p:txBody>
-          <a:bodyPr wrap="square" rtlCol="0">
-            <a:spAutoFit/>
-          </a:bodyPr>
-          <a:lstStyle/>
-          <a:p>
-            <a:pPr algn="ctr"/>
-            <a:r>
-              <a:rPr lang="en-US" sz="1200" dirty="0"/>
-              <a:t>SIMD Lane</a:t>
-            </a:r>
-          </a:p>
-        </p:txBody>
-      </p:sp>
-      <p:sp>
-        <p:nvSpPr>
-          <p:cNvPr id="33" name="TextBox 32">
-            <a:extLst>
-              <a:ext uri="{FF2B5EF4-FFF2-40B4-BE49-F238E27FC236}">
-                <a16:creationId xmlns:a16="http://schemas.microsoft.com/office/drawing/2014/main" id="{D045933C-F162-FA4E-87FF-61EBAC806E15}"/>
-              </a:ext>
-            </a:extLst>
-          </p:cNvPr>
-          <p:cNvSpPr txBox="1"/>
-          <p:nvPr/>
-        </p:nvSpPr>
-        <p:spPr>
-          <a:xfrm>
-            <a:off x="2425261" y="1681554"/>
-            <a:ext cx="604715" cy="461665"/>
-          </a:xfrm>
-          <a:prstGeom prst="rect">
-            <a:avLst/>
-          </a:prstGeom>
-          <a:noFill/>
-          <a:ln>
-            <a:solidFill>
-              <a:schemeClr val="tx1"/>
-            </a:solidFill>
-          </a:ln>
-        </p:spPr>
-        <p:txBody>
-          <a:bodyPr wrap="square" rtlCol="0">
-            <a:spAutoFit/>
-          </a:bodyPr>
-          <a:lstStyle/>
-          <a:p>
-            <a:pPr algn="ctr"/>
-            <a:r>
-              <a:rPr lang="en-US" sz="1200" dirty="0"/>
-              <a:t>SIMD Lane</a:t>
-            </a:r>
-          </a:p>
-        </p:txBody>
-      </p:sp>
-      <p:sp>
-        <p:nvSpPr>
-          <p:cNvPr id="34" name="TextBox 33">
-            <a:extLst>
-              <a:ext uri="{FF2B5EF4-FFF2-40B4-BE49-F238E27FC236}">
-                <a16:creationId xmlns:a16="http://schemas.microsoft.com/office/drawing/2014/main" id="{8FA4688F-9B82-B641-866C-3E40BF0AF55B}"/>
-              </a:ext>
-            </a:extLst>
-          </p:cNvPr>
-          <p:cNvSpPr txBox="1"/>
-          <p:nvPr/>
-        </p:nvSpPr>
-        <p:spPr>
-          <a:xfrm>
-            <a:off x="3133842" y="1678763"/>
-            <a:ext cx="604715" cy="461665"/>
-          </a:xfrm>
-          <a:prstGeom prst="rect">
-            <a:avLst/>
-          </a:prstGeom>
-          <a:noFill/>
-          <a:ln>
-            <a:solidFill>
-              <a:schemeClr val="tx1"/>
-            </a:solidFill>
-          </a:ln>
-        </p:spPr>
-        <p:txBody>
-          <a:bodyPr wrap="square" rtlCol="0">
-            <a:spAutoFit/>
-          </a:bodyPr>
-          <a:lstStyle/>
-          <a:p>
-            <a:pPr algn="ctr"/>
-            <a:r>
-              <a:rPr lang="en-US" sz="1200" dirty="0"/>
-              <a:t>SIMD Lane</a:t>
-            </a:r>
-          </a:p>
-        </p:txBody>
-      </p:sp>
-      <p:sp>
-        <p:nvSpPr>
-          <p:cNvPr id="35" name="TextBox 34">
-            <a:extLst>
-              <a:ext uri="{FF2B5EF4-FFF2-40B4-BE49-F238E27FC236}">
-                <a16:creationId xmlns:a16="http://schemas.microsoft.com/office/drawing/2014/main" id="{344F02B1-738D-9043-9879-C8F84C5B637B}"/>
-              </a:ext>
-            </a:extLst>
-          </p:cNvPr>
-          <p:cNvSpPr txBox="1"/>
-          <p:nvPr/>
-        </p:nvSpPr>
-        <p:spPr>
-          <a:xfrm>
-            <a:off x="1008099" y="2218027"/>
-            <a:ext cx="604715" cy="461665"/>
-          </a:xfrm>
-          <a:prstGeom prst="rect">
-            <a:avLst/>
-          </a:prstGeom>
-          <a:noFill/>
-          <a:ln>
-            <a:solidFill>
-              <a:schemeClr val="tx1"/>
-            </a:solidFill>
-          </a:ln>
-        </p:spPr>
-        <p:txBody>
-          <a:bodyPr wrap="square" rtlCol="0">
-            <a:spAutoFit/>
-          </a:bodyPr>
-          <a:lstStyle/>
-          <a:p>
-            <a:pPr algn="ctr"/>
-            <a:r>
-              <a:rPr lang="en-US" sz="1200" dirty="0"/>
-              <a:t>SIMD Lane</a:t>
-            </a:r>
-          </a:p>
-        </p:txBody>
-      </p:sp>
-      <p:sp>
-        <p:nvSpPr>
-          <p:cNvPr id="36" name="TextBox 35">
-            <a:extLst>
-              <a:ext uri="{FF2B5EF4-FFF2-40B4-BE49-F238E27FC236}">
-                <a16:creationId xmlns:a16="http://schemas.microsoft.com/office/drawing/2014/main" id="{91A4F3C7-7946-0C48-84E4-97586A09009A}"/>
-              </a:ext>
-            </a:extLst>
-          </p:cNvPr>
-          <p:cNvSpPr txBox="1"/>
-          <p:nvPr/>
-        </p:nvSpPr>
-        <p:spPr>
-          <a:xfrm>
-            <a:off x="1716680" y="2218027"/>
-            <a:ext cx="604715" cy="461665"/>
-          </a:xfrm>
-          <a:prstGeom prst="rect">
-            <a:avLst/>
-          </a:prstGeom>
-          <a:noFill/>
-          <a:ln>
-            <a:solidFill>
-              <a:schemeClr val="tx1"/>
-            </a:solidFill>
-          </a:ln>
-        </p:spPr>
-        <p:txBody>
-          <a:bodyPr wrap="square" rtlCol="0">
-            <a:spAutoFit/>
-          </a:bodyPr>
-          <a:lstStyle/>
-          <a:p>
-            <a:pPr algn="ctr"/>
-            <a:r>
-              <a:rPr lang="en-US" sz="1200" dirty="0"/>
-              <a:t>SIMD Lane</a:t>
-            </a:r>
-          </a:p>
-        </p:txBody>
-      </p:sp>
-      <p:sp>
-        <p:nvSpPr>
-          <p:cNvPr id="37" name="TextBox 36">
-            <a:extLst>
-              <a:ext uri="{FF2B5EF4-FFF2-40B4-BE49-F238E27FC236}">
-                <a16:creationId xmlns:a16="http://schemas.microsoft.com/office/drawing/2014/main" id="{1B1B90C3-7DBD-6040-BCE8-99EFCECBD26E}"/>
-              </a:ext>
-            </a:extLst>
-          </p:cNvPr>
-          <p:cNvSpPr txBox="1"/>
-          <p:nvPr/>
-        </p:nvSpPr>
-        <p:spPr>
-          <a:xfrm>
-            <a:off x="2425261" y="2220818"/>
-            <a:ext cx="604715" cy="461665"/>
-          </a:xfrm>
-          <a:prstGeom prst="rect">
-            <a:avLst/>
-          </a:prstGeom>
-          <a:noFill/>
-          <a:ln>
-            <a:solidFill>
-              <a:schemeClr val="tx1"/>
-            </a:solidFill>
-          </a:ln>
-        </p:spPr>
-        <p:txBody>
-          <a:bodyPr wrap="square" rtlCol="0">
-            <a:spAutoFit/>
-          </a:bodyPr>
-          <a:lstStyle/>
-          <a:p>
-            <a:pPr algn="ctr"/>
-            <a:r>
-              <a:rPr lang="en-US" sz="1200" dirty="0"/>
-              <a:t>SIMD Lane</a:t>
-            </a:r>
-          </a:p>
-        </p:txBody>
-      </p:sp>
-      <p:sp>
-        <p:nvSpPr>
-          <p:cNvPr id="38" name="TextBox 37">
-            <a:extLst>
-              <a:ext uri="{FF2B5EF4-FFF2-40B4-BE49-F238E27FC236}">
-                <a16:creationId xmlns:a16="http://schemas.microsoft.com/office/drawing/2014/main" id="{FBD02E5F-A9C6-6444-AF17-53E5D903A21F}"/>
-              </a:ext>
-            </a:extLst>
-          </p:cNvPr>
-          <p:cNvSpPr txBox="1"/>
-          <p:nvPr/>
-        </p:nvSpPr>
-        <p:spPr>
-          <a:xfrm>
-            <a:off x="3133842" y="2218027"/>
-            <a:ext cx="604715" cy="461665"/>
-          </a:xfrm>
-          <a:prstGeom prst="rect">
-            <a:avLst/>
-          </a:prstGeom>
-          <a:noFill/>
-          <a:ln>
-            <a:solidFill>
-              <a:schemeClr val="tx1"/>
-            </a:solidFill>
-          </a:ln>
-        </p:spPr>
-        <p:txBody>
-          <a:bodyPr wrap="square" rtlCol="0">
-            <a:spAutoFit/>
-          </a:bodyPr>
-          <a:lstStyle/>
-          <a:p>
-            <a:pPr algn="ctr"/>
-            <a:r>
-              <a:rPr lang="en-US" sz="1200" dirty="0"/>
-              <a:t>SIMD Lane</a:t>
-            </a:r>
-          </a:p>
-        </p:txBody>
-      </p:sp>
-      <p:sp>
-        <p:nvSpPr>
-          <p:cNvPr id="39" name="TextBox 38">
-            <a:extLst>
-              <a:ext uri="{FF2B5EF4-FFF2-40B4-BE49-F238E27FC236}">
-                <a16:creationId xmlns:a16="http://schemas.microsoft.com/office/drawing/2014/main" id="{60C08011-B31D-9E41-B03F-99A41661A883}"/>
-              </a:ext>
-            </a:extLst>
-          </p:cNvPr>
-          <p:cNvSpPr txBox="1"/>
-          <p:nvPr/>
-        </p:nvSpPr>
-        <p:spPr>
-          <a:xfrm>
-            <a:off x="1008099" y="2765853"/>
-            <a:ext cx="604715" cy="461665"/>
-          </a:xfrm>
-          <a:prstGeom prst="rect">
-            <a:avLst/>
-          </a:prstGeom>
-          <a:noFill/>
-          <a:ln>
-            <a:solidFill>
-              <a:schemeClr val="tx1"/>
-            </a:solidFill>
-          </a:ln>
-        </p:spPr>
-        <p:txBody>
-          <a:bodyPr wrap="square" rtlCol="0">
-            <a:spAutoFit/>
-          </a:bodyPr>
-          <a:lstStyle/>
-          <a:p>
-            <a:pPr algn="ctr"/>
-            <a:r>
-              <a:rPr lang="en-US" sz="1200" dirty="0"/>
-              <a:t>SIMD Lane</a:t>
-            </a:r>
-          </a:p>
-        </p:txBody>
-      </p:sp>
-      <p:sp>
-        <p:nvSpPr>
-          <p:cNvPr id="40" name="TextBox 39">
-            <a:extLst>
-              <a:ext uri="{FF2B5EF4-FFF2-40B4-BE49-F238E27FC236}">
-                <a16:creationId xmlns:a16="http://schemas.microsoft.com/office/drawing/2014/main" id="{F066D3C8-7021-C84E-BA36-42564C1B37E9}"/>
-              </a:ext>
-            </a:extLst>
-          </p:cNvPr>
-          <p:cNvSpPr txBox="1"/>
-          <p:nvPr/>
-        </p:nvSpPr>
-        <p:spPr>
-          <a:xfrm>
-            <a:off x="1716680" y="2765853"/>
-            <a:ext cx="604715" cy="461665"/>
-          </a:xfrm>
-          <a:prstGeom prst="rect">
-            <a:avLst/>
-          </a:prstGeom>
-          <a:noFill/>
-          <a:ln>
-            <a:solidFill>
-              <a:schemeClr val="tx1"/>
-            </a:solidFill>
-          </a:ln>
-        </p:spPr>
-        <p:txBody>
-          <a:bodyPr wrap="square" rtlCol="0">
-            <a:spAutoFit/>
-          </a:bodyPr>
-          <a:lstStyle/>
-          <a:p>
-            <a:pPr algn="ctr"/>
-            <a:r>
-              <a:rPr lang="en-US" sz="1200" dirty="0"/>
-              <a:t>SIMD Lane</a:t>
-            </a:r>
-          </a:p>
-        </p:txBody>
-      </p:sp>
-      <p:sp>
-        <p:nvSpPr>
-          <p:cNvPr id="41" name="TextBox 40">
-            <a:extLst>
-              <a:ext uri="{FF2B5EF4-FFF2-40B4-BE49-F238E27FC236}">
-                <a16:creationId xmlns:a16="http://schemas.microsoft.com/office/drawing/2014/main" id="{1546DE6C-5611-784C-8361-CD5977D2125D}"/>
-              </a:ext>
-            </a:extLst>
-          </p:cNvPr>
-          <p:cNvSpPr txBox="1"/>
-          <p:nvPr/>
-        </p:nvSpPr>
-        <p:spPr>
-          <a:xfrm>
-            <a:off x="2425261" y="2768644"/>
-            <a:ext cx="604715" cy="461665"/>
-          </a:xfrm>
-          <a:prstGeom prst="rect">
-            <a:avLst/>
-          </a:prstGeom>
-          <a:noFill/>
-          <a:ln>
-            <a:solidFill>
-              <a:schemeClr val="tx1"/>
-            </a:solidFill>
-          </a:ln>
-        </p:spPr>
-        <p:txBody>
-          <a:bodyPr wrap="square" rtlCol="0">
-            <a:spAutoFit/>
-          </a:bodyPr>
-          <a:lstStyle/>
-          <a:p>
-            <a:pPr algn="ctr"/>
-            <a:r>
-              <a:rPr lang="en-US" sz="1200" dirty="0"/>
-              <a:t>SIMD Lane</a:t>
-            </a:r>
-          </a:p>
-        </p:txBody>
-      </p:sp>
-      <p:sp>
-        <p:nvSpPr>
-          <p:cNvPr id="42" name="TextBox 41">
-            <a:extLst>
-              <a:ext uri="{FF2B5EF4-FFF2-40B4-BE49-F238E27FC236}">
-                <a16:creationId xmlns:a16="http://schemas.microsoft.com/office/drawing/2014/main" id="{2578CB95-9549-A546-9287-BCBD74A9870A}"/>
-              </a:ext>
-            </a:extLst>
-          </p:cNvPr>
-          <p:cNvSpPr txBox="1"/>
-          <p:nvPr/>
-        </p:nvSpPr>
-        <p:spPr>
-          <a:xfrm>
-            <a:off x="3133842" y="2765853"/>
-            <a:ext cx="604715" cy="461665"/>
-          </a:xfrm>
-          <a:prstGeom prst="rect">
-            <a:avLst/>
-          </a:prstGeom>
-          <a:noFill/>
-          <a:ln>
-            <a:solidFill>
-              <a:schemeClr val="tx1"/>
-            </a:solidFill>
-          </a:ln>
-        </p:spPr>
-        <p:txBody>
-          <a:bodyPr wrap="square" rtlCol="0">
-            <a:spAutoFit/>
-          </a:bodyPr>
-          <a:lstStyle/>
-          <a:p>
-            <a:pPr algn="ctr"/>
-            <a:r>
-              <a:rPr lang="en-US" sz="1200" dirty="0"/>
-              <a:t>SIMD Lane</a:t>
-            </a:r>
-          </a:p>
-        </p:txBody>
-      </p:sp>
-      <p:sp>
-        <p:nvSpPr>
-          <p:cNvPr id="43" name="TextBox 42">
-            <a:extLst>
-              <a:ext uri="{FF2B5EF4-FFF2-40B4-BE49-F238E27FC236}">
-                <a16:creationId xmlns:a16="http://schemas.microsoft.com/office/drawing/2014/main" id="{8B1BF1DE-E2AA-924C-ABB4-42CF581DE457}"/>
-              </a:ext>
-            </a:extLst>
-          </p:cNvPr>
-          <p:cNvSpPr txBox="1"/>
-          <p:nvPr/>
-        </p:nvSpPr>
-        <p:spPr>
-          <a:xfrm>
-            <a:off x="1008099" y="3286268"/>
-            <a:ext cx="604715" cy="461665"/>
-          </a:xfrm>
-          <a:prstGeom prst="rect">
-            <a:avLst/>
-          </a:prstGeom>
-          <a:noFill/>
-          <a:ln>
-            <a:solidFill>
-              <a:schemeClr val="tx1"/>
-            </a:solidFill>
-          </a:ln>
-        </p:spPr>
-        <p:txBody>
-          <a:bodyPr wrap="square" rtlCol="0">
-            <a:spAutoFit/>
-          </a:bodyPr>
-          <a:lstStyle/>
-          <a:p>
-            <a:pPr algn="ctr"/>
-            <a:r>
-              <a:rPr lang="en-US" sz="1200" dirty="0"/>
-              <a:t>SIMD Lane</a:t>
-            </a:r>
-          </a:p>
-        </p:txBody>
-      </p:sp>
-      <p:sp>
-        <p:nvSpPr>
-          <p:cNvPr id="44" name="TextBox 43">
-            <a:extLst>
-              <a:ext uri="{FF2B5EF4-FFF2-40B4-BE49-F238E27FC236}">
-                <a16:creationId xmlns:a16="http://schemas.microsoft.com/office/drawing/2014/main" id="{2227557B-009E-D140-94EB-3573F1A51DAC}"/>
-              </a:ext>
-            </a:extLst>
-          </p:cNvPr>
-          <p:cNvSpPr txBox="1"/>
-          <p:nvPr/>
-        </p:nvSpPr>
-        <p:spPr>
-          <a:xfrm>
-            <a:off x="1716680" y="3286268"/>
-            <a:ext cx="604715" cy="461665"/>
-          </a:xfrm>
-          <a:prstGeom prst="rect">
-            <a:avLst/>
-          </a:prstGeom>
-          <a:noFill/>
-          <a:ln>
-            <a:solidFill>
-              <a:schemeClr val="tx1"/>
-            </a:solidFill>
-          </a:ln>
-        </p:spPr>
-        <p:txBody>
-          <a:bodyPr wrap="square" rtlCol="0">
-            <a:spAutoFit/>
-          </a:bodyPr>
-          <a:lstStyle/>
-          <a:p>
-            <a:pPr algn="ctr"/>
-            <a:r>
-              <a:rPr lang="en-US" sz="1200" dirty="0"/>
-              <a:t>SIMD Lane</a:t>
-            </a:r>
-          </a:p>
-        </p:txBody>
-      </p:sp>
-      <p:sp>
-        <p:nvSpPr>
-          <p:cNvPr id="45" name="TextBox 44">
-            <a:extLst>
-              <a:ext uri="{FF2B5EF4-FFF2-40B4-BE49-F238E27FC236}">
-                <a16:creationId xmlns:a16="http://schemas.microsoft.com/office/drawing/2014/main" id="{8F42E65C-3B8F-2341-8E14-3BA82DBCC31C}"/>
-              </a:ext>
-            </a:extLst>
-          </p:cNvPr>
-          <p:cNvSpPr txBox="1"/>
-          <p:nvPr/>
-        </p:nvSpPr>
-        <p:spPr>
-          <a:xfrm>
-            <a:off x="2425261" y="3289059"/>
-            <a:ext cx="604715" cy="461665"/>
-          </a:xfrm>
-          <a:prstGeom prst="rect">
-            <a:avLst/>
-          </a:prstGeom>
-          <a:noFill/>
-          <a:ln>
-            <a:solidFill>
-              <a:schemeClr val="tx1"/>
-            </a:solidFill>
-          </a:ln>
-        </p:spPr>
-        <p:txBody>
-          <a:bodyPr wrap="square" rtlCol="0">
-            <a:spAutoFit/>
-          </a:bodyPr>
-          <a:lstStyle/>
-          <a:p>
-            <a:pPr algn="ctr"/>
-            <a:r>
-              <a:rPr lang="en-US" sz="1200" dirty="0"/>
-              <a:t>SIMD Lane</a:t>
-            </a:r>
-          </a:p>
-        </p:txBody>
-      </p:sp>
-      <p:sp>
-        <p:nvSpPr>
-          <p:cNvPr id="46" name="TextBox 45">
-            <a:extLst>
-              <a:ext uri="{FF2B5EF4-FFF2-40B4-BE49-F238E27FC236}">
-                <a16:creationId xmlns:a16="http://schemas.microsoft.com/office/drawing/2014/main" id="{6DC8E66B-3511-724F-9AA6-94ED3B5409FE}"/>
-              </a:ext>
-            </a:extLst>
-          </p:cNvPr>
-          <p:cNvSpPr txBox="1"/>
-          <p:nvPr/>
-        </p:nvSpPr>
-        <p:spPr>
-          <a:xfrm>
-            <a:off x="3133842" y="3286268"/>
-            <a:ext cx="604715" cy="461665"/>
-          </a:xfrm>
-          <a:prstGeom prst="rect">
-            <a:avLst/>
-          </a:prstGeom>
-          <a:noFill/>
-          <a:ln>
-            <a:solidFill>
-              <a:schemeClr val="tx1"/>
-            </a:solidFill>
-          </a:ln>
-        </p:spPr>
-        <p:txBody>
-          <a:bodyPr wrap="square" rtlCol="0">
-            <a:spAutoFit/>
-          </a:bodyPr>
-          <a:lstStyle/>
-          <a:p>
-            <a:pPr algn="ctr"/>
-            <a:r>
-              <a:rPr lang="en-US" sz="1200" dirty="0"/>
-              <a:t>SIMD Lane</a:t>
-            </a:r>
-          </a:p>
-        </p:txBody>
-      </p:sp>
-      <p:sp>
-        <p:nvSpPr>
-          <p:cNvPr id="47" name="TextBox 46">
-            <a:extLst>
-              <a:ext uri="{FF2B5EF4-FFF2-40B4-BE49-F238E27FC236}">
-                <a16:creationId xmlns:a16="http://schemas.microsoft.com/office/drawing/2014/main" id="{4114F30D-D936-C145-942B-3FAEE5217BD3}"/>
-              </a:ext>
-            </a:extLst>
-          </p:cNvPr>
-          <p:cNvSpPr txBox="1"/>
-          <p:nvPr/>
-        </p:nvSpPr>
-        <p:spPr>
-          <a:xfrm>
-            <a:off x="2422747" y="4138896"/>
-            <a:ext cx="1295843" cy="276999"/>
-          </a:xfrm>
-          <a:prstGeom prst="rect">
-            <a:avLst/>
-          </a:prstGeom>
-          <a:noFill/>
-          <a:ln>
-            <a:solidFill>
-              <a:schemeClr val="tx1"/>
-            </a:solidFill>
-          </a:ln>
-        </p:spPr>
-        <p:txBody>
-          <a:bodyPr wrap="square" rtlCol="0">
-            <a:spAutoFit/>
-          </a:bodyPr>
-          <a:lstStyle/>
-          <a:p>
-            <a:pPr algn="ctr"/>
-            <a:r>
-              <a:rPr lang="en-US" sz="1200" dirty="0"/>
-              <a:t>Dispatch Unit</a:t>
-            </a:r>
-          </a:p>
-        </p:txBody>
-      </p:sp>
-      <p:sp>
-        <p:nvSpPr>
-          <p:cNvPr id="48" name="TextBox 47">
-            <a:extLst>
-              <a:ext uri="{FF2B5EF4-FFF2-40B4-BE49-F238E27FC236}">
-                <a16:creationId xmlns:a16="http://schemas.microsoft.com/office/drawing/2014/main" id="{87AA6FA1-662C-1A46-BB1A-D9239F450BE4}"/>
-              </a:ext>
-            </a:extLst>
-          </p:cNvPr>
-          <p:cNvSpPr txBox="1"/>
-          <p:nvPr/>
-        </p:nvSpPr>
-        <p:spPr>
-          <a:xfrm>
-            <a:off x="1008099" y="1358275"/>
-            <a:ext cx="2730458" cy="276999"/>
-          </a:xfrm>
-          <a:prstGeom prst="rect">
-            <a:avLst/>
-          </a:prstGeom>
-          <a:noFill/>
-          <a:ln>
-            <a:solidFill>
-              <a:schemeClr val="tx1"/>
-            </a:solidFill>
-          </a:ln>
-        </p:spPr>
-        <p:txBody>
-          <a:bodyPr wrap="square" rtlCol="0">
-            <a:spAutoFit/>
-          </a:bodyPr>
-          <a:lstStyle/>
-          <a:p>
-            <a:pPr algn="ctr"/>
-            <a:r>
-              <a:rPr lang="en-US" sz="1200" dirty="0"/>
-              <a:t>Cache</a:t>
-            </a:r>
-          </a:p>
-        </p:txBody>
-      </p:sp>
-      <p:sp>
-        <p:nvSpPr>
-          <p:cNvPr id="49" name="Rectangle 48">
-            <a:extLst>
-              <a:ext uri="{FF2B5EF4-FFF2-40B4-BE49-F238E27FC236}">
-                <a16:creationId xmlns:a16="http://schemas.microsoft.com/office/drawing/2014/main" id="{31118342-5C45-5742-885A-AA03DBCE8E22}"/>
-              </a:ext>
-            </a:extLst>
-          </p:cNvPr>
-          <p:cNvSpPr/>
-          <p:nvPr/>
-        </p:nvSpPr>
-        <p:spPr>
-          <a:xfrm>
-            <a:off x="949900" y="1267183"/>
-            <a:ext cx="2890970" cy="3922557"/>
-          </a:xfrm>
-          <a:prstGeom prst="rect">
-            <a:avLst/>
-          </a:prstGeom>
-          <a:noFill/>
-          <a:ln w="31750">
-            <a:solidFill>
-              <a:schemeClr val="tx1"/>
-            </a:solidFill>
-          </a:ln>
-        </p:spPr>
-        <p:style>
-          <a:lnRef idx="2">
-            <a:schemeClr val="accent1">
-              <a:shade val="50000"/>
-            </a:schemeClr>
-          </a:lnRef>
-          <a:fillRef idx="1">
-            <a:schemeClr val="accent1"/>
-          </a:fillRef>
-          <a:effectRef idx="0">
-            <a:schemeClr val="accent1"/>
-          </a:effectRef>
-          <a:fontRef idx="minor">
-            <a:schemeClr val="lt1"/>
-          </a:fontRef>
-        </p:style>
-        <p:txBody>
-          <a:bodyPr rtlCol="0" anchor="ctr"/>
-          <a:lstStyle/>
-          <a:p>
-            <a:pPr algn="ctr"/>
-            <a:endParaRPr lang="en-US"/>
-          </a:p>
-        </p:txBody>
-      </p:sp>
-    </p:spTree>
-    <p:extLst>
-      <p:ext uri="{BB962C8B-B14F-4D97-AF65-F5344CB8AC3E}">
-        <p14:creationId xmlns:p14="http://schemas.microsoft.com/office/powerpoint/2010/main" val="747061490"/>
-      </p:ext>
-    </p:extLst>
-  </p:cSld>
-  <p:clrMapOvr>
-    <a:masterClrMapping/>
-  </p:clrMapOvr>
-</p:sld>
-</file>
-
 <file path=ppt/theme/theme1.xml><?xml version="1.0" encoding="utf-8"?>
 <a:theme xmlns:a="http://schemas.openxmlformats.org/drawingml/2006/main" name="Office Theme">
   <a:themeElements>

--- a/Source/chapters/01.HeteroComp/figures/GPU.pptx
+++ b/Source/chapters/01.HeteroComp/figures/GPU.pptx
@@ -5,13 +5,14 @@
     <p:sldMasterId id="2147483648" r:id="rId1"/>
   </p:sldMasterIdLst>
   <p:notesMasterIdLst>
-    <p:notesMasterId r:id="rId6"/>
+    <p:notesMasterId r:id="rId7"/>
   </p:notesMasterIdLst>
   <p:sldIdLst>
     <p:sldId id="258" r:id="rId2"/>
-    <p:sldId id="259" r:id="rId3"/>
-    <p:sldId id="257" r:id="rId4"/>
-    <p:sldId id="256" r:id="rId5"/>
+    <p:sldId id="260" r:id="rId3"/>
+    <p:sldId id="259" r:id="rId4"/>
+    <p:sldId id="257" r:id="rId5"/>
+    <p:sldId id="256" r:id="rId6"/>
   </p:sldIdLst>
   <p:sldSz cx="12192000" cy="6858000"/>
   <p:notesSz cx="6858000" cy="9144000"/>
@@ -211,7 +212,7 @@
           <a:p>
             <a:fld id="{3E248CC4-C781-3042-BCC4-4143E3C28A61}" type="datetimeFigureOut">
               <a:rPr lang="en-US" smtClean="0"/>
-              <a:t>4/1/21</a:t>
+              <a:t>4/11/21</a:t>
             </a:fld>
             <a:endParaRPr lang="en-US"/>
           </a:p>
@@ -709,7 +710,7 @@
           <a:p>
             <a:fld id="{4B3C81F5-6E38-F143-A0F0-C9AF46A94FC5}" type="datetimeFigureOut">
               <a:rPr lang="en-US" smtClean="0"/>
-              <a:t>4/1/21</a:t>
+              <a:t>4/11/21</a:t>
             </a:fld>
             <a:endParaRPr lang="en-US"/>
           </a:p>
@@ -907,7 +908,7 @@
           <a:p>
             <a:fld id="{4B3C81F5-6E38-F143-A0F0-C9AF46A94FC5}" type="datetimeFigureOut">
               <a:rPr lang="en-US" smtClean="0"/>
-              <a:t>4/1/21</a:t>
+              <a:t>4/11/21</a:t>
             </a:fld>
             <a:endParaRPr lang="en-US"/>
           </a:p>
@@ -1115,7 +1116,7 @@
           <a:p>
             <a:fld id="{4B3C81F5-6E38-F143-A0F0-C9AF46A94FC5}" type="datetimeFigureOut">
               <a:rPr lang="en-US" smtClean="0"/>
-              <a:t>4/1/21</a:t>
+              <a:t>4/11/21</a:t>
             </a:fld>
             <a:endParaRPr lang="en-US"/>
           </a:p>
@@ -1313,7 +1314,7 @@
           <a:p>
             <a:fld id="{4B3C81F5-6E38-F143-A0F0-C9AF46A94FC5}" type="datetimeFigureOut">
               <a:rPr lang="en-US" smtClean="0"/>
-              <a:t>4/1/21</a:t>
+              <a:t>4/11/21</a:t>
             </a:fld>
             <a:endParaRPr lang="en-US"/>
           </a:p>
@@ -1588,7 +1589,7 @@
           <a:p>
             <a:fld id="{4B3C81F5-6E38-F143-A0F0-C9AF46A94FC5}" type="datetimeFigureOut">
               <a:rPr lang="en-US" smtClean="0"/>
-              <a:t>4/1/21</a:t>
+              <a:t>4/11/21</a:t>
             </a:fld>
             <a:endParaRPr lang="en-US"/>
           </a:p>
@@ -1853,7 +1854,7 @@
           <a:p>
             <a:fld id="{4B3C81F5-6E38-F143-A0F0-C9AF46A94FC5}" type="datetimeFigureOut">
               <a:rPr lang="en-US" smtClean="0"/>
-              <a:t>4/1/21</a:t>
+              <a:t>4/11/21</a:t>
             </a:fld>
             <a:endParaRPr lang="en-US"/>
           </a:p>
@@ -2265,7 +2266,7 @@
           <a:p>
             <a:fld id="{4B3C81F5-6E38-F143-A0F0-C9AF46A94FC5}" type="datetimeFigureOut">
               <a:rPr lang="en-US" smtClean="0"/>
-              <a:t>4/1/21</a:t>
+              <a:t>4/11/21</a:t>
             </a:fld>
             <a:endParaRPr lang="en-US"/>
           </a:p>
@@ -2406,7 +2407,7 @@
           <a:p>
             <a:fld id="{4B3C81F5-6E38-F143-A0F0-C9AF46A94FC5}" type="datetimeFigureOut">
               <a:rPr lang="en-US" smtClean="0"/>
-              <a:t>4/1/21</a:t>
+              <a:t>4/11/21</a:t>
             </a:fld>
             <a:endParaRPr lang="en-US"/>
           </a:p>
@@ -2519,7 +2520,7 @@
           <a:p>
             <a:fld id="{4B3C81F5-6E38-F143-A0F0-C9AF46A94FC5}" type="datetimeFigureOut">
               <a:rPr lang="en-US" smtClean="0"/>
-              <a:t>4/1/21</a:t>
+              <a:t>4/11/21</a:t>
             </a:fld>
             <a:endParaRPr lang="en-US"/>
           </a:p>
@@ -2830,7 +2831,7 @@
           <a:p>
             <a:fld id="{4B3C81F5-6E38-F143-A0F0-C9AF46A94FC5}" type="datetimeFigureOut">
               <a:rPr lang="en-US" smtClean="0"/>
-              <a:t>4/1/21</a:t>
+              <a:t>4/11/21</a:t>
             </a:fld>
             <a:endParaRPr lang="en-US"/>
           </a:p>
@@ -3118,7 +3119,7 @@
           <a:p>
             <a:fld id="{4B3C81F5-6E38-F143-A0F0-C9AF46A94FC5}" type="datetimeFigureOut">
               <a:rPr lang="en-US" smtClean="0"/>
-              <a:t>4/1/21</a:t>
+              <a:t>4/11/21</a:t>
             </a:fld>
             <a:endParaRPr lang="en-US"/>
           </a:p>
@@ -3359,7 +3360,7 @@
           <a:p>
             <a:fld id="{4B3C81F5-6E38-F143-A0F0-C9AF46A94FC5}" type="datetimeFigureOut">
               <a:rPr lang="en-US" smtClean="0"/>
-              <a:t>4/1/21</a:t>
+              <a:t>4/11/21</a:t>
             </a:fld>
             <a:endParaRPr lang="en-US"/>
           </a:p>
@@ -6297,12 +6298,216 @@
           <a:chExt cx="0" cy="0"/>
         </a:xfrm>
       </p:grpSpPr>
-      <p:sp>
-        <p:nvSpPr>
-          <p:cNvPr id="2" name="TextBox 1">
-            <a:extLst>
-              <a:ext uri="{FF2B5EF4-FFF2-40B4-BE49-F238E27FC236}">
-                <a16:creationId xmlns:a16="http://schemas.microsoft.com/office/drawing/2014/main" id="{64C5774C-2EE8-174D-B9C1-DB8ED86F19F4}"/>
+      <p:pic>
+        <p:nvPicPr>
+          <p:cNvPr id="3" name="Picture 2" descr="Diagram&#10;&#10;Description automatically generated">
+            <a:extLst>
+              <a:ext uri="{FF2B5EF4-FFF2-40B4-BE49-F238E27FC236}">
+                <a16:creationId xmlns:a16="http://schemas.microsoft.com/office/drawing/2014/main" id="{CF7A37A9-971E-9E4D-B60D-704DEAE8929E}"/>
+              </a:ext>
+            </a:extLst>
+          </p:cNvPr>
+          <p:cNvPicPr>
+            <a:picLocks noChangeAspect="1"/>
+          </p:cNvPicPr>
+          <p:nvPr/>
+        </p:nvPicPr>
+        <p:blipFill>
+          <a:blip r:embed="rId2"/>
+          <a:stretch>
+            <a:fillRect/>
+          </a:stretch>
+        </p:blipFill>
+        <p:spPr>
+          <a:xfrm>
+            <a:off x="7334456" y="1140561"/>
+            <a:ext cx="3713946" cy="865385"/>
+          </a:xfrm>
+          <a:prstGeom prst="rect">
+            <a:avLst/>
+          </a:prstGeom>
+        </p:spPr>
+      </p:pic>
+      <p:pic>
+        <p:nvPicPr>
+          <p:cNvPr id="5" name="Picture 4">
+            <a:extLst>
+              <a:ext uri="{FF2B5EF4-FFF2-40B4-BE49-F238E27FC236}">
+                <a16:creationId xmlns:a16="http://schemas.microsoft.com/office/drawing/2014/main" id="{36369A36-D204-A849-9947-1D6B8D4409A5}"/>
+              </a:ext>
+            </a:extLst>
+          </p:cNvPr>
+          <p:cNvPicPr>
+            <a:picLocks noChangeAspect="1"/>
+          </p:cNvPicPr>
+          <p:nvPr/>
+        </p:nvPicPr>
+        <p:blipFill>
+          <a:blip r:embed="rId3"/>
+          <a:stretch>
+            <a:fillRect/>
+          </a:stretch>
+        </p:blipFill>
+        <p:spPr>
+          <a:xfrm>
+            <a:off x="545538" y="982883"/>
+            <a:ext cx="4985866" cy="5654233"/>
+          </a:xfrm>
+          <a:prstGeom prst="rect">
+            <a:avLst/>
+          </a:prstGeom>
+        </p:spPr>
+      </p:pic>
+      <p:sp>
+        <p:nvSpPr>
+          <p:cNvPr id="6" name="Rectangle 5">
+            <a:extLst>
+              <a:ext uri="{FF2B5EF4-FFF2-40B4-BE49-F238E27FC236}">
+                <a16:creationId xmlns:a16="http://schemas.microsoft.com/office/drawing/2014/main" id="{320407ED-7589-BD40-8B2E-C78AE0469035}"/>
+              </a:ext>
+            </a:extLst>
+          </p:cNvPr>
+          <p:cNvSpPr/>
+          <p:nvPr/>
+        </p:nvSpPr>
+        <p:spPr>
+          <a:xfrm>
+            <a:off x="347241" y="827018"/>
+            <a:ext cx="5660020" cy="5886298"/>
+          </a:xfrm>
+          <a:prstGeom prst="rect">
+            <a:avLst/>
+          </a:prstGeom>
+          <a:noFill/>
+          <a:ln w="28575">
+            <a:solidFill>
+              <a:schemeClr val="tx1"/>
+            </a:solidFill>
+          </a:ln>
+        </p:spPr>
+        <p:style>
+          <a:lnRef idx="2">
+            <a:schemeClr val="accent1">
+              <a:shade val="50000"/>
+            </a:schemeClr>
+          </a:lnRef>
+          <a:fillRef idx="1">
+            <a:schemeClr val="accent1"/>
+          </a:fillRef>
+          <a:effectRef idx="0">
+            <a:schemeClr val="accent1"/>
+          </a:effectRef>
+          <a:fontRef idx="minor">
+            <a:schemeClr val="lt1"/>
+          </a:fontRef>
+        </p:style>
+        <p:txBody>
+          <a:bodyPr rtlCol="0" anchor="ctr"/>
+          <a:lstStyle/>
+          <a:p>
+            <a:pPr algn="ctr"/>
+            <a:endParaRPr lang="en-US"/>
+          </a:p>
+        </p:txBody>
+      </p:sp>
+      <p:sp>
+        <p:nvSpPr>
+          <p:cNvPr id="7" name="Rectangle 6">
+            <a:extLst>
+              <a:ext uri="{FF2B5EF4-FFF2-40B4-BE49-F238E27FC236}">
+                <a16:creationId xmlns:a16="http://schemas.microsoft.com/office/drawing/2014/main" id="{C3803102-AB7A-3E40-8C29-BC9C85819F72}"/>
+              </a:ext>
+            </a:extLst>
+          </p:cNvPr>
+          <p:cNvSpPr/>
+          <p:nvPr/>
+        </p:nvSpPr>
+        <p:spPr>
+          <a:xfrm>
+            <a:off x="6858599" y="868080"/>
+            <a:ext cx="4272655" cy="1238265"/>
+          </a:xfrm>
+          <a:prstGeom prst="rect">
+            <a:avLst/>
+          </a:prstGeom>
+          <a:noFill/>
+          <a:ln w="28575">
+            <a:solidFill>
+              <a:schemeClr val="tx1"/>
+            </a:solidFill>
+          </a:ln>
+        </p:spPr>
+        <p:style>
+          <a:lnRef idx="2">
+            <a:schemeClr val="accent1">
+              <a:shade val="50000"/>
+            </a:schemeClr>
+          </a:lnRef>
+          <a:fillRef idx="1">
+            <a:schemeClr val="accent1"/>
+          </a:fillRef>
+          <a:effectRef idx="0">
+            <a:schemeClr val="accent1"/>
+          </a:effectRef>
+          <a:fontRef idx="minor">
+            <a:schemeClr val="lt1"/>
+          </a:fontRef>
+        </p:style>
+        <p:txBody>
+          <a:bodyPr rtlCol="0" anchor="ctr"/>
+          <a:lstStyle/>
+          <a:p>
+            <a:pPr algn="ctr"/>
+            <a:endParaRPr lang="en-US"/>
+          </a:p>
+        </p:txBody>
+      </p:sp>
+      <p:cxnSp>
+        <p:nvCxnSpPr>
+          <p:cNvPr id="9" name="Straight Arrow Connector 8">
+            <a:extLst>
+              <a:ext uri="{FF2B5EF4-FFF2-40B4-BE49-F238E27FC236}">
+                <a16:creationId xmlns:a16="http://schemas.microsoft.com/office/drawing/2014/main" id="{AEBB8C90-F69A-3349-9E14-A9F89512DD9B}"/>
+              </a:ext>
+            </a:extLst>
+          </p:cNvPr>
+          <p:cNvCxnSpPr/>
+          <p:nvPr/>
+        </p:nvCxnSpPr>
+        <p:spPr>
+          <a:xfrm flipH="1">
+            <a:off x="6007261" y="1487213"/>
+            <a:ext cx="851338" cy="0"/>
+          </a:xfrm>
+          <a:prstGeom prst="straightConnector1">
+            <a:avLst/>
+          </a:prstGeom>
+          <a:ln w="57150">
+            <a:headEnd type="triangle"/>
+            <a:tailEnd type="triangle"/>
+          </a:ln>
+        </p:spPr>
+        <p:style>
+          <a:lnRef idx="1">
+            <a:schemeClr val="accent1"/>
+          </a:lnRef>
+          <a:fillRef idx="0">
+            <a:schemeClr val="accent1"/>
+          </a:fillRef>
+          <a:effectRef idx="0">
+            <a:schemeClr val="accent1"/>
+          </a:effectRef>
+          <a:fontRef idx="minor">
+            <a:schemeClr val="tx1"/>
+          </a:fontRef>
+        </p:style>
+      </p:cxnSp>
+      <p:sp>
+        <p:nvSpPr>
+          <p:cNvPr id="10" name="TextBox 9">
+            <a:extLst>
+              <a:ext uri="{FF2B5EF4-FFF2-40B4-BE49-F238E27FC236}">
+                <a16:creationId xmlns:a16="http://schemas.microsoft.com/office/drawing/2014/main" id="{657D6130-C600-2D48-B64F-B4FA434B8742}"/>
               </a:ext>
             </a:extLst>
           </p:cNvPr>
@@ -6311,8 +6516,8 @@
         </p:nvSpPr>
         <p:spPr>
           <a:xfrm>
-            <a:off x="3993931" y="1250731"/>
-            <a:ext cx="4204138" cy="369332"/>
+            <a:off x="6858599" y="895524"/>
+            <a:ext cx="1135118" cy="307777"/>
           </a:xfrm>
           <a:prstGeom prst="rect">
             <a:avLst/>
@@ -6326,40 +6531,8 @@
           <a:lstStyle/>
           <a:p>
             <a:r>
-              <a:rPr lang="en-US" dirty="0"/>
-              <a:t>__mm256d Avec, </a:t>
-            </a:r>
-            <a:r>
-              <a:rPr lang="en-US" dirty="0" err="1"/>
-              <a:t>Bvec</a:t>
-            </a:r>
-            <a:r>
-              <a:rPr lang="en-US" dirty="0"/>
-              <a:t>, </a:t>
-            </a:r>
-            <a:r>
-              <a:rPr lang="en-US" dirty="0" err="1"/>
-              <a:t>Cvec</a:t>
-            </a:r>
-            <a:r>
-              <a:rPr lang="en-US" dirty="0"/>
-              <a:t>, </a:t>
-            </a:r>
-            <a:r>
-              <a:rPr lang="en-US" dirty="0" err="1"/>
-              <a:t>Dvec</a:t>
-            </a:r>
-            <a:r>
-              <a:rPr lang="en-US" dirty="0"/>
-              <a:t>, </a:t>
-            </a:r>
-            <a:r>
-              <a:rPr lang="en-US" dirty="0" err="1"/>
-              <a:t>Evec</a:t>
-            </a:r>
-            <a:r>
-              <a:rPr lang="en-US" dirty="0"/>
-              <a:t>;</a:t>
+              <a:rPr lang="en-US" sz="1400" dirty="0"/>
+              <a:t>Host</a:t>
             </a:r>
           </a:p>
         </p:txBody>
@@ -6367,7 +6540,7 @@
     </p:spTree>
     <p:extLst>
       <p:ext uri="{BB962C8B-B14F-4D97-AF65-F5344CB8AC3E}">
-        <p14:creationId xmlns:p14="http://schemas.microsoft.com/office/powerpoint/2010/main" val="375202607"/>
+        <p14:creationId xmlns:p14="http://schemas.microsoft.com/office/powerpoint/2010/main" val="3511967402"/>
       </p:ext>
     </p:extLst>
   </p:cSld>
@@ -6396,6 +6569,103 @@
       </p:grpSpPr>
       <p:sp>
         <p:nvSpPr>
+          <p:cNvPr id="2" name="TextBox 1">
+            <a:extLst>
+              <a:ext uri="{FF2B5EF4-FFF2-40B4-BE49-F238E27FC236}">
+                <a16:creationId xmlns:a16="http://schemas.microsoft.com/office/drawing/2014/main" id="{64C5774C-2EE8-174D-B9C1-DB8ED86F19F4}"/>
+              </a:ext>
+            </a:extLst>
+          </p:cNvPr>
+          <p:cNvSpPr txBox="1"/>
+          <p:nvPr/>
+        </p:nvSpPr>
+        <p:spPr>
+          <a:xfrm>
+            <a:off x="3993931" y="1250731"/>
+            <a:ext cx="4204138" cy="369332"/>
+          </a:xfrm>
+          <a:prstGeom prst="rect">
+            <a:avLst/>
+          </a:prstGeom>
+          <a:noFill/>
+        </p:spPr>
+        <p:txBody>
+          <a:bodyPr wrap="square" rtlCol="0">
+            <a:spAutoFit/>
+          </a:bodyPr>
+          <a:lstStyle/>
+          <a:p>
+            <a:r>
+              <a:rPr lang="en-US" dirty="0"/>
+              <a:t>__mm256d Avec, </a:t>
+            </a:r>
+            <a:r>
+              <a:rPr lang="en-US" dirty="0" err="1"/>
+              <a:t>Bvec</a:t>
+            </a:r>
+            <a:r>
+              <a:rPr lang="en-US" dirty="0"/>
+              <a:t>, </a:t>
+            </a:r>
+            <a:r>
+              <a:rPr lang="en-US" dirty="0" err="1"/>
+              <a:t>Cvec</a:t>
+            </a:r>
+            <a:r>
+              <a:rPr lang="en-US" dirty="0"/>
+              <a:t>, </a:t>
+            </a:r>
+            <a:r>
+              <a:rPr lang="en-US" dirty="0" err="1"/>
+              <a:t>Dvec</a:t>
+            </a:r>
+            <a:r>
+              <a:rPr lang="en-US" dirty="0"/>
+              <a:t>, </a:t>
+            </a:r>
+            <a:r>
+              <a:rPr lang="en-US" dirty="0" err="1"/>
+              <a:t>Evec</a:t>
+            </a:r>
+            <a:r>
+              <a:rPr lang="en-US" dirty="0"/>
+              <a:t>;</a:t>
+            </a:r>
+          </a:p>
+        </p:txBody>
+      </p:sp>
+    </p:spTree>
+    <p:extLst>
+      <p:ext uri="{BB962C8B-B14F-4D97-AF65-F5344CB8AC3E}">
+        <p14:creationId xmlns:p14="http://schemas.microsoft.com/office/powerpoint/2010/main" val="375202607"/>
+      </p:ext>
+    </p:extLst>
+  </p:cSld>
+  <p:clrMapOvr>
+    <a:masterClrMapping/>
+  </p:clrMapOvr>
+</p:sld>
+</file>
+
+<file path=ppt/slides/slide4.xml><?xml version="1.0" encoding="utf-8"?>
+<p:sld xmlns:a="http://schemas.openxmlformats.org/drawingml/2006/main" xmlns:r="http://schemas.openxmlformats.org/officeDocument/2006/relationships" xmlns:p="http://schemas.openxmlformats.org/presentationml/2006/main">
+  <p:cSld>
+    <p:spTree>
+      <p:nvGrpSpPr>
+        <p:cNvPr id="1" name=""/>
+        <p:cNvGrpSpPr/>
+        <p:nvPr/>
+      </p:nvGrpSpPr>
+      <p:grpSpPr>
+        <a:xfrm>
+          <a:off x="0" y="0"/>
+          <a:ext cx="0" cy="0"/>
+          <a:chOff x="0" y="0"/>
+          <a:chExt cx="0" cy="0"/>
+        </a:xfrm>
+      </p:grpSpPr>
+      <p:sp>
+        <p:nvSpPr>
           <p:cNvPr id="4" name="TextBox 3">
             <a:extLst>
               <a:ext uri="{FF2B5EF4-FFF2-40B4-BE49-F238E27FC236}">
@@ -8315,7 +8585,7 @@
 </p:sld>
 </file>
 
-<file path=ppt/slides/slide4.xml><?xml version="1.0" encoding="utf-8"?>
+<file path=ppt/slides/slide5.xml><?xml version="1.0" encoding="utf-8"?>
 <p:sld xmlns:a="http://schemas.openxmlformats.org/drawingml/2006/main" xmlns:r="http://schemas.openxmlformats.org/officeDocument/2006/relationships" xmlns:p="http://schemas.openxmlformats.org/presentationml/2006/main">
   <p:cSld>
     <p:spTree>
